--- a/presentation/AI Benchmark.pptx
+++ b/presentation/AI Benchmark.pptx
@@ -5,7 +5,7 @@
     <p:sldMasterId id="2147483648" r:id="rId1"/>
   </p:sldMasterIdLst>
   <p:notesMasterIdLst>
-    <p:notesMasterId r:id="rId16"/>
+    <p:notesMasterId r:id="rId35"/>
   </p:notesMasterIdLst>
   <p:sldIdLst>
     <p:sldId id="256" r:id="rId2"/>
@@ -22,28 +22,40 @@
     <p:sldId id="298" r:id="rId13"/>
     <p:sldId id="299" r:id="rId14"/>
     <p:sldId id="300" r:id="rId15"/>
+    <p:sldId id="301" r:id="rId16"/>
+    <p:sldId id="302" r:id="rId17"/>
+    <p:sldId id="303" r:id="rId18"/>
+    <p:sldId id="304" r:id="rId19"/>
+    <p:sldId id="305" r:id="rId20"/>
+    <p:sldId id="306" r:id="rId21"/>
+    <p:sldId id="307" r:id="rId22"/>
+    <p:sldId id="308" r:id="rId23"/>
+    <p:sldId id="309" r:id="rId24"/>
+    <p:sldId id="311" r:id="rId25"/>
+    <p:sldId id="312" r:id="rId26"/>
+    <p:sldId id="313" r:id="rId27"/>
+    <p:sldId id="314" r:id="rId28"/>
+    <p:sldId id="315" r:id="rId29"/>
+    <p:sldId id="316" r:id="rId30"/>
+    <p:sldId id="317" r:id="rId31"/>
+    <p:sldId id="318" r:id="rId32"/>
+    <p:sldId id="319" r:id="rId33"/>
+    <p:sldId id="320" r:id="rId34"/>
   </p:sldIdLst>
   <p:sldSz cx="12192000" cy="6858000"/>
   <p:notesSz cx="6858000" cy="9144000"/>
   <p:embeddedFontLst>
     <p:embeddedFont>
-      <p:font typeface="lato" panose="020F0502020204030203" pitchFamily="34" charset="0"/>
-      <p:regular r:id="rId17"/>
-      <p:bold r:id="rId18"/>
-      <p:italic r:id="rId19"/>
-      <p:boldItalic r:id="rId20"/>
-    </p:embeddedFont>
-    <p:embeddedFont>
-      <p:font typeface="lato" panose="020F0502020204030203" pitchFamily="34" charset="0"/>
-      <p:regular r:id="rId17"/>
-      <p:bold r:id="rId18"/>
-      <p:italic r:id="rId19"/>
-      <p:boldItalic r:id="rId20"/>
+      <p:font typeface="lato" panose="020B0604020202020204" pitchFamily="34" charset="0"/>
+      <p:regular r:id="rId36"/>
+      <p:bold r:id="rId37"/>
+      <p:italic r:id="rId38"/>
+      <p:boldItalic r:id="rId39"/>
     </p:embeddedFont>
     <p:embeddedFont>
       <p:font typeface="맑은 고딕" panose="020B0503020000020004" pitchFamily="50" charset="-127"/>
-      <p:regular r:id="rId21"/>
-      <p:bold r:id="rId22"/>
+      <p:regular r:id="rId40"/>
+      <p:bold r:id="rId41"/>
     </p:embeddedFont>
   </p:embeddedFontLst>
   <p:kinsoku lang="ko-KR" invalStChars="、。，．：；？！’”）〕］｝〉》」』】°℃％!%￠),.:;?]}&gt;" invalEndChars="‘“（〔［｛〈《「『【￥＄\￦￡€([{&lt;$"/>
@@ -1054,6 +1066,426 @@
 </p:notes>
 </file>
 
+<file path=ppt/notesSlides/notesSlide15.xml><?xml version="1.0" encoding="utf-8"?>
+<p:notes xmlns:a="http://schemas.openxmlformats.org/drawingml/2006/main" xmlns:r="http://schemas.openxmlformats.org/officeDocument/2006/relationships" xmlns:p="http://schemas.openxmlformats.org/presentationml/2006/main">
+  <p:cSld>
+    <p:spTree>
+      <p:nvGrpSpPr>
+        <p:cNvPr id="1" name=""/>
+        <p:cNvGrpSpPr/>
+        <p:nvPr/>
+      </p:nvGrpSpPr>
+      <p:grpSpPr>
+        <a:xfrm>
+          <a:off x="0" y="0"/>
+          <a:ext cx="0" cy="0"/>
+          <a:chOff x="0" y="0"/>
+          <a:chExt cx="0" cy="0"/>
+        </a:xfrm>
+      </p:grpSpPr>
+      <p:sp>
+        <p:nvSpPr>
+          <p:cNvPr id="2" name="슬라이드 이미지 개체 틀 1"/>
+          <p:cNvSpPr>
+            <a:spLocks noGrp="1" noRot="1" noChangeAspect="1"/>
+          </p:cNvSpPr>
+          <p:nvPr>
+            <p:ph type="sldImg"/>
+          </p:nvPr>
+        </p:nvSpPr>
+        <p:spPr/>
+      </p:sp>
+      <p:sp>
+        <p:nvSpPr>
+          <p:cNvPr id="3" name="슬라이드 노트 개체 틀 2"/>
+          <p:cNvSpPr>
+            <a:spLocks noGrp="1"/>
+          </p:cNvSpPr>
+          <p:nvPr>
+            <p:ph type="body" idx="1"/>
+          </p:nvPr>
+        </p:nvSpPr>
+        <p:spPr/>
+        <p:txBody>
+          <a:bodyPr/>
+          <a:lstStyle/>
+          <a:p>
+            <a:endParaRPr lang="ko-KR" altLang="en-US" dirty="0"/>
+          </a:p>
+        </p:txBody>
+      </p:sp>
+      <p:sp>
+        <p:nvSpPr>
+          <p:cNvPr id="4" name="슬라이드 번호 개체 틀 3"/>
+          <p:cNvSpPr>
+            <a:spLocks noGrp="1"/>
+          </p:cNvSpPr>
+          <p:nvPr>
+            <p:ph type="sldNum" sz="quarter" idx="5"/>
+          </p:nvPr>
+        </p:nvSpPr>
+        <p:spPr/>
+        <p:txBody>
+          <a:bodyPr/>
+          <a:lstStyle/>
+          <a:p>
+            <a:fld id="{2CB6E87F-228F-44B2-B4EE-9BD47B249A9D}" type="slidenum">
+              <a:rPr lang="ko-KR" altLang="en-US" smtClean="0"/>
+              <a:t>15</a:t>
+            </a:fld>
+            <a:endParaRPr lang="ko-KR" altLang="en-US"/>
+          </a:p>
+        </p:txBody>
+      </p:sp>
+    </p:spTree>
+    <p:extLst>
+      <p:ext uri="{BB962C8B-B14F-4D97-AF65-F5344CB8AC3E}">
+        <p14:creationId xmlns:p14="http://schemas.microsoft.com/office/powerpoint/2010/main" val="2890714036"/>
+      </p:ext>
+    </p:extLst>
+  </p:cSld>
+  <p:clrMapOvr>
+    <a:masterClrMapping/>
+  </p:clrMapOvr>
+</p:notes>
+</file>
+
+<file path=ppt/notesSlides/notesSlide16.xml><?xml version="1.0" encoding="utf-8"?>
+<p:notes xmlns:a="http://schemas.openxmlformats.org/drawingml/2006/main" xmlns:r="http://schemas.openxmlformats.org/officeDocument/2006/relationships" xmlns:p="http://schemas.openxmlformats.org/presentationml/2006/main">
+  <p:cSld>
+    <p:spTree>
+      <p:nvGrpSpPr>
+        <p:cNvPr id="1" name=""/>
+        <p:cNvGrpSpPr/>
+        <p:nvPr/>
+      </p:nvGrpSpPr>
+      <p:grpSpPr>
+        <a:xfrm>
+          <a:off x="0" y="0"/>
+          <a:ext cx="0" cy="0"/>
+          <a:chOff x="0" y="0"/>
+          <a:chExt cx="0" cy="0"/>
+        </a:xfrm>
+      </p:grpSpPr>
+      <p:sp>
+        <p:nvSpPr>
+          <p:cNvPr id="2" name="슬라이드 이미지 개체 틀 1"/>
+          <p:cNvSpPr>
+            <a:spLocks noGrp="1" noRot="1" noChangeAspect="1"/>
+          </p:cNvSpPr>
+          <p:nvPr>
+            <p:ph type="sldImg"/>
+          </p:nvPr>
+        </p:nvSpPr>
+        <p:spPr/>
+      </p:sp>
+      <p:sp>
+        <p:nvSpPr>
+          <p:cNvPr id="3" name="슬라이드 노트 개체 틀 2"/>
+          <p:cNvSpPr>
+            <a:spLocks noGrp="1"/>
+          </p:cNvSpPr>
+          <p:nvPr>
+            <p:ph type="body" idx="1"/>
+          </p:nvPr>
+        </p:nvSpPr>
+        <p:spPr/>
+        <p:txBody>
+          <a:bodyPr/>
+          <a:lstStyle/>
+          <a:p>
+            <a:endParaRPr lang="ko-KR" altLang="en-US" dirty="0"/>
+          </a:p>
+        </p:txBody>
+      </p:sp>
+      <p:sp>
+        <p:nvSpPr>
+          <p:cNvPr id="4" name="슬라이드 번호 개체 틀 3"/>
+          <p:cNvSpPr>
+            <a:spLocks noGrp="1"/>
+          </p:cNvSpPr>
+          <p:nvPr>
+            <p:ph type="sldNum" sz="quarter" idx="5"/>
+          </p:nvPr>
+        </p:nvSpPr>
+        <p:spPr/>
+        <p:txBody>
+          <a:bodyPr/>
+          <a:lstStyle/>
+          <a:p>
+            <a:fld id="{2CB6E87F-228F-44B2-B4EE-9BD47B249A9D}" type="slidenum">
+              <a:rPr lang="ko-KR" altLang="en-US" smtClean="0"/>
+              <a:t>16</a:t>
+            </a:fld>
+            <a:endParaRPr lang="ko-KR" altLang="en-US"/>
+          </a:p>
+        </p:txBody>
+      </p:sp>
+    </p:spTree>
+    <p:extLst>
+      <p:ext uri="{BB962C8B-B14F-4D97-AF65-F5344CB8AC3E}">
+        <p14:creationId xmlns:p14="http://schemas.microsoft.com/office/powerpoint/2010/main" val="2478150859"/>
+      </p:ext>
+    </p:extLst>
+  </p:cSld>
+  <p:clrMapOvr>
+    <a:masterClrMapping/>
+  </p:clrMapOvr>
+</p:notes>
+</file>
+
+<file path=ppt/notesSlides/notesSlide17.xml><?xml version="1.0" encoding="utf-8"?>
+<p:notes xmlns:a="http://schemas.openxmlformats.org/drawingml/2006/main" xmlns:r="http://schemas.openxmlformats.org/officeDocument/2006/relationships" xmlns:p="http://schemas.openxmlformats.org/presentationml/2006/main">
+  <p:cSld>
+    <p:spTree>
+      <p:nvGrpSpPr>
+        <p:cNvPr id="1" name=""/>
+        <p:cNvGrpSpPr/>
+        <p:nvPr/>
+      </p:nvGrpSpPr>
+      <p:grpSpPr>
+        <a:xfrm>
+          <a:off x="0" y="0"/>
+          <a:ext cx="0" cy="0"/>
+          <a:chOff x="0" y="0"/>
+          <a:chExt cx="0" cy="0"/>
+        </a:xfrm>
+      </p:grpSpPr>
+      <p:sp>
+        <p:nvSpPr>
+          <p:cNvPr id="2" name="슬라이드 이미지 개체 틀 1"/>
+          <p:cNvSpPr>
+            <a:spLocks noGrp="1" noRot="1" noChangeAspect="1"/>
+          </p:cNvSpPr>
+          <p:nvPr>
+            <p:ph type="sldImg"/>
+          </p:nvPr>
+        </p:nvSpPr>
+        <p:spPr/>
+      </p:sp>
+      <p:sp>
+        <p:nvSpPr>
+          <p:cNvPr id="3" name="슬라이드 노트 개체 틀 2"/>
+          <p:cNvSpPr>
+            <a:spLocks noGrp="1"/>
+          </p:cNvSpPr>
+          <p:nvPr>
+            <p:ph type="body" idx="1"/>
+          </p:nvPr>
+        </p:nvSpPr>
+        <p:spPr/>
+        <p:txBody>
+          <a:bodyPr/>
+          <a:lstStyle/>
+          <a:p>
+            <a:endParaRPr lang="ko-KR" altLang="en-US" dirty="0"/>
+          </a:p>
+        </p:txBody>
+      </p:sp>
+      <p:sp>
+        <p:nvSpPr>
+          <p:cNvPr id="4" name="슬라이드 번호 개체 틀 3"/>
+          <p:cNvSpPr>
+            <a:spLocks noGrp="1"/>
+          </p:cNvSpPr>
+          <p:nvPr>
+            <p:ph type="sldNum" sz="quarter" idx="5"/>
+          </p:nvPr>
+        </p:nvSpPr>
+        <p:spPr/>
+        <p:txBody>
+          <a:bodyPr/>
+          <a:lstStyle/>
+          <a:p>
+            <a:fld id="{2CB6E87F-228F-44B2-B4EE-9BD47B249A9D}" type="slidenum">
+              <a:rPr lang="ko-KR" altLang="en-US" smtClean="0"/>
+              <a:t>17</a:t>
+            </a:fld>
+            <a:endParaRPr lang="ko-KR" altLang="en-US"/>
+          </a:p>
+        </p:txBody>
+      </p:sp>
+    </p:spTree>
+    <p:extLst>
+      <p:ext uri="{BB962C8B-B14F-4D97-AF65-F5344CB8AC3E}">
+        <p14:creationId xmlns:p14="http://schemas.microsoft.com/office/powerpoint/2010/main" val="374430085"/>
+      </p:ext>
+    </p:extLst>
+  </p:cSld>
+  <p:clrMapOvr>
+    <a:masterClrMapping/>
+  </p:clrMapOvr>
+</p:notes>
+</file>
+
+<file path=ppt/notesSlides/notesSlide18.xml><?xml version="1.0" encoding="utf-8"?>
+<p:notes xmlns:a="http://schemas.openxmlformats.org/drawingml/2006/main" xmlns:r="http://schemas.openxmlformats.org/officeDocument/2006/relationships" xmlns:p="http://schemas.openxmlformats.org/presentationml/2006/main">
+  <p:cSld>
+    <p:spTree>
+      <p:nvGrpSpPr>
+        <p:cNvPr id="1" name=""/>
+        <p:cNvGrpSpPr/>
+        <p:nvPr/>
+      </p:nvGrpSpPr>
+      <p:grpSpPr>
+        <a:xfrm>
+          <a:off x="0" y="0"/>
+          <a:ext cx="0" cy="0"/>
+          <a:chOff x="0" y="0"/>
+          <a:chExt cx="0" cy="0"/>
+        </a:xfrm>
+      </p:grpSpPr>
+      <p:sp>
+        <p:nvSpPr>
+          <p:cNvPr id="2" name="슬라이드 이미지 개체 틀 1"/>
+          <p:cNvSpPr>
+            <a:spLocks noGrp="1" noRot="1" noChangeAspect="1"/>
+          </p:cNvSpPr>
+          <p:nvPr>
+            <p:ph type="sldImg"/>
+          </p:nvPr>
+        </p:nvSpPr>
+        <p:spPr/>
+      </p:sp>
+      <p:sp>
+        <p:nvSpPr>
+          <p:cNvPr id="3" name="슬라이드 노트 개체 틀 2"/>
+          <p:cNvSpPr>
+            <a:spLocks noGrp="1"/>
+          </p:cNvSpPr>
+          <p:nvPr>
+            <p:ph type="body" idx="1"/>
+          </p:nvPr>
+        </p:nvSpPr>
+        <p:spPr/>
+        <p:txBody>
+          <a:bodyPr/>
+          <a:lstStyle/>
+          <a:p>
+            <a:endParaRPr lang="ko-KR" altLang="en-US" dirty="0"/>
+          </a:p>
+        </p:txBody>
+      </p:sp>
+      <p:sp>
+        <p:nvSpPr>
+          <p:cNvPr id="4" name="슬라이드 번호 개체 틀 3"/>
+          <p:cNvSpPr>
+            <a:spLocks noGrp="1"/>
+          </p:cNvSpPr>
+          <p:nvPr>
+            <p:ph type="sldNum" sz="quarter" idx="5"/>
+          </p:nvPr>
+        </p:nvSpPr>
+        <p:spPr/>
+        <p:txBody>
+          <a:bodyPr/>
+          <a:lstStyle/>
+          <a:p>
+            <a:fld id="{2CB6E87F-228F-44B2-B4EE-9BD47B249A9D}" type="slidenum">
+              <a:rPr lang="ko-KR" altLang="en-US" smtClean="0"/>
+              <a:t>18</a:t>
+            </a:fld>
+            <a:endParaRPr lang="ko-KR" altLang="en-US"/>
+          </a:p>
+        </p:txBody>
+      </p:sp>
+    </p:spTree>
+    <p:extLst>
+      <p:ext uri="{BB962C8B-B14F-4D97-AF65-F5344CB8AC3E}">
+        <p14:creationId xmlns:p14="http://schemas.microsoft.com/office/powerpoint/2010/main" val="3298045017"/>
+      </p:ext>
+    </p:extLst>
+  </p:cSld>
+  <p:clrMapOvr>
+    <a:masterClrMapping/>
+  </p:clrMapOvr>
+</p:notes>
+</file>
+
+<file path=ppt/notesSlides/notesSlide19.xml><?xml version="1.0" encoding="utf-8"?>
+<p:notes xmlns:a="http://schemas.openxmlformats.org/drawingml/2006/main" xmlns:r="http://schemas.openxmlformats.org/officeDocument/2006/relationships" xmlns:p="http://schemas.openxmlformats.org/presentationml/2006/main">
+  <p:cSld>
+    <p:spTree>
+      <p:nvGrpSpPr>
+        <p:cNvPr id="1" name=""/>
+        <p:cNvGrpSpPr/>
+        <p:nvPr/>
+      </p:nvGrpSpPr>
+      <p:grpSpPr>
+        <a:xfrm>
+          <a:off x="0" y="0"/>
+          <a:ext cx="0" cy="0"/>
+          <a:chOff x="0" y="0"/>
+          <a:chExt cx="0" cy="0"/>
+        </a:xfrm>
+      </p:grpSpPr>
+      <p:sp>
+        <p:nvSpPr>
+          <p:cNvPr id="2" name="슬라이드 이미지 개체 틀 1"/>
+          <p:cNvSpPr>
+            <a:spLocks noGrp="1" noRot="1" noChangeAspect="1"/>
+          </p:cNvSpPr>
+          <p:nvPr>
+            <p:ph type="sldImg"/>
+          </p:nvPr>
+        </p:nvSpPr>
+        <p:spPr/>
+      </p:sp>
+      <p:sp>
+        <p:nvSpPr>
+          <p:cNvPr id="3" name="슬라이드 노트 개체 틀 2"/>
+          <p:cNvSpPr>
+            <a:spLocks noGrp="1"/>
+          </p:cNvSpPr>
+          <p:nvPr>
+            <p:ph type="body" idx="1"/>
+          </p:nvPr>
+        </p:nvSpPr>
+        <p:spPr/>
+        <p:txBody>
+          <a:bodyPr/>
+          <a:lstStyle/>
+          <a:p>
+            <a:endParaRPr lang="ko-KR" altLang="en-US" dirty="0"/>
+          </a:p>
+        </p:txBody>
+      </p:sp>
+      <p:sp>
+        <p:nvSpPr>
+          <p:cNvPr id="4" name="슬라이드 번호 개체 틀 3"/>
+          <p:cNvSpPr>
+            <a:spLocks noGrp="1"/>
+          </p:cNvSpPr>
+          <p:nvPr>
+            <p:ph type="sldNum" sz="quarter" idx="5"/>
+          </p:nvPr>
+        </p:nvSpPr>
+        <p:spPr/>
+        <p:txBody>
+          <a:bodyPr/>
+          <a:lstStyle/>
+          <a:p>
+            <a:fld id="{2CB6E87F-228F-44B2-B4EE-9BD47B249A9D}" type="slidenum">
+              <a:rPr lang="ko-KR" altLang="en-US" smtClean="0"/>
+              <a:t>19</a:t>
+            </a:fld>
+            <a:endParaRPr lang="ko-KR" altLang="en-US"/>
+          </a:p>
+        </p:txBody>
+      </p:sp>
+    </p:spTree>
+    <p:extLst>
+      <p:ext uri="{BB962C8B-B14F-4D97-AF65-F5344CB8AC3E}">
+        <p14:creationId xmlns:p14="http://schemas.microsoft.com/office/powerpoint/2010/main" val="1043666758"/>
+      </p:ext>
+    </p:extLst>
+  </p:cSld>
+  <p:clrMapOvr>
+    <a:masterClrMapping/>
+  </p:clrMapOvr>
+</p:notes>
+</file>
+
 <file path=ppt/notesSlides/notesSlide2.xml><?xml version="1.0" encoding="utf-8"?>
 <p:notes xmlns:a="http://schemas.openxmlformats.org/drawingml/2006/main" xmlns:r="http://schemas.openxmlformats.org/officeDocument/2006/relationships" xmlns:p="http://schemas.openxmlformats.org/presentationml/2006/main">
   <p:cSld>
@@ -1129,6 +1561,846 @@
     <p:extLst>
       <p:ext uri="{BB962C8B-B14F-4D97-AF65-F5344CB8AC3E}">
         <p14:creationId xmlns:p14="http://schemas.microsoft.com/office/powerpoint/2010/main" val="2777079329"/>
+      </p:ext>
+    </p:extLst>
+  </p:cSld>
+  <p:clrMapOvr>
+    <a:masterClrMapping/>
+  </p:clrMapOvr>
+</p:notes>
+</file>
+
+<file path=ppt/notesSlides/notesSlide20.xml><?xml version="1.0" encoding="utf-8"?>
+<p:notes xmlns:a="http://schemas.openxmlformats.org/drawingml/2006/main" xmlns:r="http://schemas.openxmlformats.org/officeDocument/2006/relationships" xmlns:p="http://schemas.openxmlformats.org/presentationml/2006/main">
+  <p:cSld>
+    <p:spTree>
+      <p:nvGrpSpPr>
+        <p:cNvPr id="1" name=""/>
+        <p:cNvGrpSpPr/>
+        <p:nvPr/>
+      </p:nvGrpSpPr>
+      <p:grpSpPr>
+        <a:xfrm>
+          <a:off x="0" y="0"/>
+          <a:ext cx="0" cy="0"/>
+          <a:chOff x="0" y="0"/>
+          <a:chExt cx="0" cy="0"/>
+        </a:xfrm>
+      </p:grpSpPr>
+      <p:sp>
+        <p:nvSpPr>
+          <p:cNvPr id="2" name="슬라이드 이미지 개체 틀 1"/>
+          <p:cNvSpPr>
+            <a:spLocks noGrp="1" noRot="1" noChangeAspect="1"/>
+          </p:cNvSpPr>
+          <p:nvPr>
+            <p:ph type="sldImg"/>
+          </p:nvPr>
+        </p:nvSpPr>
+        <p:spPr/>
+      </p:sp>
+      <p:sp>
+        <p:nvSpPr>
+          <p:cNvPr id="3" name="슬라이드 노트 개체 틀 2"/>
+          <p:cNvSpPr>
+            <a:spLocks noGrp="1"/>
+          </p:cNvSpPr>
+          <p:nvPr>
+            <p:ph type="body" idx="1"/>
+          </p:nvPr>
+        </p:nvSpPr>
+        <p:spPr/>
+        <p:txBody>
+          <a:bodyPr/>
+          <a:lstStyle/>
+          <a:p>
+            <a:endParaRPr lang="ko-KR" altLang="en-US" dirty="0"/>
+          </a:p>
+        </p:txBody>
+      </p:sp>
+      <p:sp>
+        <p:nvSpPr>
+          <p:cNvPr id="4" name="슬라이드 번호 개체 틀 3"/>
+          <p:cNvSpPr>
+            <a:spLocks noGrp="1"/>
+          </p:cNvSpPr>
+          <p:nvPr>
+            <p:ph type="sldNum" sz="quarter" idx="5"/>
+          </p:nvPr>
+        </p:nvSpPr>
+        <p:spPr/>
+        <p:txBody>
+          <a:bodyPr/>
+          <a:lstStyle/>
+          <a:p>
+            <a:fld id="{2CB6E87F-228F-44B2-B4EE-9BD47B249A9D}" type="slidenum">
+              <a:rPr lang="ko-KR" altLang="en-US" smtClean="0"/>
+              <a:t>20</a:t>
+            </a:fld>
+            <a:endParaRPr lang="ko-KR" altLang="en-US"/>
+          </a:p>
+        </p:txBody>
+      </p:sp>
+    </p:spTree>
+    <p:extLst>
+      <p:ext uri="{BB962C8B-B14F-4D97-AF65-F5344CB8AC3E}">
+        <p14:creationId xmlns:p14="http://schemas.microsoft.com/office/powerpoint/2010/main" val="1793698875"/>
+      </p:ext>
+    </p:extLst>
+  </p:cSld>
+  <p:clrMapOvr>
+    <a:masterClrMapping/>
+  </p:clrMapOvr>
+</p:notes>
+</file>
+
+<file path=ppt/notesSlides/notesSlide21.xml><?xml version="1.0" encoding="utf-8"?>
+<p:notes xmlns:a="http://schemas.openxmlformats.org/drawingml/2006/main" xmlns:r="http://schemas.openxmlformats.org/officeDocument/2006/relationships" xmlns:p="http://schemas.openxmlformats.org/presentationml/2006/main">
+  <p:cSld>
+    <p:spTree>
+      <p:nvGrpSpPr>
+        <p:cNvPr id="1" name=""/>
+        <p:cNvGrpSpPr/>
+        <p:nvPr/>
+      </p:nvGrpSpPr>
+      <p:grpSpPr>
+        <a:xfrm>
+          <a:off x="0" y="0"/>
+          <a:ext cx="0" cy="0"/>
+          <a:chOff x="0" y="0"/>
+          <a:chExt cx="0" cy="0"/>
+        </a:xfrm>
+      </p:grpSpPr>
+      <p:sp>
+        <p:nvSpPr>
+          <p:cNvPr id="2" name="슬라이드 이미지 개체 틀 1"/>
+          <p:cNvSpPr>
+            <a:spLocks noGrp="1" noRot="1" noChangeAspect="1"/>
+          </p:cNvSpPr>
+          <p:nvPr>
+            <p:ph type="sldImg"/>
+          </p:nvPr>
+        </p:nvSpPr>
+        <p:spPr/>
+      </p:sp>
+      <p:sp>
+        <p:nvSpPr>
+          <p:cNvPr id="3" name="슬라이드 노트 개체 틀 2"/>
+          <p:cNvSpPr>
+            <a:spLocks noGrp="1"/>
+          </p:cNvSpPr>
+          <p:nvPr>
+            <p:ph type="body" idx="1"/>
+          </p:nvPr>
+        </p:nvSpPr>
+        <p:spPr/>
+        <p:txBody>
+          <a:bodyPr/>
+          <a:lstStyle/>
+          <a:p>
+            <a:endParaRPr lang="ko-KR" altLang="en-US" dirty="0"/>
+          </a:p>
+        </p:txBody>
+      </p:sp>
+      <p:sp>
+        <p:nvSpPr>
+          <p:cNvPr id="4" name="슬라이드 번호 개체 틀 3"/>
+          <p:cNvSpPr>
+            <a:spLocks noGrp="1"/>
+          </p:cNvSpPr>
+          <p:nvPr>
+            <p:ph type="sldNum" sz="quarter" idx="5"/>
+          </p:nvPr>
+        </p:nvSpPr>
+        <p:spPr/>
+        <p:txBody>
+          <a:bodyPr/>
+          <a:lstStyle/>
+          <a:p>
+            <a:fld id="{2CB6E87F-228F-44B2-B4EE-9BD47B249A9D}" type="slidenum">
+              <a:rPr lang="ko-KR" altLang="en-US" smtClean="0"/>
+              <a:t>21</a:t>
+            </a:fld>
+            <a:endParaRPr lang="ko-KR" altLang="en-US"/>
+          </a:p>
+        </p:txBody>
+      </p:sp>
+    </p:spTree>
+    <p:extLst>
+      <p:ext uri="{BB962C8B-B14F-4D97-AF65-F5344CB8AC3E}">
+        <p14:creationId xmlns:p14="http://schemas.microsoft.com/office/powerpoint/2010/main" val="2931119799"/>
+      </p:ext>
+    </p:extLst>
+  </p:cSld>
+  <p:clrMapOvr>
+    <a:masterClrMapping/>
+  </p:clrMapOvr>
+</p:notes>
+</file>
+
+<file path=ppt/notesSlides/notesSlide22.xml><?xml version="1.0" encoding="utf-8"?>
+<p:notes xmlns:a="http://schemas.openxmlformats.org/drawingml/2006/main" xmlns:r="http://schemas.openxmlformats.org/officeDocument/2006/relationships" xmlns:p="http://schemas.openxmlformats.org/presentationml/2006/main">
+  <p:cSld>
+    <p:spTree>
+      <p:nvGrpSpPr>
+        <p:cNvPr id="1" name=""/>
+        <p:cNvGrpSpPr/>
+        <p:nvPr/>
+      </p:nvGrpSpPr>
+      <p:grpSpPr>
+        <a:xfrm>
+          <a:off x="0" y="0"/>
+          <a:ext cx="0" cy="0"/>
+          <a:chOff x="0" y="0"/>
+          <a:chExt cx="0" cy="0"/>
+        </a:xfrm>
+      </p:grpSpPr>
+      <p:sp>
+        <p:nvSpPr>
+          <p:cNvPr id="2" name="슬라이드 이미지 개체 틀 1"/>
+          <p:cNvSpPr>
+            <a:spLocks noGrp="1" noRot="1" noChangeAspect="1"/>
+          </p:cNvSpPr>
+          <p:nvPr>
+            <p:ph type="sldImg"/>
+          </p:nvPr>
+        </p:nvSpPr>
+        <p:spPr/>
+      </p:sp>
+      <p:sp>
+        <p:nvSpPr>
+          <p:cNvPr id="3" name="슬라이드 노트 개체 틀 2"/>
+          <p:cNvSpPr>
+            <a:spLocks noGrp="1"/>
+          </p:cNvSpPr>
+          <p:nvPr>
+            <p:ph type="body" idx="1"/>
+          </p:nvPr>
+        </p:nvSpPr>
+        <p:spPr/>
+        <p:txBody>
+          <a:bodyPr/>
+          <a:lstStyle/>
+          <a:p>
+            <a:endParaRPr lang="ko-KR" altLang="en-US" dirty="0"/>
+          </a:p>
+        </p:txBody>
+      </p:sp>
+      <p:sp>
+        <p:nvSpPr>
+          <p:cNvPr id="4" name="슬라이드 번호 개체 틀 3"/>
+          <p:cNvSpPr>
+            <a:spLocks noGrp="1"/>
+          </p:cNvSpPr>
+          <p:nvPr>
+            <p:ph type="sldNum" sz="quarter" idx="5"/>
+          </p:nvPr>
+        </p:nvSpPr>
+        <p:spPr/>
+        <p:txBody>
+          <a:bodyPr/>
+          <a:lstStyle/>
+          <a:p>
+            <a:fld id="{2CB6E87F-228F-44B2-B4EE-9BD47B249A9D}" type="slidenum">
+              <a:rPr lang="ko-KR" altLang="en-US" smtClean="0"/>
+              <a:t>22</a:t>
+            </a:fld>
+            <a:endParaRPr lang="ko-KR" altLang="en-US"/>
+          </a:p>
+        </p:txBody>
+      </p:sp>
+    </p:spTree>
+    <p:extLst>
+      <p:ext uri="{BB962C8B-B14F-4D97-AF65-F5344CB8AC3E}">
+        <p14:creationId xmlns:p14="http://schemas.microsoft.com/office/powerpoint/2010/main" val="3153295926"/>
+      </p:ext>
+    </p:extLst>
+  </p:cSld>
+  <p:clrMapOvr>
+    <a:masterClrMapping/>
+  </p:clrMapOvr>
+</p:notes>
+</file>
+
+<file path=ppt/notesSlides/notesSlide23.xml><?xml version="1.0" encoding="utf-8"?>
+<p:notes xmlns:a="http://schemas.openxmlformats.org/drawingml/2006/main" xmlns:r="http://schemas.openxmlformats.org/officeDocument/2006/relationships" xmlns:p="http://schemas.openxmlformats.org/presentationml/2006/main">
+  <p:cSld>
+    <p:spTree>
+      <p:nvGrpSpPr>
+        <p:cNvPr id="1" name=""/>
+        <p:cNvGrpSpPr/>
+        <p:nvPr/>
+      </p:nvGrpSpPr>
+      <p:grpSpPr>
+        <a:xfrm>
+          <a:off x="0" y="0"/>
+          <a:ext cx="0" cy="0"/>
+          <a:chOff x="0" y="0"/>
+          <a:chExt cx="0" cy="0"/>
+        </a:xfrm>
+      </p:grpSpPr>
+      <p:sp>
+        <p:nvSpPr>
+          <p:cNvPr id="2" name="슬라이드 이미지 개체 틀 1"/>
+          <p:cNvSpPr>
+            <a:spLocks noGrp="1" noRot="1" noChangeAspect="1"/>
+          </p:cNvSpPr>
+          <p:nvPr>
+            <p:ph type="sldImg"/>
+          </p:nvPr>
+        </p:nvSpPr>
+        <p:spPr/>
+      </p:sp>
+      <p:sp>
+        <p:nvSpPr>
+          <p:cNvPr id="3" name="슬라이드 노트 개체 틀 2"/>
+          <p:cNvSpPr>
+            <a:spLocks noGrp="1"/>
+          </p:cNvSpPr>
+          <p:nvPr>
+            <p:ph type="body" idx="1"/>
+          </p:nvPr>
+        </p:nvSpPr>
+        <p:spPr/>
+        <p:txBody>
+          <a:bodyPr/>
+          <a:lstStyle/>
+          <a:p>
+            <a:endParaRPr lang="ko-KR" altLang="en-US" dirty="0"/>
+          </a:p>
+        </p:txBody>
+      </p:sp>
+      <p:sp>
+        <p:nvSpPr>
+          <p:cNvPr id="4" name="슬라이드 번호 개체 틀 3"/>
+          <p:cNvSpPr>
+            <a:spLocks noGrp="1"/>
+          </p:cNvSpPr>
+          <p:nvPr>
+            <p:ph type="sldNum" sz="quarter" idx="5"/>
+          </p:nvPr>
+        </p:nvSpPr>
+        <p:spPr/>
+        <p:txBody>
+          <a:bodyPr/>
+          <a:lstStyle/>
+          <a:p>
+            <a:fld id="{2CB6E87F-228F-44B2-B4EE-9BD47B249A9D}" type="slidenum">
+              <a:rPr lang="ko-KR" altLang="en-US" smtClean="0"/>
+              <a:t>23</a:t>
+            </a:fld>
+            <a:endParaRPr lang="ko-KR" altLang="en-US"/>
+          </a:p>
+        </p:txBody>
+      </p:sp>
+    </p:spTree>
+    <p:extLst>
+      <p:ext uri="{BB962C8B-B14F-4D97-AF65-F5344CB8AC3E}">
+        <p14:creationId xmlns:p14="http://schemas.microsoft.com/office/powerpoint/2010/main" val="1640383220"/>
+      </p:ext>
+    </p:extLst>
+  </p:cSld>
+  <p:clrMapOvr>
+    <a:masterClrMapping/>
+  </p:clrMapOvr>
+</p:notes>
+</file>
+
+<file path=ppt/notesSlides/notesSlide24.xml><?xml version="1.0" encoding="utf-8"?>
+<p:notes xmlns:a="http://schemas.openxmlformats.org/drawingml/2006/main" xmlns:r="http://schemas.openxmlformats.org/officeDocument/2006/relationships" xmlns:p="http://schemas.openxmlformats.org/presentationml/2006/main">
+  <p:cSld>
+    <p:spTree>
+      <p:nvGrpSpPr>
+        <p:cNvPr id="1" name=""/>
+        <p:cNvGrpSpPr/>
+        <p:nvPr/>
+      </p:nvGrpSpPr>
+      <p:grpSpPr>
+        <a:xfrm>
+          <a:off x="0" y="0"/>
+          <a:ext cx="0" cy="0"/>
+          <a:chOff x="0" y="0"/>
+          <a:chExt cx="0" cy="0"/>
+        </a:xfrm>
+      </p:grpSpPr>
+      <p:sp>
+        <p:nvSpPr>
+          <p:cNvPr id="2" name="슬라이드 이미지 개체 틀 1"/>
+          <p:cNvSpPr>
+            <a:spLocks noGrp="1" noRot="1" noChangeAspect="1"/>
+          </p:cNvSpPr>
+          <p:nvPr>
+            <p:ph type="sldImg"/>
+          </p:nvPr>
+        </p:nvSpPr>
+        <p:spPr/>
+      </p:sp>
+      <p:sp>
+        <p:nvSpPr>
+          <p:cNvPr id="3" name="슬라이드 노트 개체 틀 2"/>
+          <p:cNvSpPr>
+            <a:spLocks noGrp="1"/>
+          </p:cNvSpPr>
+          <p:nvPr>
+            <p:ph type="body" idx="1"/>
+          </p:nvPr>
+        </p:nvSpPr>
+        <p:spPr/>
+        <p:txBody>
+          <a:bodyPr/>
+          <a:lstStyle/>
+          <a:p>
+            <a:endParaRPr lang="ko-KR" altLang="en-US" dirty="0"/>
+          </a:p>
+        </p:txBody>
+      </p:sp>
+      <p:sp>
+        <p:nvSpPr>
+          <p:cNvPr id="4" name="슬라이드 번호 개체 틀 3"/>
+          <p:cNvSpPr>
+            <a:spLocks noGrp="1"/>
+          </p:cNvSpPr>
+          <p:nvPr>
+            <p:ph type="sldNum" sz="quarter" idx="5"/>
+          </p:nvPr>
+        </p:nvSpPr>
+        <p:spPr/>
+        <p:txBody>
+          <a:bodyPr/>
+          <a:lstStyle/>
+          <a:p>
+            <a:fld id="{2CB6E87F-228F-44B2-B4EE-9BD47B249A9D}" type="slidenum">
+              <a:rPr lang="ko-KR" altLang="en-US" smtClean="0"/>
+              <a:t>24</a:t>
+            </a:fld>
+            <a:endParaRPr lang="ko-KR" altLang="en-US"/>
+          </a:p>
+        </p:txBody>
+      </p:sp>
+    </p:spTree>
+    <p:extLst>
+      <p:ext uri="{BB962C8B-B14F-4D97-AF65-F5344CB8AC3E}">
+        <p14:creationId xmlns:p14="http://schemas.microsoft.com/office/powerpoint/2010/main" val="625622670"/>
+      </p:ext>
+    </p:extLst>
+  </p:cSld>
+  <p:clrMapOvr>
+    <a:masterClrMapping/>
+  </p:clrMapOvr>
+</p:notes>
+</file>
+
+<file path=ppt/notesSlides/notesSlide25.xml><?xml version="1.0" encoding="utf-8"?>
+<p:notes xmlns:a="http://schemas.openxmlformats.org/drawingml/2006/main" xmlns:r="http://schemas.openxmlformats.org/officeDocument/2006/relationships" xmlns:p="http://schemas.openxmlformats.org/presentationml/2006/main">
+  <p:cSld>
+    <p:spTree>
+      <p:nvGrpSpPr>
+        <p:cNvPr id="1" name=""/>
+        <p:cNvGrpSpPr/>
+        <p:nvPr/>
+      </p:nvGrpSpPr>
+      <p:grpSpPr>
+        <a:xfrm>
+          <a:off x="0" y="0"/>
+          <a:ext cx="0" cy="0"/>
+          <a:chOff x="0" y="0"/>
+          <a:chExt cx="0" cy="0"/>
+        </a:xfrm>
+      </p:grpSpPr>
+      <p:sp>
+        <p:nvSpPr>
+          <p:cNvPr id="2" name="슬라이드 이미지 개체 틀 1"/>
+          <p:cNvSpPr>
+            <a:spLocks noGrp="1" noRot="1" noChangeAspect="1"/>
+          </p:cNvSpPr>
+          <p:nvPr>
+            <p:ph type="sldImg"/>
+          </p:nvPr>
+        </p:nvSpPr>
+        <p:spPr/>
+      </p:sp>
+      <p:sp>
+        <p:nvSpPr>
+          <p:cNvPr id="3" name="슬라이드 노트 개체 틀 2"/>
+          <p:cNvSpPr>
+            <a:spLocks noGrp="1"/>
+          </p:cNvSpPr>
+          <p:nvPr>
+            <p:ph type="body" idx="1"/>
+          </p:nvPr>
+        </p:nvSpPr>
+        <p:spPr/>
+        <p:txBody>
+          <a:bodyPr/>
+          <a:lstStyle/>
+          <a:p>
+            <a:endParaRPr lang="ko-KR" altLang="en-US" dirty="0"/>
+          </a:p>
+        </p:txBody>
+      </p:sp>
+      <p:sp>
+        <p:nvSpPr>
+          <p:cNvPr id="4" name="슬라이드 번호 개체 틀 3"/>
+          <p:cNvSpPr>
+            <a:spLocks noGrp="1"/>
+          </p:cNvSpPr>
+          <p:nvPr>
+            <p:ph type="sldNum" sz="quarter" idx="5"/>
+          </p:nvPr>
+        </p:nvSpPr>
+        <p:spPr/>
+        <p:txBody>
+          <a:bodyPr/>
+          <a:lstStyle/>
+          <a:p>
+            <a:fld id="{2CB6E87F-228F-44B2-B4EE-9BD47B249A9D}" type="slidenum">
+              <a:rPr lang="ko-KR" altLang="en-US" smtClean="0"/>
+              <a:t>25</a:t>
+            </a:fld>
+            <a:endParaRPr lang="ko-KR" altLang="en-US"/>
+          </a:p>
+        </p:txBody>
+      </p:sp>
+    </p:spTree>
+    <p:extLst>
+      <p:ext uri="{BB962C8B-B14F-4D97-AF65-F5344CB8AC3E}">
+        <p14:creationId xmlns:p14="http://schemas.microsoft.com/office/powerpoint/2010/main" val="4210193516"/>
+      </p:ext>
+    </p:extLst>
+  </p:cSld>
+  <p:clrMapOvr>
+    <a:masterClrMapping/>
+  </p:clrMapOvr>
+</p:notes>
+</file>
+
+<file path=ppt/notesSlides/notesSlide26.xml><?xml version="1.0" encoding="utf-8"?>
+<p:notes xmlns:a="http://schemas.openxmlformats.org/drawingml/2006/main" xmlns:r="http://schemas.openxmlformats.org/officeDocument/2006/relationships" xmlns:p="http://schemas.openxmlformats.org/presentationml/2006/main">
+  <p:cSld>
+    <p:spTree>
+      <p:nvGrpSpPr>
+        <p:cNvPr id="1" name=""/>
+        <p:cNvGrpSpPr/>
+        <p:nvPr/>
+      </p:nvGrpSpPr>
+      <p:grpSpPr>
+        <a:xfrm>
+          <a:off x="0" y="0"/>
+          <a:ext cx="0" cy="0"/>
+          <a:chOff x="0" y="0"/>
+          <a:chExt cx="0" cy="0"/>
+        </a:xfrm>
+      </p:grpSpPr>
+      <p:sp>
+        <p:nvSpPr>
+          <p:cNvPr id="2" name="슬라이드 이미지 개체 틀 1"/>
+          <p:cNvSpPr>
+            <a:spLocks noGrp="1" noRot="1" noChangeAspect="1"/>
+          </p:cNvSpPr>
+          <p:nvPr>
+            <p:ph type="sldImg"/>
+          </p:nvPr>
+        </p:nvSpPr>
+        <p:spPr/>
+      </p:sp>
+      <p:sp>
+        <p:nvSpPr>
+          <p:cNvPr id="3" name="슬라이드 노트 개체 틀 2"/>
+          <p:cNvSpPr>
+            <a:spLocks noGrp="1"/>
+          </p:cNvSpPr>
+          <p:nvPr>
+            <p:ph type="body" idx="1"/>
+          </p:nvPr>
+        </p:nvSpPr>
+        <p:spPr/>
+        <p:txBody>
+          <a:bodyPr/>
+          <a:lstStyle/>
+          <a:p>
+            <a:endParaRPr lang="ko-KR" altLang="en-US" dirty="0"/>
+          </a:p>
+        </p:txBody>
+      </p:sp>
+      <p:sp>
+        <p:nvSpPr>
+          <p:cNvPr id="4" name="슬라이드 번호 개체 틀 3"/>
+          <p:cNvSpPr>
+            <a:spLocks noGrp="1"/>
+          </p:cNvSpPr>
+          <p:nvPr>
+            <p:ph type="sldNum" sz="quarter" idx="5"/>
+          </p:nvPr>
+        </p:nvSpPr>
+        <p:spPr/>
+        <p:txBody>
+          <a:bodyPr/>
+          <a:lstStyle/>
+          <a:p>
+            <a:fld id="{2CB6E87F-228F-44B2-B4EE-9BD47B249A9D}" type="slidenum">
+              <a:rPr lang="ko-KR" altLang="en-US" smtClean="0"/>
+              <a:t>26</a:t>
+            </a:fld>
+            <a:endParaRPr lang="ko-KR" altLang="en-US"/>
+          </a:p>
+        </p:txBody>
+      </p:sp>
+    </p:spTree>
+    <p:extLst>
+      <p:ext uri="{BB962C8B-B14F-4D97-AF65-F5344CB8AC3E}">
+        <p14:creationId xmlns:p14="http://schemas.microsoft.com/office/powerpoint/2010/main" val="4089004051"/>
+      </p:ext>
+    </p:extLst>
+  </p:cSld>
+  <p:clrMapOvr>
+    <a:masterClrMapping/>
+  </p:clrMapOvr>
+</p:notes>
+</file>
+
+<file path=ppt/notesSlides/notesSlide27.xml><?xml version="1.0" encoding="utf-8"?>
+<p:notes xmlns:a="http://schemas.openxmlformats.org/drawingml/2006/main" xmlns:r="http://schemas.openxmlformats.org/officeDocument/2006/relationships" xmlns:p="http://schemas.openxmlformats.org/presentationml/2006/main">
+  <p:cSld>
+    <p:spTree>
+      <p:nvGrpSpPr>
+        <p:cNvPr id="1" name=""/>
+        <p:cNvGrpSpPr/>
+        <p:nvPr/>
+      </p:nvGrpSpPr>
+      <p:grpSpPr>
+        <a:xfrm>
+          <a:off x="0" y="0"/>
+          <a:ext cx="0" cy="0"/>
+          <a:chOff x="0" y="0"/>
+          <a:chExt cx="0" cy="0"/>
+        </a:xfrm>
+      </p:grpSpPr>
+      <p:sp>
+        <p:nvSpPr>
+          <p:cNvPr id="2" name="슬라이드 이미지 개체 틀 1"/>
+          <p:cNvSpPr>
+            <a:spLocks noGrp="1" noRot="1" noChangeAspect="1"/>
+          </p:cNvSpPr>
+          <p:nvPr>
+            <p:ph type="sldImg"/>
+          </p:nvPr>
+        </p:nvSpPr>
+        <p:spPr/>
+      </p:sp>
+      <p:sp>
+        <p:nvSpPr>
+          <p:cNvPr id="3" name="슬라이드 노트 개체 틀 2"/>
+          <p:cNvSpPr>
+            <a:spLocks noGrp="1"/>
+          </p:cNvSpPr>
+          <p:nvPr>
+            <p:ph type="body" idx="1"/>
+          </p:nvPr>
+        </p:nvSpPr>
+        <p:spPr/>
+        <p:txBody>
+          <a:bodyPr/>
+          <a:lstStyle/>
+          <a:p>
+            <a:endParaRPr lang="ko-KR" altLang="en-US" dirty="0"/>
+          </a:p>
+        </p:txBody>
+      </p:sp>
+      <p:sp>
+        <p:nvSpPr>
+          <p:cNvPr id="4" name="슬라이드 번호 개체 틀 3"/>
+          <p:cNvSpPr>
+            <a:spLocks noGrp="1"/>
+          </p:cNvSpPr>
+          <p:nvPr>
+            <p:ph type="sldNum" sz="quarter" idx="5"/>
+          </p:nvPr>
+        </p:nvSpPr>
+        <p:spPr/>
+        <p:txBody>
+          <a:bodyPr/>
+          <a:lstStyle/>
+          <a:p>
+            <a:fld id="{2CB6E87F-228F-44B2-B4EE-9BD47B249A9D}" type="slidenum">
+              <a:rPr lang="ko-KR" altLang="en-US" smtClean="0"/>
+              <a:t>27</a:t>
+            </a:fld>
+            <a:endParaRPr lang="ko-KR" altLang="en-US"/>
+          </a:p>
+        </p:txBody>
+      </p:sp>
+    </p:spTree>
+    <p:extLst>
+      <p:ext uri="{BB962C8B-B14F-4D97-AF65-F5344CB8AC3E}">
+        <p14:creationId xmlns:p14="http://schemas.microsoft.com/office/powerpoint/2010/main" val="430364415"/>
+      </p:ext>
+    </p:extLst>
+  </p:cSld>
+  <p:clrMapOvr>
+    <a:masterClrMapping/>
+  </p:clrMapOvr>
+</p:notes>
+</file>
+
+<file path=ppt/notesSlides/notesSlide28.xml><?xml version="1.0" encoding="utf-8"?>
+<p:notes xmlns:a="http://schemas.openxmlformats.org/drawingml/2006/main" xmlns:r="http://schemas.openxmlformats.org/officeDocument/2006/relationships" xmlns:p="http://schemas.openxmlformats.org/presentationml/2006/main">
+  <p:cSld>
+    <p:spTree>
+      <p:nvGrpSpPr>
+        <p:cNvPr id="1" name=""/>
+        <p:cNvGrpSpPr/>
+        <p:nvPr/>
+      </p:nvGrpSpPr>
+      <p:grpSpPr>
+        <a:xfrm>
+          <a:off x="0" y="0"/>
+          <a:ext cx="0" cy="0"/>
+          <a:chOff x="0" y="0"/>
+          <a:chExt cx="0" cy="0"/>
+        </a:xfrm>
+      </p:grpSpPr>
+      <p:sp>
+        <p:nvSpPr>
+          <p:cNvPr id="2" name="슬라이드 이미지 개체 틀 1"/>
+          <p:cNvSpPr>
+            <a:spLocks noGrp="1" noRot="1" noChangeAspect="1"/>
+          </p:cNvSpPr>
+          <p:nvPr>
+            <p:ph type="sldImg"/>
+          </p:nvPr>
+        </p:nvSpPr>
+        <p:spPr/>
+      </p:sp>
+      <p:sp>
+        <p:nvSpPr>
+          <p:cNvPr id="3" name="슬라이드 노트 개체 틀 2"/>
+          <p:cNvSpPr>
+            <a:spLocks noGrp="1"/>
+          </p:cNvSpPr>
+          <p:nvPr>
+            <p:ph type="body" idx="1"/>
+          </p:nvPr>
+        </p:nvSpPr>
+        <p:spPr/>
+        <p:txBody>
+          <a:bodyPr/>
+          <a:lstStyle/>
+          <a:p>
+            <a:endParaRPr lang="ko-KR" altLang="en-US" dirty="0"/>
+          </a:p>
+        </p:txBody>
+      </p:sp>
+      <p:sp>
+        <p:nvSpPr>
+          <p:cNvPr id="4" name="슬라이드 번호 개체 틀 3"/>
+          <p:cNvSpPr>
+            <a:spLocks noGrp="1"/>
+          </p:cNvSpPr>
+          <p:nvPr>
+            <p:ph type="sldNum" sz="quarter" idx="5"/>
+          </p:nvPr>
+        </p:nvSpPr>
+        <p:spPr/>
+        <p:txBody>
+          <a:bodyPr/>
+          <a:lstStyle/>
+          <a:p>
+            <a:fld id="{2CB6E87F-228F-44B2-B4EE-9BD47B249A9D}" type="slidenum">
+              <a:rPr lang="ko-KR" altLang="en-US" smtClean="0"/>
+              <a:t>28</a:t>
+            </a:fld>
+            <a:endParaRPr lang="ko-KR" altLang="en-US"/>
+          </a:p>
+        </p:txBody>
+      </p:sp>
+    </p:spTree>
+    <p:extLst>
+      <p:ext uri="{BB962C8B-B14F-4D97-AF65-F5344CB8AC3E}">
+        <p14:creationId xmlns:p14="http://schemas.microsoft.com/office/powerpoint/2010/main" val="3628588341"/>
+      </p:ext>
+    </p:extLst>
+  </p:cSld>
+  <p:clrMapOvr>
+    <a:masterClrMapping/>
+  </p:clrMapOvr>
+</p:notes>
+</file>
+
+<file path=ppt/notesSlides/notesSlide29.xml><?xml version="1.0" encoding="utf-8"?>
+<p:notes xmlns:a="http://schemas.openxmlformats.org/drawingml/2006/main" xmlns:r="http://schemas.openxmlformats.org/officeDocument/2006/relationships" xmlns:p="http://schemas.openxmlformats.org/presentationml/2006/main">
+  <p:cSld>
+    <p:spTree>
+      <p:nvGrpSpPr>
+        <p:cNvPr id="1" name=""/>
+        <p:cNvGrpSpPr/>
+        <p:nvPr/>
+      </p:nvGrpSpPr>
+      <p:grpSpPr>
+        <a:xfrm>
+          <a:off x="0" y="0"/>
+          <a:ext cx="0" cy="0"/>
+          <a:chOff x="0" y="0"/>
+          <a:chExt cx="0" cy="0"/>
+        </a:xfrm>
+      </p:grpSpPr>
+      <p:sp>
+        <p:nvSpPr>
+          <p:cNvPr id="2" name="슬라이드 이미지 개체 틀 1"/>
+          <p:cNvSpPr>
+            <a:spLocks noGrp="1" noRot="1" noChangeAspect="1"/>
+          </p:cNvSpPr>
+          <p:nvPr>
+            <p:ph type="sldImg"/>
+          </p:nvPr>
+        </p:nvSpPr>
+        <p:spPr/>
+      </p:sp>
+      <p:sp>
+        <p:nvSpPr>
+          <p:cNvPr id="3" name="슬라이드 노트 개체 틀 2"/>
+          <p:cNvSpPr>
+            <a:spLocks noGrp="1"/>
+          </p:cNvSpPr>
+          <p:nvPr>
+            <p:ph type="body" idx="1"/>
+          </p:nvPr>
+        </p:nvSpPr>
+        <p:spPr/>
+        <p:txBody>
+          <a:bodyPr/>
+          <a:lstStyle/>
+          <a:p>
+            <a:endParaRPr lang="ko-KR" altLang="en-US" dirty="0"/>
+          </a:p>
+        </p:txBody>
+      </p:sp>
+      <p:sp>
+        <p:nvSpPr>
+          <p:cNvPr id="4" name="슬라이드 번호 개체 틀 3"/>
+          <p:cNvSpPr>
+            <a:spLocks noGrp="1"/>
+          </p:cNvSpPr>
+          <p:nvPr>
+            <p:ph type="sldNum" sz="quarter" idx="5"/>
+          </p:nvPr>
+        </p:nvSpPr>
+        <p:spPr/>
+        <p:txBody>
+          <a:bodyPr/>
+          <a:lstStyle/>
+          <a:p>
+            <a:fld id="{2CB6E87F-228F-44B2-B4EE-9BD47B249A9D}" type="slidenum">
+              <a:rPr lang="ko-KR" altLang="en-US" smtClean="0"/>
+              <a:t>29</a:t>
+            </a:fld>
+            <a:endParaRPr lang="ko-KR" altLang="en-US"/>
+          </a:p>
+        </p:txBody>
+      </p:sp>
+    </p:spTree>
+    <p:extLst>
+      <p:ext uri="{BB962C8B-B14F-4D97-AF65-F5344CB8AC3E}">
+        <p14:creationId xmlns:p14="http://schemas.microsoft.com/office/powerpoint/2010/main" val="1340680371"/>
       </p:ext>
     </p:extLst>
   </p:cSld>
@@ -1213,6 +2485,342 @@
     <p:extLst>
       <p:ext uri="{BB962C8B-B14F-4D97-AF65-F5344CB8AC3E}">
         <p14:creationId xmlns:p14="http://schemas.microsoft.com/office/powerpoint/2010/main" val="3571892313"/>
+      </p:ext>
+    </p:extLst>
+  </p:cSld>
+  <p:clrMapOvr>
+    <a:masterClrMapping/>
+  </p:clrMapOvr>
+</p:notes>
+</file>
+
+<file path=ppt/notesSlides/notesSlide30.xml><?xml version="1.0" encoding="utf-8"?>
+<p:notes xmlns:a="http://schemas.openxmlformats.org/drawingml/2006/main" xmlns:r="http://schemas.openxmlformats.org/officeDocument/2006/relationships" xmlns:p="http://schemas.openxmlformats.org/presentationml/2006/main">
+  <p:cSld>
+    <p:spTree>
+      <p:nvGrpSpPr>
+        <p:cNvPr id="1" name=""/>
+        <p:cNvGrpSpPr/>
+        <p:nvPr/>
+      </p:nvGrpSpPr>
+      <p:grpSpPr>
+        <a:xfrm>
+          <a:off x="0" y="0"/>
+          <a:ext cx="0" cy="0"/>
+          <a:chOff x="0" y="0"/>
+          <a:chExt cx="0" cy="0"/>
+        </a:xfrm>
+      </p:grpSpPr>
+      <p:sp>
+        <p:nvSpPr>
+          <p:cNvPr id="2" name="슬라이드 이미지 개체 틀 1"/>
+          <p:cNvSpPr>
+            <a:spLocks noGrp="1" noRot="1" noChangeAspect="1"/>
+          </p:cNvSpPr>
+          <p:nvPr>
+            <p:ph type="sldImg"/>
+          </p:nvPr>
+        </p:nvSpPr>
+        <p:spPr/>
+      </p:sp>
+      <p:sp>
+        <p:nvSpPr>
+          <p:cNvPr id="3" name="슬라이드 노트 개체 틀 2"/>
+          <p:cNvSpPr>
+            <a:spLocks noGrp="1"/>
+          </p:cNvSpPr>
+          <p:nvPr>
+            <p:ph type="body" idx="1"/>
+          </p:nvPr>
+        </p:nvSpPr>
+        <p:spPr/>
+        <p:txBody>
+          <a:bodyPr/>
+          <a:lstStyle/>
+          <a:p>
+            <a:endParaRPr lang="ko-KR" altLang="en-US" dirty="0"/>
+          </a:p>
+        </p:txBody>
+      </p:sp>
+      <p:sp>
+        <p:nvSpPr>
+          <p:cNvPr id="4" name="슬라이드 번호 개체 틀 3"/>
+          <p:cNvSpPr>
+            <a:spLocks noGrp="1"/>
+          </p:cNvSpPr>
+          <p:nvPr>
+            <p:ph type="sldNum" sz="quarter" idx="5"/>
+          </p:nvPr>
+        </p:nvSpPr>
+        <p:spPr/>
+        <p:txBody>
+          <a:bodyPr/>
+          <a:lstStyle/>
+          <a:p>
+            <a:fld id="{2CB6E87F-228F-44B2-B4EE-9BD47B249A9D}" type="slidenum">
+              <a:rPr lang="ko-KR" altLang="en-US" smtClean="0"/>
+              <a:t>30</a:t>
+            </a:fld>
+            <a:endParaRPr lang="ko-KR" altLang="en-US"/>
+          </a:p>
+        </p:txBody>
+      </p:sp>
+    </p:spTree>
+    <p:extLst>
+      <p:ext uri="{BB962C8B-B14F-4D97-AF65-F5344CB8AC3E}">
+        <p14:creationId xmlns:p14="http://schemas.microsoft.com/office/powerpoint/2010/main" val="2715753831"/>
+      </p:ext>
+    </p:extLst>
+  </p:cSld>
+  <p:clrMapOvr>
+    <a:masterClrMapping/>
+  </p:clrMapOvr>
+</p:notes>
+</file>
+
+<file path=ppt/notesSlides/notesSlide31.xml><?xml version="1.0" encoding="utf-8"?>
+<p:notes xmlns:a="http://schemas.openxmlformats.org/drawingml/2006/main" xmlns:r="http://schemas.openxmlformats.org/officeDocument/2006/relationships" xmlns:p="http://schemas.openxmlformats.org/presentationml/2006/main">
+  <p:cSld>
+    <p:spTree>
+      <p:nvGrpSpPr>
+        <p:cNvPr id="1" name=""/>
+        <p:cNvGrpSpPr/>
+        <p:nvPr/>
+      </p:nvGrpSpPr>
+      <p:grpSpPr>
+        <a:xfrm>
+          <a:off x="0" y="0"/>
+          <a:ext cx="0" cy="0"/>
+          <a:chOff x="0" y="0"/>
+          <a:chExt cx="0" cy="0"/>
+        </a:xfrm>
+      </p:grpSpPr>
+      <p:sp>
+        <p:nvSpPr>
+          <p:cNvPr id="2" name="슬라이드 이미지 개체 틀 1"/>
+          <p:cNvSpPr>
+            <a:spLocks noGrp="1" noRot="1" noChangeAspect="1"/>
+          </p:cNvSpPr>
+          <p:nvPr>
+            <p:ph type="sldImg"/>
+          </p:nvPr>
+        </p:nvSpPr>
+        <p:spPr/>
+      </p:sp>
+      <p:sp>
+        <p:nvSpPr>
+          <p:cNvPr id="3" name="슬라이드 노트 개체 틀 2"/>
+          <p:cNvSpPr>
+            <a:spLocks noGrp="1"/>
+          </p:cNvSpPr>
+          <p:nvPr>
+            <p:ph type="body" idx="1"/>
+          </p:nvPr>
+        </p:nvSpPr>
+        <p:spPr/>
+        <p:txBody>
+          <a:bodyPr/>
+          <a:lstStyle/>
+          <a:p>
+            <a:endParaRPr lang="ko-KR" altLang="en-US" dirty="0"/>
+          </a:p>
+        </p:txBody>
+      </p:sp>
+      <p:sp>
+        <p:nvSpPr>
+          <p:cNvPr id="4" name="슬라이드 번호 개체 틀 3"/>
+          <p:cNvSpPr>
+            <a:spLocks noGrp="1"/>
+          </p:cNvSpPr>
+          <p:nvPr>
+            <p:ph type="sldNum" sz="quarter" idx="5"/>
+          </p:nvPr>
+        </p:nvSpPr>
+        <p:spPr/>
+        <p:txBody>
+          <a:bodyPr/>
+          <a:lstStyle/>
+          <a:p>
+            <a:fld id="{2CB6E87F-228F-44B2-B4EE-9BD47B249A9D}" type="slidenum">
+              <a:rPr lang="ko-KR" altLang="en-US" smtClean="0"/>
+              <a:t>31</a:t>
+            </a:fld>
+            <a:endParaRPr lang="ko-KR" altLang="en-US"/>
+          </a:p>
+        </p:txBody>
+      </p:sp>
+    </p:spTree>
+    <p:extLst>
+      <p:ext uri="{BB962C8B-B14F-4D97-AF65-F5344CB8AC3E}">
+        <p14:creationId xmlns:p14="http://schemas.microsoft.com/office/powerpoint/2010/main" val="674149997"/>
+      </p:ext>
+    </p:extLst>
+  </p:cSld>
+  <p:clrMapOvr>
+    <a:masterClrMapping/>
+  </p:clrMapOvr>
+</p:notes>
+</file>
+
+<file path=ppt/notesSlides/notesSlide32.xml><?xml version="1.0" encoding="utf-8"?>
+<p:notes xmlns:a="http://schemas.openxmlformats.org/drawingml/2006/main" xmlns:r="http://schemas.openxmlformats.org/officeDocument/2006/relationships" xmlns:p="http://schemas.openxmlformats.org/presentationml/2006/main">
+  <p:cSld>
+    <p:spTree>
+      <p:nvGrpSpPr>
+        <p:cNvPr id="1" name=""/>
+        <p:cNvGrpSpPr/>
+        <p:nvPr/>
+      </p:nvGrpSpPr>
+      <p:grpSpPr>
+        <a:xfrm>
+          <a:off x="0" y="0"/>
+          <a:ext cx="0" cy="0"/>
+          <a:chOff x="0" y="0"/>
+          <a:chExt cx="0" cy="0"/>
+        </a:xfrm>
+      </p:grpSpPr>
+      <p:sp>
+        <p:nvSpPr>
+          <p:cNvPr id="2" name="슬라이드 이미지 개체 틀 1"/>
+          <p:cNvSpPr>
+            <a:spLocks noGrp="1" noRot="1" noChangeAspect="1"/>
+          </p:cNvSpPr>
+          <p:nvPr>
+            <p:ph type="sldImg"/>
+          </p:nvPr>
+        </p:nvSpPr>
+        <p:spPr/>
+      </p:sp>
+      <p:sp>
+        <p:nvSpPr>
+          <p:cNvPr id="3" name="슬라이드 노트 개체 틀 2"/>
+          <p:cNvSpPr>
+            <a:spLocks noGrp="1"/>
+          </p:cNvSpPr>
+          <p:nvPr>
+            <p:ph type="body" idx="1"/>
+          </p:nvPr>
+        </p:nvSpPr>
+        <p:spPr/>
+        <p:txBody>
+          <a:bodyPr/>
+          <a:lstStyle/>
+          <a:p>
+            <a:endParaRPr lang="ko-KR" altLang="en-US" dirty="0"/>
+          </a:p>
+        </p:txBody>
+      </p:sp>
+      <p:sp>
+        <p:nvSpPr>
+          <p:cNvPr id="4" name="슬라이드 번호 개체 틀 3"/>
+          <p:cNvSpPr>
+            <a:spLocks noGrp="1"/>
+          </p:cNvSpPr>
+          <p:nvPr>
+            <p:ph type="sldNum" sz="quarter" idx="5"/>
+          </p:nvPr>
+        </p:nvSpPr>
+        <p:spPr/>
+        <p:txBody>
+          <a:bodyPr/>
+          <a:lstStyle/>
+          <a:p>
+            <a:fld id="{2CB6E87F-228F-44B2-B4EE-9BD47B249A9D}" type="slidenum">
+              <a:rPr lang="ko-KR" altLang="en-US" smtClean="0"/>
+              <a:t>32</a:t>
+            </a:fld>
+            <a:endParaRPr lang="ko-KR" altLang="en-US"/>
+          </a:p>
+        </p:txBody>
+      </p:sp>
+    </p:spTree>
+    <p:extLst>
+      <p:ext uri="{BB962C8B-B14F-4D97-AF65-F5344CB8AC3E}">
+        <p14:creationId xmlns:p14="http://schemas.microsoft.com/office/powerpoint/2010/main" val="339832029"/>
+      </p:ext>
+    </p:extLst>
+  </p:cSld>
+  <p:clrMapOvr>
+    <a:masterClrMapping/>
+  </p:clrMapOvr>
+</p:notes>
+</file>
+
+<file path=ppt/notesSlides/notesSlide33.xml><?xml version="1.0" encoding="utf-8"?>
+<p:notes xmlns:a="http://schemas.openxmlformats.org/drawingml/2006/main" xmlns:r="http://schemas.openxmlformats.org/officeDocument/2006/relationships" xmlns:p="http://schemas.openxmlformats.org/presentationml/2006/main">
+  <p:cSld>
+    <p:spTree>
+      <p:nvGrpSpPr>
+        <p:cNvPr id="1" name=""/>
+        <p:cNvGrpSpPr/>
+        <p:nvPr/>
+      </p:nvGrpSpPr>
+      <p:grpSpPr>
+        <a:xfrm>
+          <a:off x="0" y="0"/>
+          <a:ext cx="0" cy="0"/>
+          <a:chOff x="0" y="0"/>
+          <a:chExt cx="0" cy="0"/>
+        </a:xfrm>
+      </p:grpSpPr>
+      <p:sp>
+        <p:nvSpPr>
+          <p:cNvPr id="2" name="슬라이드 이미지 개체 틀 1"/>
+          <p:cNvSpPr>
+            <a:spLocks noGrp="1" noRot="1" noChangeAspect="1"/>
+          </p:cNvSpPr>
+          <p:nvPr>
+            <p:ph type="sldImg"/>
+          </p:nvPr>
+        </p:nvSpPr>
+        <p:spPr/>
+      </p:sp>
+      <p:sp>
+        <p:nvSpPr>
+          <p:cNvPr id="3" name="슬라이드 노트 개체 틀 2"/>
+          <p:cNvSpPr>
+            <a:spLocks noGrp="1"/>
+          </p:cNvSpPr>
+          <p:nvPr>
+            <p:ph type="body" idx="1"/>
+          </p:nvPr>
+        </p:nvSpPr>
+        <p:spPr/>
+        <p:txBody>
+          <a:bodyPr/>
+          <a:lstStyle/>
+          <a:p>
+            <a:endParaRPr lang="ko-KR" altLang="en-US" dirty="0"/>
+          </a:p>
+        </p:txBody>
+      </p:sp>
+      <p:sp>
+        <p:nvSpPr>
+          <p:cNvPr id="4" name="슬라이드 번호 개체 틀 3"/>
+          <p:cNvSpPr>
+            <a:spLocks noGrp="1"/>
+          </p:cNvSpPr>
+          <p:nvPr>
+            <p:ph type="sldNum" sz="quarter" idx="5"/>
+          </p:nvPr>
+        </p:nvSpPr>
+        <p:spPr/>
+        <p:txBody>
+          <a:bodyPr/>
+          <a:lstStyle/>
+          <a:p>
+            <a:fld id="{2CB6E87F-228F-44B2-B4EE-9BD47B249A9D}" type="slidenum">
+              <a:rPr lang="ko-KR" altLang="en-US" smtClean="0"/>
+              <a:t>33</a:t>
+            </a:fld>
+            <a:endParaRPr lang="ko-KR" altLang="en-US"/>
+          </a:p>
+        </p:txBody>
+      </p:sp>
+    </p:spTree>
+    <p:extLst>
+      <p:ext uri="{BB962C8B-B14F-4D97-AF65-F5344CB8AC3E}">
+        <p14:creationId xmlns:p14="http://schemas.microsoft.com/office/powerpoint/2010/main" val="2879102565"/>
       </p:ext>
     </p:extLst>
   </p:cSld>
@@ -3952,31 +5560,22 @@
               <a:t>는 </a:t>
             </a:r>
             <a:r>
+              <a:rPr lang="en-US" altLang="ko-KR" dirty="0">
+                <a:solidFill>
+                  <a:srgbClr val="3B3B3B"/>
+                </a:solidFill>
+                <a:cs typeface="lato"/>
+              </a:rPr>
+              <a:t>TensorFlow </a:t>
+            </a:r>
+            <a:r>
               <a:rPr lang="en-US" altLang="ko-KR" dirty="0" err="1">
                 <a:solidFill>
                   <a:srgbClr val="3B3B3B"/>
                 </a:solidFill>
                 <a:cs typeface="lato"/>
               </a:rPr>
-              <a:t>Tensorflow</a:t>
-            </a:r>
-            <a:r>
-              <a:rPr lang="en-US" altLang="ko-KR" dirty="0">
-                <a:solidFill>
-                  <a:srgbClr val="3B3B3B"/>
-                </a:solidFill>
-                <a:cs typeface="lato"/>
-              </a:rPr>
-              <a:t> </a:t>
-            </a:r>
-            <a:r>
-              <a:rPr lang="en-US" altLang="ko-KR" dirty="0" err="1">
-                <a:solidFill>
-                  <a:srgbClr val="3B3B3B"/>
-                </a:solidFill>
-                <a:cs typeface="lato"/>
-              </a:rPr>
-              <a:t>Mible</a:t>
+              <a:t>Moble</a:t>
             </a:r>
             <a:r>
               <a:rPr lang="en-US" altLang="ko-KR" dirty="0">
@@ -4832,58 +6431,169 @@
               <a:t>는 </a:t>
             </a:r>
             <a:r>
+              <a:rPr lang="en-US" altLang="ko-KR" dirty="0">
+                <a:solidFill>
+                  <a:srgbClr val="3B3B3B"/>
+                </a:solidFill>
+                <a:cs typeface="lato"/>
+              </a:rPr>
+              <a:t>TensorFlow Lite</a:t>
+            </a:r>
+            <a:r>
+              <a:rPr lang="ko-KR" altLang="en-US" dirty="0">
+                <a:solidFill>
+                  <a:srgbClr val="3B3B3B"/>
+                </a:solidFill>
+                <a:cs typeface="lato"/>
+              </a:rPr>
+              <a:t>와 </a:t>
+            </a:r>
+            <a:r>
+              <a:rPr lang="en-US" altLang="ko-KR" dirty="0">
+                <a:solidFill>
+                  <a:srgbClr val="3B3B3B"/>
+                </a:solidFill>
+                <a:cs typeface="lato"/>
+              </a:rPr>
+              <a:t>NNAPI</a:t>
+            </a:r>
+            <a:r>
+              <a:rPr lang="ko-KR" altLang="en-US" dirty="0">
+                <a:solidFill>
+                  <a:srgbClr val="3B3B3B"/>
+                </a:solidFill>
+                <a:cs typeface="lato"/>
+              </a:rPr>
+              <a:t>를 중심으로 구현되었다</a:t>
+            </a:r>
+            <a:r>
+              <a:rPr lang="en-US" altLang="ko-KR" dirty="0">
+                <a:solidFill>
+                  <a:srgbClr val="3B3B3B"/>
+                </a:solidFill>
+                <a:cs typeface="lato"/>
+              </a:rPr>
+              <a:t>. </a:t>
+            </a:r>
+          </a:p>
+          <a:p>
+            <a:pPr>
+              <a:buFont typeface="Wingdings"/>
+              <a:buChar char="§"/>
+            </a:pPr>
+            <a:r>
+              <a:rPr lang="ko-KR" altLang="en-US" dirty="0">
+                <a:solidFill>
+                  <a:srgbClr val="3B3B3B"/>
+                </a:solidFill>
+                <a:cs typeface="lato"/>
+              </a:rPr>
+              <a:t>하드웨어 가속을 위해 </a:t>
+            </a:r>
+            <a:r>
+              <a:rPr lang="en-US" altLang="ko-KR" dirty="0">
+                <a:solidFill>
+                  <a:srgbClr val="3B3B3B"/>
+                </a:solidFill>
+                <a:cs typeface="lato"/>
+              </a:rPr>
+              <a:t>APU, GPU, NNAPI</a:t>
+            </a:r>
+            <a:r>
+              <a:rPr lang="ko-KR" altLang="en-US" dirty="0">
+                <a:solidFill>
+                  <a:srgbClr val="3B3B3B"/>
+                </a:solidFill>
+                <a:cs typeface="lato"/>
+              </a:rPr>
+              <a:t>를 사용할 수 있다</a:t>
+            </a:r>
+            <a:r>
+              <a:rPr lang="en-US" altLang="ko-KR" dirty="0">
+                <a:solidFill>
+                  <a:srgbClr val="3B3B3B"/>
+                </a:solidFill>
+                <a:cs typeface="lato"/>
+              </a:rPr>
+              <a:t>. </a:t>
+            </a:r>
+          </a:p>
+          <a:p>
+            <a:pPr>
+              <a:buFont typeface="Wingdings"/>
+              <a:buChar char="§"/>
+            </a:pPr>
+            <a:r>
               <a:rPr lang="en-US" altLang="ko-KR" dirty="0" err="1">
                 <a:solidFill>
                   <a:srgbClr val="3B3B3B"/>
                 </a:solidFill>
                 <a:cs typeface="lato"/>
               </a:rPr>
-              <a:t>Tensorflow</a:t>
-            </a:r>
-            <a:r>
-              <a:rPr lang="en-US" altLang="ko-KR" dirty="0">
-                <a:solidFill>
-                  <a:srgbClr val="3B3B3B"/>
-                </a:solidFill>
-                <a:cs typeface="lato"/>
-              </a:rPr>
-              <a:t> Lite</a:t>
-            </a:r>
-            <a:r>
-              <a:rPr lang="ko-KR" altLang="en-US" dirty="0">
-                <a:solidFill>
-                  <a:srgbClr val="3B3B3B"/>
-                </a:solidFill>
-                <a:cs typeface="lato"/>
-              </a:rPr>
-              <a:t>와 </a:t>
-            </a:r>
-            <a:r>
-              <a:rPr lang="en-US" altLang="ko-KR" dirty="0">
-                <a:solidFill>
-                  <a:srgbClr val="3B3B3B"/>
-                </a:solidFill>
-                <a:cs typeface="lato"/>
-              </a:rPr>
-              <a:t>NNAPI</a:t>
-            </a:r>
-            <a:r>
-              <a:rPr lang="ko-KR" altLang="en-US" dirty="0">
-                <a:solidFill>
-                  <a:srgbClr val="3B3B3B"/>
-                </a:solidFill>
-                <a:cs typeface="lato"/>
-              </a:rPr>
-              <a:t>를 중심으로 구현되었다</a:t>
-            </a:r>
-            <a:r>
-              <a:rPr lang="en-US" altLang="ko-KR">
-                <a:solidFill>
-                  <a:srgbClr val="3B3B3B"/>
-                </a:solidFill>
-                <a:cs typeface="lato"/>
-              </a:rPr>
-              <a:t>. </a:t>
+              <a:t>NeuroPilot</a:t>
+            </a:r>
+            <a:r>
+              <a:rPr lang="ko-KR" altLang="en-US" dirty="0">
+                <a:solidFill>
+                  <a:srgbClr val="3B3B3B"/>
+                </a:solidFill>
+                <a:cs typeface="lato"/>
+              </a:rPr>
+              <a:t>은 호환 칩에서만 작동하고</a:t>
+            </a:r>
+            <a:r>
+              <a:rPr lang="en-US" altLang="ko-KR" dirty="0">
+                <a:solidFill>
+                  <a:srgbClr val="3B3B3B"/>
+                </a:solidFill>
+                <a:cs typeface="lato"/>
+              </a:rPr>
+              <a:t>, </a:t>
+            </a:r>
+            <a:r>
+              <a:rPr lang="ko-KR" altLang="en-US" dirty="0">
+                <a:solidFill>
+                  <a:srgbClr val="3B3B3B"/>
+                </a:solidFill>
+                <a:cs typeface="lato"/>
+              </a:rPr>
+              <a:t>현재는 </a:t>
+            </a:r>
+            <a:r>
+              <a:rPr lang="en-US" altLang="ko-KR" dirty="0" err="1">
+                <a:solidFill>
+                  <a:srgbClr val="3B3B3B"/>
+                </a:solidFill>
+                <a:cs typeface="lato"/>
+              </a:rPr>
+              <a:t>Helio</a:t>
+            </a:r>
+            <a:r>
+              <a:rPr lang="en-US" altLang="ko-KR" dirty="0">
+                <a:solidFill>
+                  <a:srgbClr val="3B3B3B"/>
+                </a:solidFill>
+                <a:cs typeface="lato"/>
+              </a:rPr>
+              <a:t> P60 </a:t>
+            </a:r>
+            <a:r>
+              <a:rPr lang="ko-KR" altLang="en-US" dirty="0">
+                <a:solidFill>
+                  <a:srgbClr val="3B3B3B"/>
+                </a:solidFill>
+                <a:cs typeface="lato"/>
+              </a:rPr>
+              <a:t>칩에서만 지원한다</a:t>
+            </a:r>
+            <a:r>
+              <a:rPr lang="en-US" altLang="ko-KR" dirty="0">
+                <a:solidFill>
+                  <a:srgbClr val="3B3B3B"/>
+                </a:solidFill>
+                <a:cs typeface="lato"/>
+              </a:rPr>
+              <a:t>.</a:t>
             </a:r>
           </a:p>
           <a:p>
@@ -4949,6 +6659,2126 @@
     <p:extLst>
       <p:ext uri="{BB962C8B-B14F-4D97-AF65-F5344CB8AC3E}">
         <p14:creationId xmlns:p14="http://schemas.microsoft.com/office/powerpoint/2010/main" val="1077539172"/>
+      </p:ext>
+    </p:extLst>
+  </p:cSld>
+  <p:clrMapOvr>
+    <a:masterClrMapping/>
+  </p:clrMapOvr>
+</p:sld>
+</file>
+
+<file path=ppt/slides/slide15.xml><?xml version="1.0" encoding="utf-8"?>
+<p:sld xmlns:a="http://schemas.openxmlformats.org/drawingml/2006/main" xmlns:r="http://schemas.openxmlformats.org/officeDocument/2006/relationships" xmlns:p="http://schemas.openxmlformats.org/presentationml/2006/main">
+  <p:cSld>
+    <p:spTree>
+      <p:nvGrpSpPr>
+        <p:cNvPr id="1" name=""/>
+        <p:cNvGrpSpPr/>
+        <p:nvPr/>
+      </p:nvGrpSpPr>
+      <p:grpSpPr>
+        <a:xfrm>
+          <a:off x="0" y="0"/>
+          <a:ext cx="0" cy="0"/>
+          <a:chOff x="0" y="0"/>
+          <a:chExt cx="0" cy="0"/>
+        </a:xfrm>
+      </p:grpSpPr>
+      <p:sp>
+        <p:nvSpPr>
+          <p:cNvPr id="3" name="내용 개체 틀 2">
+            <a:extLst>
+              <a:ext uri="{FF2B5EF4-FFF2-40B4-BE49-F238E27FC236}">
+                <a16:creationId xmlns:a16="http://schemas.microsoft.com/office/drawing/2014/main" id="{4BDBFE05-562B-4399-AF9E-26DFE47FAD6D}"/>
+              </a:ext>
+            </a:extLst>
+          </p:cNvPr>
+          <p:cNvSpPr>
+            <a:spLocks noGrp="1"/>
+          </p:cNvSpPr>
+          <p:nvPr>
+            <p:ph idx="1"/>
+          </p:nvPr>
+        </p:nvSpPr>
+        <p:spPr/>
+        <p:txBody>
+          <a:bodyPr vert="horz" lIns="91440" tIns="45720" rIns="91440" bIns="45720" rtlCol="0" anchor="t">
+            <a:normAutofit/>
+          </a:bodyPr>
+          <a:lstStyle/>
+          <a:p>
+            <a:pPr>
+              <a:buFont typeface="Wingdings"/>
+              <a:buChar char="§"/>
+            </a:pPr>
+            <a:r>
+              <a:rPr lang="en-US" altLang="ko-KR" dirty="0">
+                <a:solidFill>
+                  <a:srgbClr val="3B3B3B"/>
+                </a:solidFill>
+                <a:cs typeface="lato"/>
+              </a:rPr>
+              <a:t>Samsung(</a:t>
+            </a:r>
+            <a:r>
+              <a:rPr lang="ko-KR" altLang="en-US" dirty="0">
+                <a:solidFill>
+                  <a:srgbClr val="3B3B3B"/>
+                </a:solidFill>
+                <a:cs typeface="lato"/>
+              </a:rPr>
+              <a:t>이하 삼성</a:t>
+            </a:r>
+            <a:r>
+              <a:rPr lang="en-US" altLang="ko-KR" dirty="0">
+                <a:solidFill>
+                  <a:srgbClr val="3B3B3B"/>
+                </a:solidFill>
+                <a:cs typeface="lato"/>
+              </a:rPr>
+              <a:t>)</a:t>
+            </a:r>
+            <a:r>
+              <a:rPr lang="ko-KR" altLang="en-US" dirty="0">
+                <a:solidFill>
+                  <a:srgbClr val="3B3B3B"/>
+                </a:solidFill>
+                <a:cs typeface="lato"/>
+              </a:rPr>
+              <a:t>은</a:t>
+            </a:r>
+            <a:r>
+              <a:rPr lang="en-US" altLang="ko-KR" dirty="0">
+                <a:solidFill>
+                  <a:srgbClr val="3B3B3B"/>
+                </a:solidFill>
+                <a:cs typeface="lato"/>
+              </a:rPr>
+              <a:t> 1969</a:t>
+            </a:r>
+            <a:r>
+              <a:rPr lang="ko-KR" altLang="en-US" dirty="0">
+                <a:solidFill>
+                  <a:srgbClr val="3B3B3B"/>
+                </a:solidFill>
+                <a:cs typeface="lato"/>
+              </a:rPr>
+              <a:t>년에 설립된 한국의 전자 회사이다</a:t>
+            </a:r>
+            <a:r>
+              <a:rPr lang="en-US" altLang="ko-KR" dirty="0">
+                <a:solidFill>
+                  <a:srgbClr val="3B3B3B"/>
+                </a:solidFill>
+                <a:cs typeface="lato"/>
+              </a:rPr>
+              <a:t>. 1988</a:t>
+            </a:r>
+            <a:r>
+              <a:rPr lang="ko-KR" altLang="en-US" dirty="0">
+                <a:solidFill>
+                  <a:srgbClr val="3B3B3B"/>
+                </a:solidFill>
+                <a:cs typeface="lato"/>
+              </a:rPr>
+              <a:t>년에 삼성 반도체와 합병했고</a:t>
+            </a:r>
+            <a:r>
+              <a:rPr lang="en-US" altLang="ko-KR" dirty="0">
+                <a:solidFill>
+                  <a:srgbClr val="3B3B3B"/>
+                </a:solidFill>
+                <a:cs typeface="lato"/>
+              </a:rPr>
+              <a:t>, </a:t>
+            </a:r>
+            <a:r>
+              <a:rPr lang="ko-KR" altLang="en-US" dirty="0">
+                <a:solidFill>
+                  <a:srgbClr val="3B3B3B"/>
+                </a:solidFill>
+                <a:cs typeface="lato"/>
+              </a:rPr>
+              <a:t>현재의 이름을 유지했다</a:t>
+            </a:r>
+            <a:r>
+              <a:rPr lang="en-US" altLang="ko-KR" dirty="0">
+                <a:solidFill>
+                  <a:srgbClr val="3B3B3B"/>
+                </a:solidFill>
+                <a:cs typeface="lato"/>
+              </a:rPr>
+              <a:t>.</a:t>
+            </a:r>
+          </a:p>
+          <a:p>
+            <a:pPr>
+              <a:buFont typeface="Wingdings"/>
+              <a:buChar char="§"/>
+            </a:pPr>
+            <a:r>
+              <a:rPr lang="en-US" altLang="ko-KR" dirty="0" err="1">
+                <a:solidFill>
+                  <a:srgbClr val="3B3B3B"/>
+                </a:solidFill>
+                <a:cs typeface="lato"/>
+              </a:rPr>
+              <a:t>Exynos</a:t>
+            </a:r>
+            <a:r>
+              <a:rPr lang="en-US" altLang="ko-KR" dirty="0">
+                <a:solidFill>
+                  <a:srgbClr val="3B3B3B"/>
+                </a:solidFill>
+                <a:cs typeface="lato"/>
+              </a:rPr>
+              <a:t> 8895</a:t>
+            </a:r>
+            <a:r>
+              <a:rPr lang="ko-KR" altLang="en-US" dirty="0">
+                <a:solidFill>
+                  <a:srgbClr val="3B3B3B"/>
+                </a:solidFill>
+                <a:cs typeface="lato"/>
+              </a:rPr>
+              <a:t>는 </a:t>
+            </a:r>
+            <a:r>
+              <a:rPr lang="en-US" altLang="ko-KR" dirty="0">
+                <a:solidFill>
+                  <a:srgbClr val="3B3B3B"/>
+                </a:solidFill>
+                <a:cs typeface="lato"/>
+              </a:rPr>
+              <a:t>VPU(Vison Processing Unit) </a:t>
+            </a:r>
+            <a:r>
+              <a:rPr lang="ko-KR" altLang="en-US" dirty="0">
+                <a:solidFill>
+                  <a:srgbClr val="3B3B3B"/>
+                </a:solidFill>
+                <a:cs typeface="lato"/>
+              </a:rPr>
+              <a:t>카메라를 위해 사용되는 </a:t>
+            </a:r>
+            <a:r>
+              <a:rPr lang="en-US" altLang="ko-KR" dirty="0">
+                <a:solidFill>
+                  <a:srgbClr val="3B3B3B"/>
+                </a:solidFill>
+                <a:cs typeface="lato"/>
+              </a:rPr>
+              <a:t>AI </a:t>
+            </a:r>
+            <a:r>
+              <a:rPr lang="ko-KR" altLang="en-US" dirty="0">
+                <a:solidFill>
+                  <a:srgbClr val="3B3B3B"/>
+                </a:solidFill>
+                <a:cs typeface="lato"/>
+              </a:rPr>
+              <a:t>칩으로 소개되었다</a:t>
+            </a:r>
+            <a:r>
+              <a:rPr lang="en-US" altLang="ko-KR" dirty="0">
+                <a:solidFill>
+                  <a:srgbClr val="3B3B3B"/>
+                </a:solidFill>
+                <a:cs typeface="lato"/>
+              </a:rPr>
+              <a:t>. NNAPI  </a:t>
+            </a:r>
+            <a:r>
+              <a:rPr lang="ko-KR" altLang="en-US" dirty="0">
+                <a:solidFill>
+                  <a:srgbClr val="3B3B3B"/>
+                </a:solidFill>
+                <a:cs typeface="lato"/>
+              </a:rPr>
+              <a:t>드라이버는 아직 개발되지 않았다</a:t>
+            </a:r>
+            <a:r>
+              <a:rPr lang="en-US" altLang="ko-KR" dirty="0">
+                <a:solidFill>
+                  <a:srgbClr val="3B3B3B"/>
+                </a:solidFill>
+                <a:cs typeface="lato"/>
+              </a:rPr>
+              <a:t>.</a:t>
+            </a:r>
+            <a:endParaRPr lang="ko-KR" altLang="en-US" dirty="0">
+              <a:solidFill>
+                <a:srgbClr val="3B3B3B"/>
+              </a:solidFill>
+              <a:cs typeface="lato"/>
+            </a:endParaRPr>
+          </a:p>
+          <a:p>
+            <a:pPr>
+              <a:buFont typeface="Wingdings"/>
+              <a:buChar char="§"/>
+            </a:pPr>
+            <a:r>
+              <a:rPr lang="ko-KR" altLang="en-US" dirty="0">
+                <a:solidFill>
+                  <a:srgbClr val="3B3B3B"/>
+                </a:solidFill>
+                <a:cs typeface="lato"/>
+              </a:rPr>
+              <a:t>현재 시장 점유율은 약 </a:t>
+            </a:r>
+            <a:r>
+              <a:rPr lang="en-US" altLang="ko-KR" dirty="0">
+                <a:solidFill>
+                  <a:srgbClr val="3B3B3B"/>
+                </a:solidFill>
+                <a:cs typeface="lato"/>
+              </a:rPr>
+              <a:t>10%</a:t>
+            </a:r>
+            <a:r>
+              <a:rPr lang="ko-KR" altLang="en-US" dirty="0">
+                <a:solidFill>
+                  <a:srgbClr val="3B3B3B"/>
+                </a:solidFill>
+                <a:cs typeface="lato"/>
+              </a:rPr>
+              <a:t> 정도이다</a:t>
+            </a:r>
+            <a:r>
+              <a:rPr lang="en-US" altLang="ko-KR" dirty="0">
+                <a:solidFill>
+                  <a:srgbClr val="3B3B3B"/>
+                </a:solidFill>
+                <a:cs typeface="lato"/>
+              </a:rPr>
+              <a:t>.</a:t>
+            </a:r>
+          </a:p>
+          <a:p>
+            <a:pPr>
+              <a:buFont typeface="Wingdings"/>
+              <a:buChar char="§"/>
+            </a:pPr>
+            <a:endParaRPr lang="en-US" altLang="ko-KR" dirty="0">
+              <a:solidFill>
+                <a:srgbClr val="3B3B3B"/>
+              </a:solidFill>
+              <a:cs typeface="lato"/>
+            </a:endParaRPr>
+          </a:p>
+        </p:txBody>
+      </p:sp>
+      <p:sp>
+        <p:nvSpPr>
+          <p:cNvPr id="2" name="제목 1">
+            <a:extLst>
+              <a:ext uri="{FF2B5EF4-FFF2-40B4-BE49-F238E27FC236}">
+                <a16:creationId xmlns:a16="http://schemas.microsoft.com/office/drawing/2014/main" id="{03F7A937-0ADC-4867-B171-96098389F72C}"/>
+              </a:ext>
+            </a:extLst>
+          </p:cNvPr>
+          <p:cNvSpPr>
+            <a:spLocks noGrp="1"/>
+          </p:cNvSpPr>
+          <p:nvPr>
+            <p:ph type="title"/>
+          </p:nvPr>
+        </p:nvSpPr>
+        <p:spPr>
+          <a:xfrm>
+            <a:off x="205740" y="130233"/>
+            <a:ext cx="11757660" cy="700498"/>
+          </a:xfrm>
+        </p:spPr>
+        <p:txBody>
+          <a:bodyPr/>
+          <a:lstStyle/>
+          <a:p>
+            <a:r>
+              <a:rPr lang="en-US" altLang="ko-KR" dirty="0">
+                <a:latin typeface="+mn-ea"/>
+                <a:ea typeface="+mn-ea"/>
+                <a:cs typeface="lato"/>
+              </a:rPr>
+              <a:t>Samsung</a:t>
+            </a:r>
+          </a:p>
+        </p:txBody>
+      </p:sp>
+      <p:grpSp>
+        <p:nvGrpSpPr>
+          <p:cNvPr id="7" name="그룹 6">
+            <a:extLst>
+              <a:ext uri="{FF2B5EF4-FFF2-40B4-BE49-F238E27FC236}">
+                <a16:creationId xmlns:a16="http://schemas.microsoft.com/office/drawing/2014/main" id="{5F5592EB-ADEE-4A88-BB76-089C1888A68A}"/>
+              </a:ext>
+            </a:extLst>
+          </p:cNvPr>
+          <p:cNvGrpSpPr/>
+          <p:nvPr/>
+        </p:nvGrpSpPr>
+        <p:grpSpPr>
+          <a:xfrm>
+            <a:off x="994300" y="4204023"/>
+            <a:ext cx="4057094" cy="1965474"/>
+            <a:chOff x="870013" y="4170265"/>
+            <a:chExt cx="4057094" cy="1965474"/>
+          </a:xfrm>
+        </p:grpSpPr>
+        <p:sp>
+          <p:nvSpPr>
+            <p:cNvPr id="16" name="TextBox 15">
+              <a:extLst>
+                <a:ext uri="{FF2B5EF4-FFF2-40B4-BE49-F238E27FC236}">
+                  <a16:creationId xmlns:a16="http://schemas.microsoft.com/office/drawing/2014/main" id="{706BFD9E-5A24-4B8D-8CC0-2234953F1157}"/>
+                </a:ext>
+              </a:extLst>
+            </p:cNvPr>
+            <p:cNvSpPr txBox="1"/>
+            <p:nvPr/>
+          </p:nvSpPr>
+          <p:spPr>
+            <a:xfrm>
+              <a:off x="870013" y="5904907"/>
+              <a:ext cx="4057094" cy="230832"/>
+            </a:xfrm>
+            <a:prstGeom prst="rect">
+              <a:avLst/>
+            </a:prstGeom>
+            <a:noFill/>
+          </p:spPr>
+          <p:txBody>
+            <a:bodyPr wrap="square">
+              <a:spAutoFit/>
+            </a:bodyPr>
+            <a:lstStyle/>
+            <a:p>
+              <a:r>
+                <a:rPr lang="ko-KR" altLang="en-US" sz="900" dirty="0">
+                  <a:latin typeface="+mn-ea"/>
+                </a:rPr>
+                <a:t>출처</a:t>
+              </a:r>
+              <a:r>
+                <a:rPr lang="en-US" altLang="ko-KR" sz="900" dirty="0">
+                  <a:latin typeface="+mn-ea"/>
+                </a:rPr>
+                <a:t>: https://www.samsung.com/sec/about-us/brand-identity/logo/</a:t>
+              </a:r>
+              <a:endParaRPr lang="ko-KR" altLang="en-US" sz="900" dirty="0">
+                <a:latin typeface="+mn-ea"/>
+              </a:endParaRPr>
+            </a:p>
+          </p:txBody>
+        </p:sp>
+        <p:pic>
+          <p:nvPicPr>
+            <p:cNvPr id="1026" name="Picture 2" descr="로고 | 브랜드 아이덴티티 | 회사 소개 | Samsung 대한민국">
+              <a:extLst>
+                <a:ext uri="{FF2B5EF4-FFF2-40B4-BE49-F238E27FC236}">
+                  <a16:creationId xmlns:a16="http://schemas.microsoft.com/office/drawing/2014/main" id="{3A988A69-0E2B-4CC7-9CA5-8C276C756CA0}"/>
+                </a:ext>
+              </a:extLst>
+            </p:cNvPr>
+            <p:cNvPicPr>
+              <a:picLocks noChangeAspect="1" noChangeArrowheads="1"/>
+            </p:cNvPicPr>
+            <p:nvPr/>
+          </p:nvPicPr>
+          <p:blipFill>
+            <a:blip r:embed="rId3">
+              <a:extLst>
+                <a:ext uri="{28A0092B-C50C-407E-A947-70E740481C1C}">
+                  <a14:useLocalDpi xmlns:a14="http://schemas.microsoft.com/office/drawing/2010/main" val="0"/>
+                </a:ext>
+              </a:extLst>
+            </a:blip>
+            <a:srcRect/>
+            <a:stretch>
+              <a:fillRect/>
+            </a:stretch>
+          </p:blipFill>
+          <p:spPr bwMode="auto">
+            <a:xfrm>
+              <a:off x="1148918" y="4170265"/>
+              <a:ext cx="3041342" cy="1664290"/>
+            </a:xfrm>
+            <a:prstGeom prst="rect">
+              <a:avLst/>
+            </a:prstGeom>
+            <a:noFill/>
+          </p:spPr>
+        </p:pic>
+      </p:grpSp>
+      <p:grpSp>
+        <p:nvGrpSpPr>
+          <p:cNvPr id="10" name="그룹 9">
+            <a:extLst>
+              <a:ext uri="{FF2B5EF4-FFF2-40B4-BE49-F238E27FC236}">
+                <a16:creationId xmlns:a16="http://schemas.microsoft.com/office/drawing/2014/main" id="{08F17622-86AF-4556-B445-F7EDE91E4681}"/>
+              </a:ext>
+            </a:extLst>
+          </p:cNvPr>
+          <p:cNvGrpSpPr/>
+          <p:nvPr/>
+        </p:nvGrpSpPr>
+        <p:grpSpPr>
+          <a:xfrm>
+            <a:off x="7259438" y="3584199"/>
+            <a:ext cx="4310891" cy="2816130"/>
+            <a:chOff x="7259438" y="3584199"/>
+            <a:chExt cx="4310891" cy="2816130"/>
+          </a:xfrm>
+        </p:grpSpPr>
+        <p:pic>
+          <p:nvPicPr>
+            <p:cNvPr id="1030" name="Picture 6" descr="삼성, Exynos 2100 SoC 발표: X1 코어를 사용하여 5nm에서 새로운 재시동">
+              <a:extLst>
+                <a:ext uri="{FF2B5EF4-FFF2-40B4-BE49-F238E27FC236}">
+                  <a16:creationId xmlns:a16="http://schemas.microsoft.com/office/drawing/2014/main" id="{BA71ADEE-BB01-4085-B6BF-855B1721E59B}"/>
+                </a:ext>
+              </a:extLst>
+            </p:cNvPr>
+            <p:cNvPicPr>
+              <a:picLocks noChangeAspect="1" noChangeArrowheads="1"/>
+            </p:cNvPicPr>
+            <p:nvPr/>
+          </p:nvPicPr>
+          <p:blipFill>
+            <a:blip r:embed="rId4">
+              <a:extLst>
+                <a:ext uri="{28A0092B-C50C-407E-A947-70E740481C1C}">
+                  <a14:useLocalDpi xmlns:a14="http://schemas.microsoft.com/office/drawing/2010/main" val="0"/>
+                </a:ext>
+              </a:extLst>
+            </a:blip>
+            <a:srcRect/>
+            <a:stretch>
+              <a:fillRect/>
+            </a:stretch>
+          </p:blipFill>
+          <p:spPr bwMode="auto">
+            <a:xfrm>
+              <a:off x="7259438" y="3584199"/>
+              <a:ext cx="3659357" cy="2585298"/>
+            </a:xfrm>
+            <a:prstGeom prst="rect">
+              <a:avLst/>
+            </a:prstGeom>
+            <a:noFill/>
+            <a:extLst>
+              <a:ext uri="{909E8E84-426E-40DD-AFC4-6F175D3DCCD1}">
+                <a14:hiddenFill xmlns:a14="http://schemas.microsoft.com/office/drawing/2010/main">
+                  <a:solidFill>
+                    <a:srgbClr val="FFFFFF"/>
+                  </a:solidFill>
+                </a14:hiddenFill>
+              </a:ext>
+            </a:extLst>
+          </p:spPr>
+        </p:pic>
+        <p:sp>
+          <p:nvSpPr>
+            <p:cNvPr id="21" name="TextBox 20">
+              <a:extLst>
+                <a:ext uri="{FF2B5EF4-FFF2-40B4-BE49-F238E27FC236}">
+                  <a16:creationId xmlns:a16="http://schemas.microsoft.com/office/drawing/2014/main" id="{DF55063E-DE77-4E7B-8086-A3BD837F8162}"/>
+                </a:ext>
+              </a:extLst>
+            </p:cNvPr>
+            <p:cNvSpPr txBox="1"/>
+            <p:nvPr/>
+          </p:nvSpPr>
+          <p:spPr>
+            <a:xfrm>
+              <a:off x="7259438" y="6169497"/>
+              <a:ext cx="4310891" cy="230832"/>
+            </a:xfrm>
+            <a:prstGeom prst="rect">
+              <a:avLst/>
+            </a:prstGeom>
+            <a:noFill/>
+          </p:spPr>
+          <p:txBody>
+            <a:bodyPr wrap="square">
+              <a:spAutoFit/>
+            </a:bodyPr>
+            <a:lstStyle/>
+            <a:p>
+              <a:r>
+                <a:rPr lang="ko-KR" altLang="en-US" sz="900" dirty="0">
+                  <a:latin typeface="+mn-ea"/>
+                </a:rPr>
+                <a:t>출처</a:t>
+              </a:r>
+              <a:r>
+                <a:rPr lang="en-US" altLang="ko-KR" sz="900" dirty="0">
+                  <a:latin typeface="+mn-ea"/>
+                </a:rPr>
+                <a:t>: </a:t>
+              </a:r>
+              <a:r>
+                <a:rPr lang="ko-KR" altLang="en-US" sz="900" dirty="0">
+                  <a:latin typeface="+mn-ea"/>
+                </a:rPr>
+                <a:t>https://www.editoy.com/posts/18494</a:t>
+              </a:r>
+            </a:p>
+          </p:txBody>
+        </p:sp>
+      </p:grpSp>
+    </p:spTree>
+    <p:extLst>
+      <p:ext uri="{BB962C8B-B14F-4D97-AF65-F5344CB8AC3E}">
+        <p14:creationId xmlns:p14="http://schemas.microsoft.com/office/powerpoint/2010/main" val="2553373058"/>
+      </p:ext>
+    </p:extLst>
+  </p:cSld>
+  <p:clrMapOvr>
+    <a:masterClrMapping/>
+  </p:clrMapOvr>
+</p:sld>
+</file>
+
+<file path=ppt/slides/slide16.xml><?xml version="1.0" encoding="utf-8"?>
+<p:sld xmlns:a="http://schemas.openxmlformats.org/drawingml/2006/main" xmlns:r="http://schemas.openxmlformats.org/officeDocument/2006/relationships" xmlns:p="http://schemas.openxmlformats.org/presentationml/2006/main">
+  <p:cSld>
+    <p:spTree>
+      <p:nvGrpSpPr>
+        <p:cNvPr id="1" name=""/>
+        <p:cNvGrpSpPr/>
+        <p:nvPr/>
+      </p:nvGrpSpPr>
+      <p:grpSpPr>
+        <a:xfrm>
+          <a:off x="0" y="0"/>
+          <a:ext cx="0" cy="0"/>
+          <a:chOff x="0" y="0"/>
+          <a:chExt cx="0" cy="0"/>
+        </a:xfrm>
+      </p:grpSpPr>
+      <p:sp>
+        <p:nvSpPr>
+          <p:cNvPr id="3" name="내용 개체 틀 2">
+            <a:extLst>
+              <a:ext uri="{FF2B5EF4-FFF2-40B4-BE49-F238E27FC236}">
+                <a16:creationId xmlns:a16="http://schemas.microsoft.com/office/drawing/2014/main" id="{4BDBFE05-562B-4399-AF9E-26DFE47FAD6D}"/>
+              </a:ext>
+            </a:extLst>
+          </p:cNvPr>
+          <p:cNvSpPr>
+            <a:spLocks noGrp="1"/>
+          </p:cNvSpPr>
+          <p:nvPr>
+            <p:ph idx="1"/>
+          </p:nvPr>
+        </p:nvSpPr>
+        <p:spPr/>
+        <p:txBody>
+          <a:bodyPr vert="horz" lIns="91440" tIns="45720" rIns="91440" bIns="45720" rtlCol="0" anchor="t">
+            <a:normAutofit/>
+          </a:bodyPr>
+          <a:lstStyle/>
+          <a:p>
+            <a:pPr>
+              <a:buFont typeface="Wingdings"/>
+              <a:buChar char="§"/>
+            </a:pPr>
+            <a:r>
+              <a:rPr lang="ko-KR" altLang="en-US" dirty="0">
+                <a:solidFill>
+                  <a:srgbClr val="3B3B3B"/>
+                </a:solidFill>
+                <a:cs typeface="lato"/>
+              </a:rPr>
+              <a:t>구글은 안드로이드와 별개로 안드로이드 </a:t>
+            </a:r>
+            <a:r>
+              <a:rPr lang="en-US" altLang="ko-KR" dirty="0">
+                <a:solidFill>
+                  <a:srgbClr val="3B3B3B"/>
+                </a:solidFill>
+                <a:cs typeface="lato"/>
+              </a:rPr>
+              <a:t>2.1</a:t>
+            </a:r>
+            <a:r>
+              <a:rPr lang="ko-KR" altLang="en-US" dirty="0">
+                <a:solidFill>
+                  <a:srgbClr val="3B3B3B"/>
+                </a:solidFill>
+                <a:cs typeface="lato"/>
+              </a:rPr>
+              <a:t>부터 매년 스마트폰과 태블릿을 </a:t>
+            </a:r>
+            <a:r>
+              <a:rPr lang="en-US" altLang="ko-KR" dirty="0">
+                <a:solidFill>
+                  <a:srgbClr val="3B3B3B"/>
+                </a:solidFill>
+                <a:cs typeface="lato"/>
+              </a:rPr>
+              <a:t>Nexus </a:t>
+            </a:r>
+            <a:r>
+              <a:rPr lang="ko-KR" altLang="en-US" dirty="0">
+                <a:solidFill>
+                  <a:srgbClr val="3B3B3B"/>
+                </a:solidFill>
+                <a:cs typeface="lato"/>
+              </a:rPr>
+              <a:t>브랜드 하에 출시했다</a:t>
+            </a:r>
+            <a:r>
+              <a:rPr lang="en-US" altLang="ko-KR" dirty="0">
+                <a:solidFill>
+                  <a:srgbClr val="3B3B3B"/>
+                </a:solidFill>
+                <a:cs typeface="lato"/>
+              </a:rPr>
+              <a:t>. </a:t>
+            </a:r>
+          </a:p>
+          <a:p>
+            <a:pPr>
+              <a:buFont typeface="Wingdings"/>
+              <a:buChar char="§"/>
+            </a:pPr>
+            <a:r>
+              <a:rPr lang="en-US" altLang="ko-KR" dirty="0">
+                <a:solidFill>
+                  <a:srgbClr val="3B3B3B"/>
+                </a:solidFill>
+                <a:cs typeface="lato"/>
+              </a:rPr>
+              <a:t>2016</a:t>
+            </a:r>
+            <a:r>
+              <a:rPr lang="ko-KR" altLang="en-US" dirty="0">
+                <a:solidFill>
+                  <a:srgbClr val="3B3B3B"/>
+                </a:solidFill>
+                <a:cs typeface="lato"/>
+              </a:rPr>
+              <a:t>년에 이는 새로운 브랜드 </a:t>
+            </a:r>
+            <a:r>
+              <a:rPr lang="en-US" altLang="ko-KR" dirty="0">
+                <a:solidFill>
+                  <a:srgbClr val="3B3B3B"/>
+                </a:solidFill>
+                <a:cs typeface="lato"/>
+              </a:rPr>
+              <a:t>Google Pixel</a:t>
+            </a:r>
+            <a:r>
+              <a:rPr lang="ko-KR" altLang="en-US" dirty="0">
+                <a:solidFill>
+                  <a:srgbClr val="3B3B3B"/>
+                </a:solidFill>
+                <a:cs typeface="lato"/>
+              </a:rPr>
+              <a:t>로 변경되었다</a:t>
+            </a:r>
+            <a:r>
+              <a:rPr lang="en-US" altLang="ko-KR" dirty="0">
+                <a:solidFill>
+                  <a:srgbClr val="3B3B3B"/>
+                </a:solidFill>
+                <a:cs typeface="lato"/>
+              </a:rPr>
+              <a:t>. </a:t>
+            </a:r>
+            <a:endParaRPr lang="ko-KR" altLang="en-US" dirty="0">
+              <a:solidFill>
+                <a:srgbClr val="3B3B3B"/>
+              </a:solidFill>
+              <a:cs typeface="lato"/>
+            </a:endParaRPr>
+          </a:p>
+          <a:p>
+            <a:pPr>
+              <a:buFont typeface="Wingdings"/>
+              <a:buChar char="§"/>
+            </a:pPr>
+            <a:r>
+              <a:rPr lang="ko-KR" altLang="en-US" dirty="0">
+                <a:solidFill>
+                  <a:srgbClr val="3B3B3B"/>
+                </a:solidFill>
+                <a:cs typeface="lato"/>
+              </a:rPr>
+              <a:t>이들은 주로 </a:t>
+            </a:r>
+            <a:r>
+              <a:rPr lang="ko-KR" altLang="en-US" dirty="0" err="1">
+                <a:solidFill>
+                  <a:srgbClr val="3B3B3B"/>
+                </a:solidFill>
+                <a:cs typeface="lato"/>
+              </a:rPr>
+              <a:t>퀄컴의</a:t>
+            </a:r>
+            <a:r>
+              <a:rPr lang="ko-KR" altLang="en-US" dirty="0">
+                <a:solidFill>
+                  <a:srgbClr val="3B3B3B"/>
+                </a:solidFill>
+                <a:cs typeface="lato"/>
+              </a:rPr>
+              <a:t> </a:t>
+            </a:r>
+            <a:r>
+              <a:rPr lang="en-US" altLang="ko-KR" dirty="0">
+                <a:solidFill>
+                  <a:srgbClr val="3B3B3B"/>
+                </a:solidFill>
+                <a:latin typeface="+mj-ea"/>
+                <a:ea typeface="+mj-ea"/>
+                <a:cs typeface="lato"/>
+              </a:rPr>
+              <a:t>SoC</a:t>
+            </a:r>
+            <a:r>
+              <a:rPr lang="ko-KR" altLang="en-US" dirty="0">
+                <a:solidFill>
+                  <a:srgbClr val="3B3B3B"/>
+                </a:solidFill>
+                <a:cs typeface="lato"/>
+              </a:rPr>
+              <a:t>를 사용한다</a:t>
+            </a:r>
+            <a:r>
+              <a:rPr lang="en-US" altLang="ko-KR" dirty="0">
+                <a:solidFill>
+                  <a:srgbClr val="3B3B3B"/>
+                </a:solidFill>
+                <a:cs typeface="lato"/>
+              </a:rPr>
+              <a:t>. </a:t>
+            </a:r>
+          </a:p>
+        </p:txBody>
+      </p:sp>
+      <p:sp>
+        <p:nvSpPr>
+          <p:cNvPr id="2" name="제목 1">
+            <a:extLst>
+              <a:ext uri="{FF2B5EF4-FFF2-40B4-BE49-F238E27FC236}">
+                <a16:creationId xmlns:a16="http://schemas.microsoft.com/office/drawing/2014/main" id="{03F7A937-0ADC-4867-B171-96098389F72C}"/>
+              </a:ext>
+            </a:extLst>
+          </p:cNvPr>
+          <p:cNvSpPr>
+            <a:spLocks noGrp="1"/>
+          </p:cNvSpPr>
+          <p:nvPr>
+            <p:ph type="title"/>
+          </p:nvPr>
+        </p:nvSpPr>
+        <p:spPr>
+          <a:xfrm>
+            <a:off x="205740" y="130233"/>
+            <a:ext cx="11757660" cy="700498"/>
+          </a:xfrm>
+        </p:spPr>
+        <p:txBody>
+          <a:bodyPr/>
+          <a:lstStyle/>
+          <a:p>
+            <a:r>
+              <a:rPr lang="en-US" altLang="ko-KR" dirty="0">
+                <a:latin typeface="+mn-ea"/>
+                <a:ea typeface="+mn-ea"/>
+                <a:cs typeface="lato"/>
+              </a:rPr>
+              <a:t>Google Pixel</a:t>
+            </a:r>
+          </a:p>
+        </p:txBody>
+      </p:sp>
+    </p:spTree>
+    <p:extLst>
+      <p:ext uri="{BB962C8B-B14F-4D97-AF65-F5344CB8AC3E}">
+        <p14:creationId xmlns:p14="http://schemas.microsoft.com/office/powerpoint/2010/main" val="3026053880"/>
+      </p:ext>
+    </p:extLst>
+  </p:cSld>
+  <p:clrMapOvr>
+    <a:masterClrMapping/>
+  </p:clrMapOvr>
+</p:sld>
+</file>
+
+<file path=ppt/slides/slide17.xml><?xml version="1.0" encoding="utf-8"?>
+<p:sld xmlns:a="http://schemas.openxmlformats.org/drawingml/2006/main" xmlns:r="http://schemas.openxmlformats.org/officeDocument/2006/relationships" xmlns:p="http://schemas.openxmlformats.org/presentationml/2006/main">
+  <p:cSld>
+    <p:spTree>
+      <p:nvGrpSpPr>
+        <p:cNvPr id="1" name=""/>
+        <p:cNvGrpSpPr/>
+        <p:nvPr/>
+      </p:nvGrpSpPr>
+      <p:grpSpPr>
+        <a:xfrm>
+          <a:off x="0" y="0"/>
+          <a:ext cx="0" cy="0"/>
+          <a:chOff x="0" y="0"/>
+          <a:chExt cx="0" cy="0"/>
+        </a:xfrm>
+      </p:grpSpPr>
+      <p:sp>
+        <p:nvSpPr>
+          <p:cNvPr id="3" name="내용 개체 틀 2">
+            <a:extLst>
+              <a:ext uri="{FF2B5EF4-FFF2-40B4-BE49-F238E27FC236}">
+                <a16:creationId xmlns:a16="http://schemas.microsoft.com/office/drawing/2014/main" id="{4BDBFE05-562B-4399-AF9E-26DFE47FAD6D}"/>
+              </a:ext>
+            </a:extLst>
+          </p:cNvPr>
+          <p:cNvSpPr>
+            <a:spLocks noGrp="1"/>
+          </p:cNvSpPr>
+          <p:nvPr>
+            <p:ph idx="1"/>
+          </p:nvPr>
+        </p:nvSpPr>
+        <p:spPr/>
+        <p:txBody>
+          <a:bodyPr vert="horz" lIns="91440" tIns="45720" rIns="91440" bIns="45720" rtlCol="0" anchor="t">
+            <a:normAutofit/>
+          </a:bodyPr>
+          <a:lstStyle/>
+          <a:p>
+            <a:pPr>
+              <a:buFont typeface="Wingdings"/>
+              <a:buChar char="§"/>
+            </a:pPr>
+            <a:r>
+              <a:rPr lang="en-US" altLang="ko-KR" dirty="0">
+                <a:solidFill>
+                  <a:srgbClr val="3B3B3B"/>
+                </a:solidFill>
+                <a:cs typeface="lato"/>
+              </a:rPr>
+              <a:t>Pixel</a:t>
+            </a:r>
+            <a:r>
+              <a:rPr lang="ko-KR" altLang="en-US" dirty="0">
+                <a:solidFill>
+                  <a:srgbClr val="3B3B3B"/>
+                </a:solidFill>
+                <a:cs typeface="lato"/>
+              </a:rPr>
+              <a:t> </a:t>
+            </a:r>
+            <a:r>
+              <a:rPr lang="en-US" altLang="ko-KR" dirty="0">
+                <a:solidFill>
+                  <a:srgbClr val="3B3B3B"/>
+                </a:solidFill>
+                <a:cs typeface="lato"/>
+              </a:rPr>
+              <a:t>2(XL) </a:t>
+            </a:r>
+            <a:r>
+              <a:rPr lang="ko-KR" altLang="en-US" dirty="0">
+                <a:solidFill>
+                  <a:srgbClr val="3B3B3B"/>
+                </a:solidFill>
+                <a:cs typeface="lato"/>
+              </a:rPr>
+              <a:t>모델부터</a:t>
+            </a:r>
+            <a:r>
+              <a:rPr lang="en-US" altLang="ko-KR" dirty="0">
+                <a:solidFill>
+                  <a:srgbClr val="3B3B3B"/>
+                </a:solidFill>
+                <a:cs typeface="lato"/>
+              </a:rPr>
+              <a:t>, Intel</a:t>
+            </a:r>
+            <a:r>
+              <a:rPr lang="ko-KR" altLang="en-US" dirty="0">
+                <a:solidFill>
+                  <a:srgbClr val="3B3B3B"/>
+                </a:solidFill>
+                <a:cs typeface="lato"/>
+              </a:rPr>
+              <a:t>과 협력한 </a:t>
+            </a:r>
+            <a:r>
+              <a:rPr lang="en-US" altLang="ko-KR" dirty="0">
+                <a:solidFill>
+                  <a:srgbClr val="3B3B3B"/>
+                </a:solidFill>
+                <a:cs typeface="lato"/>
+              </a:rPr>
+              <a:t>Pixel Visual Core AI Chip</a:t>
+            </a:r>
+            <a:r>
+              <a:rPr lang="ko-KR" altLang="en-US" dirty="0">
+                <a:solidFill>
+                  <a:srgbClr val="3B3B3B"/>
+                </a:solidFill>
+                <a:cs typeface="lato"/>
+              </a:rPr>
+              <a:t>을 추가했다</a:t>
+            </a:r>
+            <a:r>
+              <a:rPr lang="en-US" altLang="ko-KR" dirty="0">
+                <a:solidFill>
+                  <a:srgbClr val="3B3B3B"/>
+                </a:solidFill>
+                <a:cs typeface="lato"/>
+              </a:rPr>
+              <a:t>. </a:t>
+            </a:r>
+          </a:p>
+          <a:p>
+            <a:pPr>
+              <a:buFont typeface="Wingdings"/>
+              <a:buChar char="§"/>
+            </a:pPr>
+            <a:r>
+              <a:rPr lang="ko-KR" altLang="en-US" dirty="0">
+                <a:solidFill>
+                  <a:srgbClr val="3B3B3B"/>
+                </a:solidFill>
+                <a:cs typeface="lato"/>
+              </a:rPr>
+              <a:t>해당 칩은 </a:t>
+            </a:r>
+            <a:r>
+              <a:rPr lang="en-US" altLang="ko-KR" dirty="0">
+                <a:solidFill>
+                  <a:srgbClr val="3B3B3B"/>
+                </a:solidFill>
+                <a:cs typeface="lato"/>
+              </a:rPr>
+              <a:t>TensorFlow (Lite) </a:t>
+            </a:r>
+            <a:r>
+              <a:rPr lang="ko-KR" altLang="en-US" dirty="0">
+                <a:solidFill>
+                  <a:srgbClr val="3B3B3B"/>
+                </a:solidFill>
+                <a:cs typeface="lato"/>
+              </a:rPr>
+              <a:t>연산에서 준수한 성능을 보인다</a:t>
+            </a:r>
+            <a:r>
+              <a:rPr lang="en-US" altLang="ko-KR" dirty="0">
+                <a:solidFill>
+                  <a:srgbClr val="3B3B3B"/>
+                </a:solidFill>
+                <a:cs typeface="lato"/>
+              </a:rPr>
+              <a:t>.</a:t>
+            </a:r>
+          </a:p>
+          <a:p>
+            <a:pPr>
+              <a:buFont typeface="Wingdings"/>
+              <a:buChar char="§"/>
+            </a:pPr>
+            <a:r>
+              <a:rPr lang="ko-KR" altLang="en-US" dirty="0">
+                <a:solidFill>
+                  <a:srgbClr val="3B3B3B"/>
+                </a:solidFill>
+                <a:cs typeface="lato"/>
+              </a:rPr>
+              <a:t>하지만</a:t>
+            </a:r>
+            <a:r>
+              <a:rPr lang="en-US" altLang="ko-KR" dirty="0">
+                <a:solidFill>
+                  <a:srgbClr val="3B3B3B"/>
+                </a:solidFill>
+                <a:cs typeface="lato"/>
+              </a:rPr>
+              <a:t>, </a:t>
+            </a:r>
+            <a:r>
+              <a:rPr lang="ko-KR" altLang="en-US" dirty="0">
+                <a:solidFill>
+                  <a:srgbClr val="3B3B3B"/>
+                </a:solidFill>
+                <a:cs typeface="lato"/>
+              </a:rPr>
+              <a:t>상응하는 </a:t>
+            </a:r>
+            <a:r>
+              <a:rPr lang="en-US" altLang="ko-KR" dirty="0">
+                <a:solidFill>
+                  <a:srgbClr val="3B3B3B"/>
+                </a:solidFill>
+                <a:cs typeface="lato"/>
+              </a:rPr>
+              <a:t>SDK</a:t>
+            </a:r>
+            <a:r>
+              <a:rPr lang="ko-KR" altLang="en-US" dirty="0">
+                <a:solidFill>
+                  <a:srgbClr val="3B3B3B"/>
+                </a:solidFill>
+                <a:cs typeface="lato"/>
+              </a:rPr>
+              <a:t>나 </a:t>
+            </a:r>
+            <a:r>
+              <a:rPr lang="en-US" altLang="ko-KR" dirty="0">
+                <a:solidFill>
+                  <a:srgbClr val="3B3B3B"/>
+                </a:solidFill>
+                <a:cs typeface="lato"/>
+              </a:rPr>
+              <a:t>NNAPI</a:t>
+            </a:r>
+            <a:r>
+              <a:rPr lang="ko-KR" altLang="en-US" dirty="0">
+                <a:solidFill>
+                  <a:srgbClr val="3B3B3B"/>
+                </a:solidFill>
+                <a:cs typeface="lato"/>
+              </a:rPr>
+              <a:t>가 존재하지 않는다</a:t>
+            </a:r>
+            <a:r>
+              <a:rPr lang="en-US" altLang="ko-KR" dirty="0">
+                <a:solidFill>
+                  <a:srgbClr val="3B3B3B"/>
+                </a:solidFill>
+                <a:cs typeface="lato"/>
+              </a:rPr>
+              <a:t>.</a:t>
+            </a:r>
+          </a:p>
+          <a:p>
+            <a:pPr>
+              <a:buFont typeface="Wingdings"/>
+              <a:buChar char="§"/>
+            </a:pPr>
+            <a:r>
+              <a:rPr lang="ko-KR" altLang="en-US" dirty="0">
+                <a:solidFill>
+                  <a:srgbClr val="3B3B3B"/>
+                </a:solidFill>
+                <a:cs typeface="lato"/>
+              </a:rPr>
+              <a:t>따라서 외부의 개발자는 하드웨어 가속을 사용할 수 없다</a:t>
+            </a:r>
+            <a:r>
+              <a:rPr lang="en-US" altLang="ko-KR" dirty="0">
+                <a:solidFill>
+                  <a:srgbClr val="3B3B3B"/>
+                </a:solidFill>
+                <a:cs typeface="lato"/>
+              </a:rPr>
+              <a:t>.</a:t>
+            </a:r>
+          </a:p>
+          <a:p>
+            <a:pPr>
+              <a:buFont typeface="Wingdings"/>
+              <a:buChar char="§"/>
+            </a:pPr>
+            <a:endParaRPr lang="en-US" altLang="ko-KR" dirty="0">
+              <a:solidFill>
+                <a:srgbClr val="3B3B3B"/>
+              </a:solidFill>
+              <a:cs typeface="lato"/>
+            </a:endParaRPr>
+          </a:p>
+        </p:txBody>
+      </p:sp>
+      <p:sp>
+        <p:nvSpPr>
+          <p:cNvPr id="2" name="제목 1">
+            <a:extLst>
+              <a:ext uri="{FF2B5EF4-FFF2-40B4-BE49-F238E27FC236}">
+                <a16:creationId xmlns:a16="http://schemas.microsoft.com/office/drawing/2014/main" id="{03F7A937-0ADC-4867-B171-96098389F72C}"/>
+              </a:ext>
+            </a:extLst>
+          </p:cNvPr>
+          <p:cNvSpPr>
+            <a:spLocks noGrp="1"/>
+          </p:cNvSpPr>
+          <p:nvPr>
+            <p:ph type="title"/>
+          </p:nvPr>
+        </p:nvSpPr>
+        <p:spPr>
+          <a:xfrm>
+            <a:off x="205740" y="130233"/>
+            <a:ext cx="11757660" cy="700498"/>
+          </a:xfrm>
+        </p:spPr>
+        <p:txBody>
+          <a:bodyPr/>
+          <a:lstStyle/>
+          <a:p>
+            <a:r>
+              <a:rPr lang="en-US" altLang="ko-KR" dirty="0">
+                <a:latin typeface="+mn-ea"/>
+                <a:ea typeface="+mn-ea"/>
+                <a:cs typeface="lato"/>
+              </a:rPr>
+              <a:t>Pixel</a:t>
+            </a:r>
+            <a:r>
+              <a:rPr lang="ko-KR" altLang="en-US" dirty="0">
+                <a:latin typeface="+mn-ea"/>
+                <a:ea typeface="+mn-ea"/>
+                <a:cs typeface="lato"/>
+              </a:rPr>
+              <a:t> </a:t>
+            </a:r>
+            <a:r>
+              <a:rPr lang="en-US" altLang="ko-KR" dirty="0">
+                <a:latin typeface="+mn-ea"/>
+                <a:ea typeface="+mn-ea"/>
+                <a:cs typeface="lato"/>
+              </a:rPr>
+              <a:t>Visual</a:t>
+            </a:r>
+            <a:r>
+              <a:rPr lang="ko-KR" altLang="en-US" dirty="0">
+                <a:latin typeface="+mn-ea"/>
+                <a:ea typeface="+mn-ea"/>
+                <a:cs typeface="lato"/>
+              </a:rPr>
+              <a:t> </a:t>
+            </a:r>
+            <a:r>
+              <a:rPr lang="en-US" altLang="ko-KR" dirty="0">
+                <a:latin typeface="+mn-ea"/>
+                <a:ea typeface="+mn-ea"/>
+                <a:cs typeface="lato"/>
+              </a:rPr>
+              <a:t>Core</a:t>
+            </a:r>
+            <a:r>
+              <a:rPr lang="ko-KR" altLang="en-US" dirty="0">
+                <a:latin typeface="+mn-ea"/>
+                <a:ea typeface="+mn-ea"/>
+                <a:cs typeface="lato"/>
+              </a:rPr>
+              <a:t> </a:t>
+            </a:r>
+            <a:r>
+              <a:rPr lang="en-US" altLang="ko-KR" dirty="0">
+                <a:latin typeface="+mn-ea"/>
+                <a:ea typeface="+mn-ea"/>
+                <a:cs typeface="lato"/>
+              </a:rPr>
+              <a:t>AI</a:t>
+            </a:r>
+            <a:r>
+              <a:rPr lang="ko-KR" altLang="en-US" dirty="0">
+                <a:latin typeface="+mn-ea"/>
+                <a:ea typeface="+mn-ea"/>
+                <a:cs typeface="lato"/>
+              </a:rPr>
+              <a:t> </a:t>
+            </a:r>
+            <a:r>
+              <a:rPr lang="en-US" altLang="ko-KR" dirty="0">
+                <a:latin typeface="+mn-ea"/>
+                <a:ea typeface="+mn-ea"/>
+                <a:cs typeface="lato"/>
+              </a:rPr>
+              <a:t>Chip</a:t>
+            </a:r>
+          </a:p>
+        </p:txBody>
+      </p:sp>
+      <p:grpSp>
+        <p:nvGrpSpPr>
+          <p:cNvPr id="4" name="그룹 3">
+            <a:extLst>
+              <a:ext uri="{FF2B5EF4-FFF2-40B4-BE49-F238E27FC236}">
+                <a16:creationId xmlns:a16="http://schemas.microsoft.com/office/drawing/2014/main" id="{30ED12C9-2721-4FE5-BE42-FB58476E5484}"/>
+              </a:ext>
+            </a:extLst>
+          </p:cNvPr>
+          <p:cNvGrpSpPr/>
+          <p:nvPr/>
+        </p:nvGrpSpPr>
+        <p:grpSpPr>
+          <a:xfrm>
+            <a:off x="8506288" y="1877725"/>
+            <a:ext cx="3545889" cy="3652965"/>
+            <a:chOff x="8646111" y="2793531"/>
+            <a:chExt cx="3545889" cy="3652965"/>
+          </a:xfrm>
+        </p:grpSpPr>
+        <p:pic>
+          <p:nvPicPr>
+            <p:cNvPr id="5" name="그림 4">
+              <a:extLst>
+                <a:ext uri="{FF2B5EF4-FFF2-40B4-BE49-F238E27FC236}">
+                  <a16:creationId xmlns:a16="http://schemas.microsoft.com/office/drawing/2014/main" id="{33ED765A-93A5-42EF-967E-86BF83818B33}"/>
+                </a:ext>
+              </a:extLst>
+            </p:cNvPr>
+            <p:cNvPicPr>
+              <a:picLocks noChangeAspect="1"/>
+            </p:cNvPicPr>
+            <p:nvPr/>
+          </p:nvPicPr>
+          <p:blipFill>
+            <a:blip r:embed="rId3"/>
+            <a:stretch>
+              <a:fillRect/>
+            </a:stretch>
+          </p:blipFill>
+          <p:spPr>
+            <a:xfrm>
+              <a:off x="8981974" y="2793531"/>
+              <a:ext cx="2844190" cy="3375966"/>
+            </a:xfrm>
+            <a:prstGeom prst="rect">
+              <a:avLst/>
+            </a:prstGeom>
+          </p:spPr>
+        </p:pic>
+        <p:sp>
+          <p:nvSpPr>
+            <p:cNvPr id="6" name="TextBox 5">
+              <a:extLst>
+                <a:ext uri="{FF2B5EF4-FFF2-40B4-BE49-F238E27FC236}">
+                  <a16:creationId xmlns:a16="http://schemas.microsoft.com/office/drawing/2014/main" id="{1B71B0F6-D24A-4923-BE02-5966EEAC0D66}"/>
+                </a:ext>
+              </a:extLst>
+            </p:cNvPr>
+            <p:cNvSpPr txBox="1"/>
+            <p:nvPr/>
+          </p:nvSpPr>
+          <p:spPr>
+            <a:xfrm>
+              <a:off x="8646111" y="6169497"/>
+              <a:ext cx="3545889" cy="276999"/>
+            </a:xfrm>
+            <a:prstGeom prst="rect">
+              <a:avLst/>
+            </a:prstGeom>
+            <a:noFill/>
+          </p:spPr>
+          <p:txBody>
+            <a:bodyPr wrap="square">
+              <a:spAutoFit/>
+            </a:bodyPr>
+            <a:lstStyle/>
+            <a:p>
+              <a:r>
+                <a:rPr lang="en-US" altLang="ko-KR" sz="1200" dirty="0"/>
+                <a:t>The architecture of the Pixel Visual Core AI Chip.</a:t>
+              </a:r>
+              <a:endParaRPr lang="ko-KR" altLang="en-US" sz="1200" dirty="0"/>
+            </a:p>
+          </p:txBody>
+        </p:sp>
+      </p:grpSp>
+    </p:spTree>
+    <p:extLst>
+      <p:ext uri="{BB962C8B-B14F-4D97-AF65-F5344CB8AC3E}">
+        <p14:creationId xmlns:p14="http://schemas.microsoft.com/office/powerpoint/2010/main" val="2023728820"/>
+      </p:ext>
+    </p:extLst>
+  </p:cSld>
+  <p:clrMapOvr>
+    <a:masterClrMapping/>
+  </p:clrMapOvr>
+</p:sld>
+</file>
+
+<file path=ppt/slides/slide18.xml><?xml version="1.0" encoding="utf-8"?>
+<p:sld xmlns:a="http://schemas.openxmlformats.org/drawingml/2006/main" xmlns:r="http://schemas.openxmlformats.org/officeDocument/2006/relationships" xmlns:p="http://schemas.openxmlformats.org/presentationml/2006/main">
+  <p:cSld>
+    <p:spTree>
+      <p:nvGrpSpPr>
+        <p:cNvPr id="1" name=""/>
+        <p:cNvGrpSpPr/>
+        <p:nvPr/>
+      </p:nvGrpSpPr>
+      <p:grpSpPr>
+        <a:xfrm>
+          <a:off x="0" y="0"/>
+          <a:ext cx="0" cy="0"/>
+          <a:chOff x="0" y="0"/>
+          <a:chExt cx="0" cy="0"/>
+        </a:xfrm>
+      </p:grpSpPr>
+      <p:sp>
+        <p:nvSpPr>
+          <p:cNvPr id="3" name="내용 개체 틀 2">
+            <a:extLst>
+              <a:ext uri="{FF2B5EF4-FFF2-40B4-BE49-F238E27FC236}">
+                <a16:creationId xmlns:a16="http://schemas.microsoft.com/office/drawing/2014/main" id="{4BDBFE05-562B-4399-AF9E-26DFE47FAD6D}"/>
+              </a:ext>
+            </a:extLst>
+          </p:cNvPr>
+          <p:cNvSpPr>
+            <a:spLocks noGrp="1"/>
+          </p:cNvSpPr>
+          <p:nvPr>
+            <p:ph idx="1"/>
+          </p:nvPr>
+        </p:nvSpPr>
+        <p:spPr/>
+        <p:txBody>
+          <a:bodyPr vert="horz" lIns="91440" tIns="45720" rIns="91440" bIns="45720" rtlCol="0" anchor="t">
+            <a:normAutofit/>
+          </a:bodyPr>
+          <a:lstStyle/>
+          <a:p>
+            <a:pPr>
+              <a:buFont typeface="Wingdings"/>
+              <a:buChar char="§"/>
+            </a:pPr>
+            <a:r>
+              <a:rPr lang="ko-KR" altLang="en-US" dirty="0">
+                <a:solidFill>
+                  <a:srgbClr val="3B3B3B"/>
+                </a:solidFill>
+                <a:cs typeface="lato"/>
+              </a:rPr>
+              <a:t>현재 모든 </a:t>
+            </a:r>
+            <a:r>
+              <a:rPr lang="en-US" altLang="ko-KR" dirty="0">
+                <a:solidFill>
+                  <a:srgbClr val="3B3B3B"/>
+                </a:solidFill>
+                <a:cs typeface="lato"/>
+              </a:rPr>
+              <a:t>SoC</a:t>
+            </a:r>
+            <a:r>
+              <a:rPr lang="ko-KR" altLang="en-US" dirty="0">
+                <a:solidFill>
+                  <a:srgbClr val="3B3B3B"/>
+                </a:solidFill>
+                <a:cs typeface="lato"/>
+              </a:rPr>
+              <a:t>에 사용되는 </a:t>
+            </a:r>
+            <a:r>
+              <a:rPr lang="en-US" altLang="ko-KR" dirty="0">
+                <a:solidFill>
+                  <a:srgbClr val="3B3B3B"/>
+                </a:solidFill>
+                <a:cs typeface="lato"/>
+              </a:rPr>
+              <a:t>CPU </a:t>
+            </a:r>
+            <a:r>
+              <a:rPr lang="ko-KR" altLang="en-US" dirty="0">
+                <a:solidFill>
+                  <a:srgbClr val="3B3B3B"/>
+                </a:solidFill>
+                <a:cs typeface="lato"/>
+              </a:rPr>
+              <a:t>코어는 </a:t>
+            </a:r>
+            <a:r>
+              <a:rPr lang="en-US" altLang="ko-KR" dirty="0">
+                <a:solidFill>
+                  <a:srgbClr val="3B3B3B"/>
+                </a:solidFill>
+                <a:cs typeface="lato"/>
+              </a:rPr>
+              <a:t>Arm </a:t>
+            </a:r>
+            <a:r>
+              <a:rPr lang="ko-KR" altLang="en-US" dirty="0">
+                <a:solidFill>
+                  <a:srgbClr val="3B3B3B"/>
+                </a:solidFill>
+                <a:cs typeface="lato"/>
+              </a:rPr>
+              <a:t>구조를 기반으로 한다</a:t>
+            </a:r>
+            <a:r>
+              <a:rPr lang="en-US" altLang="ko-KR" dirty="0">
+                <a:solidFill>
+                  <a:srgbClr val="3B3B3B"/>
+                </a:solidFill>
+                <a:cs typeface="lato"/>
+              </a:rPr>
+              <a:t>. </a:t>
+            </a:r>
+          </a:p>
+          <a:p>
+            <a:pPr>
+              <a:buFont typeface="Wingdings"/>
+              <a:buChar char="§"/>
+            </a:pPr>
+            <a:r>
+              <a:rPr lang="ko-KR" altLang="en-US" dirty="0">
+                <a:solidFill>
+                  <a:srgbClr val="3B3B3B"/>
+                </a:solidFill>
+                <a:cs typeface="lato"/>
+              </a:rPr>
+              <a:t>하드웨어 가속을 지원하지 않는 경우</a:t>
+            </a:r>
+            <a:r>
+              <a:rPr lang="en-US" altLang="ko-KR" dirty="0">
+                <a:solidFill>
+                  <a:srgbClr val="3B3B3B"/>
+                </a:solidFill>
+                <a:cs typeface="lato"/>
+              </a:rPr>
+              <a:t>, CPU</a:t>
+            </a:r>
+            <a:r>
+              <a:rPr lang="ko-KR" altLang="en-US" dirty="0">
+                <a:solidFill>
+                  <a:srgbClr val="3B3B3B"/>
+                </a:solidFill>
+                <a:cs typeface="lato"/>
+              </a:rPr>
+              <a:t>에서 모든 연산을 처리한다</a:t>
+            </a:r>
+            <a:r>
+              <a:rPr lang="en-US" altLang="ko-KR" dirty="0">
+                <a:solidFill>
+                  <a:srgbClr val="3B3B3B"/>
+                </a:solidFill>
+                <a:cs typeface="lato"/>
+              </a:rPr>
+              <a:t>.  </a:t>
+            </a:r>
+          </a:p>
+          <a:p>
+            <a:pPr>
+              <a:buFont typeface="Wingdings"/>
+              <a:buChar char="§"/>
+            </a:pPr>
+            <a:r>
+              <a:rPr lang="en-US" altLang="ko-KR" dirty="0">
+                <a:solidFill>
+                  <a:srgbClr val="3B3B3B"/>
+                </a:solidFill>
+                <a:cs typeface="lato"/>
+              </a:rPr>
+              <a:t>Arm</a:t>
+            </a:r>
+            <a:r>
+              <a:rPr lang="ko-KR" altLang="en-US" dirty="0">
+                <a:solidFill>
+                  <a:srgbClr val="3B3B3B"/>
+                </a:solidFill>
+                <a:cs typeface="lato"/>
+              </a:rPr>
+              <a:t>은 </a:t>
+            </a:r>
+            <a:r>
+              <a:rPr lang="en-US" altLang="ko-KR" dirty="0">
+                <a:solidFill>
+                  <a:srgbClr val="3B3B3B"/>
+                </a:solidFill>
+                <a:cs typeface="lato"/>
+              </a:rPr>
+              <a:t>CPU </a:t>
+            </a:r>
+            <a:r>
+              <a:rPr lang="ko-KR" altLang="en-US" dirty="0">
+                <a:solidFill>
+                  <a:srgbClr val="3B3B3B"/>
+                </a:solidFill>
+                <a:cs typeface="lato"/>
+              </a:rPr>
+              <a:t>내의 모든 코어를 병렬 계산에 효율적으로 사용할 수 있는 </a:t>
+            </a:r>
+            <a:r>
+              <a:rPr lang="en-US" altLang="ko-KR" dirty="0" err="1">
+                <a:solidFill>
+                  <a:srgbClr val="3B3B3B"/>
+                </a:solidFill>
+                <a:cs typeface="lato"/>
+              </a:rPr>
+              <a:t>DynamIQ</a:t>
+            </a:r>
+            <a:r>
+              <a:rPr lang="en-US" altLang="ko-KR" dirty="0">
+                <a:solidFill>
+                  <a:srgbClr val="3B3B3B"/>
+                </a:solidFill>
+                <a:cs typeface="lato"/>
+              </a:rPr>
+              <a:t> </a:t>
+            </a:r>
+            <a:r>
+              <a:rPr lang="ko-KR" altLang="en-US" dirty="0">
+                <a:solidFill>
+                  <a:srgbClr val="3B3B3B"/>
+                </a:solidFill>
+                <a:cs typeface="lato"/>
+              </a:rPr>
+              <a:t>기술을 발표했다</a:t>
+            </a:r>
+            <a:r>
+              <a:rPr lang="en-US" altLang="ko-KR" dirty="0">
+                <a:solidFill>
+                  <a:srgbClr val="3B3B3B"/>
+                </a:solidFill>
+                <a:cs typeface="lato"/>
+              </a:rPr>
+              <a:t>. </a:t>
+            </a:r>
+          </a:p>
+          <a:p>
+            <a:pPr>
+              <a:buFont typeface="Wingdings"/>
+              <a:buChar char="§"/>
+            </a:pPr>
+            <a:r>
+              <a:rPr lang="ko-KR" altLang="en-US" dirty="0">
+                <a:solidFill>
+                  <a:srgbClr val="3B3B3B"/>
+                </a:solidFill>
+                <a:cs typeface="lato"/>
+              </a:rPr>
+              <a:t>여러 최적화된 명령들은 구글의 기본 </a:t>
+            </a:r>
+            <a:r>
+              <a:rPr lang="en-US" altLang="ko-KR" dirty="0">
+                <a:solidFill>
+                  <a:srgbClr val="3B3B3B"/>
+                </a:solidFill>
+                <a:cs typeface="lato"/>
+              </a:rPr>
+              <a:t>NNAPI</a:t>
+            </a:r>
+            <a:r>
+              <a:rPr lang="ko-KR" altLang="en-US" dirty="0">
+                <a:solidFill>
+                  <a:srgbClr val="3B3B3B"/>
+                </a:solidFill>
+                <a:cs typeface="lato"/>
+              </a:rPr>
+              <a:t>에 통합되었다</a:t>
+            </a:r>
+            <a:r>
+              <a:rPr lang="en-US" altLang="ko-KR" dirty="0">
+                <a:solidFill>
+                  <a:srgbClr val="3B3B3B"/>
+                </a:solidFill>
+                <a:cs typeface="lato"/>
+              </a:rPr>
+              <a:t>. </a:t>
+            </a:r>
+          </a:p>
+          <a:p>
+            <a:pPr>
+              <a:buFont typeface="Wingdings"/>
+              <a:buChar char="§"/>
+            </a:pPr>
+            <a:r>
+              <a:rPr lang="ko-KR" altLang="en-US" dirty="0">
+                <a:solidFill>
+                  <a:srgbClr val="3B3B3B"/>
+                </a:solidFill>
+                <a:cs typeface="lato"/>
+              </a:rPr>
+              <a:t>하드웨어 가속 자원이 없다면 </a:t>
+            </a:r>
+            <a:r>
+              <a:rPr lang="en-US" altLang="ko-KR" dirty="0">
+                <a:solidFill>
+                  <a:srgbClr val="3B3B3B"/>
+                </a:solidFill>
+                <a:cs typeface="lato"/>
+              </a:rPr>
+              <a:t>CPU</a:t>
+            </a:r>
+            <a:r>
+              <a:rPr lang="ko-KR" altLang="en-US" dirty="0">
+                <a:solidFill>
+                  <a:srgbClr val="3B3B3B"/>
+                </a:solidFill>
+                <a:cs typeface="lato"/>
+              </a:rPr>
+              <a:t>를 사용한다</a:t>
+            </a:r>
+            <a:r>
+              <a:rPr lang="en-US" altLang="ko-KR" dirty="0">
+                <a:solidFill>
+                  <a:srgbClr val="3B3B3B"/>
+                </a:solidFill>
+                <a:cs typeface="lato"/>
+              </a:rPr>
+              <a:t>.</a:t>
+            </a:r>
+          </a:p>
+        </p:txBody>
+      </p:sp>
+      <p:sp>
+        <p:nvSpPr>
+          <p:cNvPr id="2" name="제목 1">
+            <a:extLst>
+              <a:ext uri="{FF2B5EF4-FFF2-40B4-BE49-F238E27FC236}">
+                <a16:creationId xmlns:a16="http://schemas.microsoft.com/office/drawing/2014/main" id="{03F7A937-0ADC-4867-B171-96098389F72C}"/>
+              </a:ext>
+            </a:extLst>
+          </p:cNvPr>
+          <p:cNvSpPr>
+            <a:spLocks noGrp="1"/>
+          </p:cNvSpPr>
+          <p:nvPr>
+            <p:ph type="title"/>
+          </p:nvPr>
+        </p:nvSpPr>
+        <p:spPr>
+          <a:xfrm>
+            <a:off x="205740" y="130233"/>
+            <a:ext cx="11757660" cy="700498"/>
+          </a:xfrm>
+        </p:spPr>
+        <p:txBody>
+          <a:bodyPr/>
+          <a:lstStyle/>
+          <a:p>
+            <a:r>
+              <a:rPr lang="en-US" altLang="ko-KR" dirty="0">
+                <a:latin typeface="+mn-ea"/>
+                <a:ea typeface="+mn-ea"/>
+                <a:cs typeface="lato"/>
+              </a:rPr>
+              <a:t>Arm Cortex CPUs</a:t>
+            </a:r>
+          </a:p>
+        </p:txBody>
+      </p:sp>
+      <p:grpSp>
+        <p:nvGrpSpPr>
+          <p:cNvPr id="5" name="그룹 4">
+            <a:extLst>
+              <a:ext uri="{FF2B5EF4-FFF2-40B4-BE49-F238E27FC236}">
+                <a16:creationId xmlns:a16="http://schemas.microsoft.com/office/drawing/2014/main" id="{0910D3C5-2249-4D75-96D3-4C35EA23B53B}"/>
+              </a:ext>
+            </a:extLst>
+          </p:cNvPr>
+          <p:cNvGrpSpPr/>
+          <p:nvPr/>
+        </p:nvGrpSpPr>
+        <p:grpSpPr>
+          <a:xfrm>
+            <a:off x="9128612" y="3598529"/>
+            <a:ext cx="2508931" cy="2563215"/>
+            <a:chOff x="9128612" y="3598529"/>
+            <a:chExt cx="2508931" cy="2563215"/>
+          </a:xfrm>
+        </p:grpSpPr>
+        <p:pic>
+          <p:nvPicPr>
+            <p:cNvPr id="3074" name="Picture 2" descr="문구: 'arm m'의 이미지일 수 있음">
+              <a:extLst>
+                <a:ext uri="{FF2B5EF4-FFF2-40B4-BE49-F238E27FC236}">
+                  <a16:creationId xmlns:a16="http://schemas.microsoft.com/office/drawing/2014/main" id="{15DC955C-0610-402E-8C85-0ACB03CAC7A0}"/>
+                </a:ext>
+              </a:extLst>
+            </p:cNvPr>
+            <p:cNvPicPr>
+              <a:picLocks noChangeAspect="1" noChangeArrowheads="1"/>
+            </p:cNvPicPr>
+            <p:nvPr/>
+          </p:nvPicPr>
+          <p:blipFill>
+            <a:blip r:embed="rId3" cstate="print">
+              <a:extLst>
+                <a:ext uri="{28A0092B-C50C-407E-A947-70E740481C1C}">
+                  <a14:useLocalDpi xmlns:a14="http://schemas.microsoft.com/office/drawing/2010/main" val="0"/>
+                </a:ext>
+              </a:extLst>
+            </a:blip>
+            <a:srcRect/>
+            <a:stretch>
+              <a:fillRect/>
+            </a:stretch>
+          </p:blipFill>
+          <p:spPr bwMode="auto">
+            <a:xfrm>
+              <a:off x="9216887" y="3598529"/>
+              <a:ext cx="2332383" cy="2332383"/>
+            </a:xfrm>
+            <a:prstGeom prst="rect">
+              <a:avLst/>
+            </a:prstGeom>
+            <a:noFill/>
+            <a:extLst>
+              <a:ext uri="{909E8E84-426E-40DD-AFC4-6F175D3DCCD1}">
+                <a14:hiddenFill xmlns:a14="http://schemas.microsoft.com/office/drawing/2010/main">
+                  <a:solidFill>
+                    <a:srgbClr val="FFFFFF"/>
+                  </a:solidFill>
+                </a14:hiddenFill>
+              </a:ext>
+            </a:extLst>
+          </p:spPr>
+        </p:pic>
+        <p:sp>
+          <p:nvSpPr>
+            <p:cNvPr id="6" name="TextBox 5">
+              <a:extLst>
+                <a:ext uri="{FF2B5EF4-FFF2-40B4-BE49-F238E27FC236}">
+                  <a16:creationId xmlns:a16="http://schemas.microsoft.com/office/drawing/2014/main" id="{1CCEE87B-E5F1-4798-8DEB-BE42A91A5C34}"/>
+                </a:ext>
+              </a:extLst>
+            </p:cNvPr>
+            <p:cNvSpPr txBox="1"/>
+            <p:nvPr/>
+          </p:nvSpPr>
+          <p:spPr>
+            <a:xfrm>
+              <a:off x="9128612" y="5930912"/>
+              <a:ext cx="2508931" cy="230832"/>
+            </a:xfrm>
+            <a:prstGeom prst="rect">
+              <a:avLst/>
+            </a:prstGeom>
+            <a:noFill/>
+          </p:spPr>
+          <p:txBody>
+            <a:bodyPr wrap="square">
+              <a:spAutoFit/>
+            </a:bodyPr>
+            <a:lstStyle/>
+            <a:p>
+              <a:r>
+                <a:rPr lang="ko-KR" altLang="en-US" sz="900" dirty="0"/>
+                <a:t>출처</a:t>
+              </a:r>
+              <a:r>
+                <a:rPr lang="en-US" altLang="ko-KR" sz="900" dirty="0"/>
+                <a:t>: </a:t>
+              </a:r>
+              <a:r>
+                <a:rPr lang="ko-KR" altLang="en-US" sz="900" dirty="0"/>
+                <a:t>https://www.facebook.com/ArmKorea/</a:t>
+              </a:r>
+            </a:p>
+          </p:txBody>
+        </p:sp>
+      </p:grpSp>
+    </p:spTree>
+    <p:extLst>
+      <p:ext uri="{BB962C8B-B14F-4D97-AF65-F5344CB8AC3E}">
+        <p14:creationId xmlns:p14="http://schemas.microsoft.com/office/powerpoint/2010/main" val="1010130539"/>
+      </p:ext>
+    </p:extLst>
+  </p:cSld>
+  <p:clrMapOvr>
+    <a:masterClrMapping/>
+  </p:clrMapOvr>
+</p:sld>
+</file>
+
+<file path=ppt/slides/slide19.xml><?xml version="1.0" encoding="utf-8"?>
+<p:sld xmlns:a="http://schemas.openxmlformats.org/drawingml/2006/main" xmlns:r="http://schemas.openxmlformats.org/officeDocument/2006/relationships" xmlns:p="http://schemas.openxmlformats.org/presentationml/2006/main">
+  <p:cSld>
+    <p:spTree>
+      <p:nvGrpSpPr>
+        <p:cNvPr id="1" name=""/>
+        <p:cNvGrpSpPr/>
+        <p:nvPr/>
+      </p:nvGrpSpPr>
+      <p:grpSpPr>
+        <a:xfrm>
+          <a:off x="0" y="0"/>
+          <a:ext cx="0" cy="0"/>
+          <a:chOff x="0" y="0"/>
+          <a:chExt cx="0" cy="0"/>
+        </a:xfrm>
+      </p:grpSpPr>
+      <p:sp>
+        <p:nvSpPr>
+          <p:cNvPr id="3" name="내용 개체 틀 2">
+            <a:extLst>
+              <a:ext uri="{FF2B5EF4-FFF2-40B4-BE49-F238E27FC236}">
+                <a16:creationId xmlns:a16="http://schemas.microsoft.com/office/drawing/2014/main" id="{4BDBFE05-562B-4399-AF9E-26DFE47FAD6D}"/>
+              </a:ext>
+            </a:extLst>
+          </p:cNvPr>
+          <p:cNvSpPr>
+            <a:spLocks noGrp="1"/>
+          </p:cNvSpPr>
+          <p:nvPr>
+            <p:ph idx="1"/>
+          </p:nvPr>
+        </p:nvSpPr>
+        <p:spPr/>
+        <p:txBody>
+          <a:bodyPr vert="horz" lIns="91440" tIns="45720" rIns="91440" bIns="45720" rtlCol="0" anchor="t">
+            <a:normAutofit/>
+          </a:bodyPr>
+          <a:lstStyle/>
+          <a:p>
+            <a:pPr>
+              <a:buFont typeface="Wingdings"/>
+              <a:buChar char="§"/>
+            </a:pPr>
+            <a:r>
+              <a:rPr lang="en-US" altLang="ko-KR" dirty="0">
+                <a:solidFill>
+                  <a:srgbClr val="3B3B3B"/>
+                </a:solidFill>
+                <a:cs typeface="lato"/>
+              </a:rPr>
+              <a:t>CPU</a:t>
+            </a:r>
+            <a:r>
+              <a:rPr lang="ko-KR" altLang="en-US" dirty="0">
+                <a:solidFill>
+                  <a:srgbClr val="3B3B3B"/>
+                </a:solidFill>
+                <a:cs typeface="lato"/>
+              </a:rPr>
+              <a:t>와 별개로</a:t>
+            </a:r>
+            <a:r>
+              <a:rPr lang="en-US" altLang="ko-KR" dirty="0">
+                <a:solidFill>
+                  <a:srgbClr val="3B3B3B"/>
+                </a:solidFill>
+                <a:cs typeface="lato"/>
+              </a:rPr>
+              <a:t> Arm</a:t>
+            </a:r>
+            <a:r>
+              <a:rPr lang="ko-KR" altLang="en-US" dirty="0">
+                <a:solidFill>
+                  <a:srgbClr val="3B3B3B"/>
+                </a:solidFill>
+                <a:cs typeface="lato"/>
+              </a:rPr>
+              <a:t>은 하드웨어 가속을 위해 </a:t>
+            </a:r>
+            <a:r>
+              <a:rPr lang="en-US" altLang="ko-KR" dirty="0">
+                <a:solidFill>
+                  <a:srgbClr val="3B3B3B"/>
+                </a:solidFill>
+                <a:cs typeface="lato"/>
+              </a:rPr>
+              <a:t>NNSDK</a:t>
+            </a:r>
+            <a:r>
+              <a:rPr lang="ko-KR" altLang="en-US" dirty="0">
+                <a:solidFill>
+                  <a:srgbClr val="3B3B3B"/>
+                </a:solidFill>
+                <a:cs typeface="lato"/>
+              </a:rPr>
+              <a:t>를 발표했다</a:t>
+            </a:r>
+            <a:r>
+              <a:rPr lang="en-US" altLang="ko-KR" dirty="0">
+                <a:solidFill>
+                  <a:srgbClr val="3B3B3B"/>
+                </a:solidFill>
+                <a:cs typeface="lato"/>
+              </a:rPr>
+              <a:t>.</a:t>
+            </a:r>
+          </a:p>
+          <a:p>
+            <a:pPr>
+              <a:buFont typeface="Wingdings"/>
+              <a:buChar char="§"/>
+            </a:pPr>
+            <a:r>
+              <a:rPr lang="ko-KR" altLang="en-US" dirty="0">
+                <a:solidFill>
+                  <a:srgbClr val="3B3B3B"/>
+                </a:solidFill>
+                <a:cs typeface="lato"/>
+              </a:rPr>
+              <a:t>이는 </a:t>
+            </a:r>
+            <a:r>
+              <a:rPr lang="en-US" altLang="ko-KR" dirty="0">
+                <a:solidFill>
+                  <a:srgbClr val="3B3B3B"/>
+                </a:solidFill>
+                <a:cs typeface="lato"/>
+              </a:rPr>
+              <a:t>TensorFlow, Caffe, ONNX</a:t>
+            </a:r>
+            <a:r>
+              <a:rPr lang="ko-KR" altLang="en-US" dirty="0">
+                <a:solidFill>
+                  <a:srgbClr val="3B3B3B"/>
+                </a:solidFill>
+                <a:cs typeface="lato"/>
+              </a:rPr>
+              <a:t>와 </a:t>
+            </a:r>
+            <a:r>
+              <a:rPr lang="en-US" altLang="ko-KR" dirty="0">
+                <a:solidFill>
+                  <a:srgbClr val="3B3B3B"/>
+                </a:solidFill>
+                <a:cs typeface="lato"/>
+              </a:rPr>
+              <a:t>TensorFlow Lite</a:t>
+            </a:r>
+            <a:r>
+              <a:rPr lang="ko-KR" altLang="en-US" dirty="0">
+                <a:solidFill>
+                  <a:srgbClr val="3B3B3B"/>
+                </a:solidFill>
+                <a:cs typeface="lato"/>
+              </a:rPr>
+              <a:t>과 함께</a:t>
+            </a:r>
+            <a:r>
+              <a:rPr lang="en-US" altLang="ko-KR" dirty="0">
+                <a:solidFill>
+                  <a:srgbClr val="3B3B3B"/>
+                </a:solidFill>
+                <a:cs typeface="lato"/>
+              </a:rPr>
+              <a:t>, </a:t>
+            </a:r>
+            <a:r>
+              <a:rPr lang="ko-KR" altLang="en-US" dirty="0">
+                <a:solidFill>
+                  <a:srgbClr val="3B3B3B"/>
+                </a:solidFill>
+                <a:cs typeface="lato"/>
+              </a:rPr>
+              <a:t>머신 러닝 워크로드에  </a:t>
+            </a:r>
+            <a:r>
+              <a:rPr lang="en-US" altLang="ko-KR" dirty="0">
+                <a:solidFill>
+                  <a:srgbClr val="3B3B3B"/>
+                </a:solidFill>
+                <a:cs typeface="lato"/>
+              </a:rPr>
+              <a:t>CPU</a:t>
+            </a:r>
+            <a:r>
+              <a:rPr lang="ko-KR" altLang="en-US" dirty="0">
+                <a:solidFill>
+                  <a:srgbClr val="3B3B3B"/>
+                </a:solidFill>
+                <a:cs typeface="lato"/>
+              </a:rPr>
+              <a:t>와 </a:t>
+            </a:r>
+            <a:r>
+              <a:rPr lang="en-US" altLang="ko-KR" dirty="0">
+                <a:solidFill>
+                  <a:srgbClr val="3B3B3B"/>
+                </a:solidFill>
+                <a:cs typeface="lato"/>
+              </a:rPr>
+              <a:t>GPU</a:t>
+            </a:r>
+            <a:r>
+              <a:rPr lang="ko-KR" altLang="en-US" dirty="0">
+                <a:solidFill>
+                  <a:srgbClr val="3B3B3B"/>
+                </a:solidFill>
+                <a:cs typeface="lato"/>
+              </a:rPr>
+              <a:t>의 통로를 모두 제공한다</a:t>
+            </a:r>
+            <a:r>
+              <a:rPr lang="en-US" altLang="ko-KR" dirty="0">
+                <a:solidFill>
+                  <a:srgbClr val="3B3B3B"/>
+                </a:solidFill>
+                <a:cs typeface="lato"/>
+              </a:rPr>
+              <a:t>.</a:t>
+            </a:r>
+          </a:p>
+          <a:p>
+            <a:pPr>
+              <a:buFont typeface="Wingdings"/>
+              <a:buChar char="§"/>
+            </a:pPr>
+            <a:r>
+              <a:rPr lang="en-US" altLang="ko-KR" dirty="0">
+                <a:solidFill>
+                  <a:srgbClr val="3B3B3B"/>
+                </a:solidFill>
+                <a:cs typeface="lato"/>
+              </a:rPr>
+              <a:t>NNAPI</a:t>
+            </a:r>
+            <a:r>
+              <a:rPr lang="ko-KR" altLang="en-US" dirty="0">
+                <a:solidFill>
+                  <a:srgbClr val="3B3B3B"/>
+                </a:solidFill>
+                <a:cs typeface="lato"/>
+              </a:rPr>
+              <a:t>와 병렬적으로 실행 가능하다</a:t>
+            </a:r>
+            <a:r>
+              <a:rPr lang="en-US" altLang="ko-KR" dirty="0">
+                <a:solidFill>
+                  <a:srgbClr val="3B3B3B"/>
+                </a:solidFill>
+                <a:cs typeface="lato"/>
+              </a:rPr>
+              <a:t>.</a:t>
+            </a:r>
+          </a:p>
+        </p:txBody>
+      </p:sp>
+      <p:sp>
+        <p:nvSpPr>
+          <p:cNvPr id="2" name="제목 1">
+            <a:extLst>
+              <a:ext uri="{FF2B5EF4-FFF2-40B4-BE49-F238E27FC236}">
+                <a16:creationId xmlns:a16="http://schemas.microsoft.com/office/drawing/2014/main" id="{03F7A937-0ADC-4867-B171-96098389F72C}"/>
+              </a:ext>
+            </a:extLst>
+          </p:cNvPr>
+          <p:cNvSpPr>
+            <a:spLocks noGrp="1"/>
+          </p:cNvSpPr>
+          <p:nvPr>
+            <p:ph type="title"/>
+          </p:nvPr>
+        </p:nvSpPr>
+        <p:spPr>
+          <a:xfrm>
+            <a:off x="205740" y="130233"/>
+            <a:ext cx="11757660" cy="700498"/>
+          </a:xfrm>
+        </p:spPr>
+        <p:txBody>
+          <a:bodyPr/>
+          <a:lstStyle/>
+          <a:p>
+            <a:r>
+              <a:rPr lang="en-US" altLang="ko-KR" dirty="0">
+                <a:latin typeface="+mn-ea"/>
+                <a:ea typeface="+mn-ea"/>
+                <a:cs typeface="lato"/>
+              </a:rPr>
+              <a:t>Arm NNSDK</a:t>
+            </a:r>
+          </a:p>
+        </p:txBody>
+      </p:sp>
+    </p:spTree>
+    <p:extLst>
+      <p:ext uri="{BB962C8B-B14F-4D97-AF65-F5344CB8AC3E}">
+        <p14:creationId xmlns:p14="http://schemas.microsoft.com/office/powerpoint/2010/main" val="2350111445"/>
       </p:ext>
     </p:extLst>
   </p:cSld>
@@ -5247,6 +9077,3376 @@
 </p:sld>
 </file>
 
+<file path=ppt/slides/slide20.xml><?xml version="1.0" encoding="utf-8"?>
+<p:sld xmlns:a="http://schemas.openxmlformats.org/drawingml/2006/main" xmlns:r="http://schemas.openxmlformats.org/officeDocument/2006/relationships" xmlns:p="http://schemas.openxmlformats.org/presentationml/2006/main">
+  <p:cSld>
+    <p:spTree>
+      <p:nvGrpSpPr>
+        <p:cNvPr id="1" name=""/>
+        <p:cNvGrpSpPr/>
+        <p:nvPr/>
+      </p:nvGrpSpPr>
+      <p:grpSpPr>
+        <a:xfrm>
+          <a:off x="0" y="0"/>
+          <a:ext cx="0" cy="0"/>
+          <a:chOff x="0" y="0"/>
+          <a:chExt cx="0" cy="0"/>
+        </a:xfrm>
+      </p:grpSpPr>
+      <p:sp>
+        <p:nvSpPr>
+          <p:cNvPr id="3" name="내용 개체 틀 2">
+            <a:extLst>
+              <a:ext uri="{FF2B5EF4-FFF2-40B4-BE49-F238E27FC236}">
+                <a16:creationId xmlns:a16="http://schemas.microsoft.com/office/drawing/2014/main" id="{4BDBFE05-562B-4399-AF9E-26DFE47FAD6D}"/>
+              </a:ext>
+            </a:extLst>
+          </p:cNvPr>
+          <p:cNvSpPr>
+            <a:spLocks noGrp="1"/>
+          </p:cNvSpPr>
+          <p:nvPr>
+            <p:ph idx="1"/>
+          </p:nvPr>
+        </p:nvSpPr>
+        <p:spPr/>
+        <p:txBody>
+          <a:bodyPr vert="horz" lIns="91440" tIns="45720" rIns="91440" bIns="45720" rtlCol="0" anchor="t">
+            <a:normAutofit/>
+          </a:bodyPr>
+          <a:lstStyle/>
+          <a:p>
+            <a:pPr>
+              <a:buFont typeface="Wingdings"/>
+              <a:buChar char="§"/>
+            </a:pPr>
+            <a:r>
+              <a:rPr lang="ko-KR" altLang="en-US" dirty="0">
+                <a:solidFill>
+                  <a:srgbClr val="3B3B3B"/>
+                </a:solidFill>
+                <a:cs typeface="lato"/>
+              </a:rPr>
+              <a:t>현재 모든 </a:t>
+            </a:r>
+            <a:r>
+              <a:rPr lang="en-US" altLang="ko-KR" dirty="0">
+                <a:solidFill>
+                  <a:srgbClr val="3B3B3B"/>
+                </a:solidFill>
+                <a:cs typeface="lato"/>
+              </a:rPr>
+              <a:t>SoC</a:t>
+            </a:r>
+            <a:r>
+              <a:rPr lang="ko-KR" altLang="en-US" dirty="0">
+                <a:solidFill>
+                  <a:srgbClr val="3B3B3B"/>
+                </a:solidFill>
+                <a:cs typeface="lato"/>
+              </a:rPr>
+              <a:t>에 사용되는 </a:t>
+            </a:r>
+            <a:r>
+              <a:rPr lang="en-US" altLang="ko-KR" dirty="0">
+                <a:solidFill>
+                  <a:srgbClr val="3B3B3B"/>
+                </a:solidFill>
+                <a:cs typeface="lato"/>
+              </a:rPr>
+              <a:t>CPU </a:t>
+            </a:r>
+            <a:r>
+              <a:rPr lang="ko-KR" altLang="en-US" dirty="0">
+                <a:solidFill>
+                  <a:srgbClr val="3B3B3B"/>
+                </a:solidFill>
+                <a:cs typeface="lato"/>
+              </a:rPr>
+              <a:t>코어는 </a:t>
+            </a:r>
+            <a:r>
+              <a:rPr lang="en-US" altLang="ko-KR" dirty="0">
+                <a:solidFill>
+                  <a:srgbClr val="3B3B3B"/>
+                </a:solidFill>
+                <a:cs typeface="lato"/>
+              </a:rPr>
+              <a:t>Arm </a:t>
+            </a:r>
+            <a:r>
+              <a:rPr lang="ko-KR" altLang="en-US" dirty="0">
+                <a:solidFill>
+                  <a:srgbClr val="3B3B3B"/>
+                </a:solidFill>
+                <a:cs typeface="lato"/>
+              </a:rPr>
+              <a:t>구조를 기반으로 한다</a:t>
+            </a:r>
+            <a:r>
+              <a:rPr lang="en-US" altLang="ko-KR" dirty="0">
+                <a:solidFill>
+                  <a:srgbClr val="3B3B3B"/>
+                </a:solidFill>
+                <a:cs typeface="lato"/>
+              </a:rPr>
+              <a:t>. </a:t>
+            </a:r>
+          </a:p>
+          <a:p>
+            <a:pPr>
+              <a:buFont typeface="Wingdings"/>
+              <a:buChar char="§"/>
+            </a:pPr>
+            <a:r>
+              <a:rPr lang="ko-KR" altLang="en-US" dirty="0">
+                <a:solidFill>
+                  <a:srgbClr val="3B3B3B"/>
+                </a:solidFill>
+                <a:cs typeface="lato"/>
+              </a:rPr>
+              <a:t>하드웨어 가속을 지원하지 않는 경우</a:t>
+            </a:r>
+            <a:r>
+              <a:rPr lang="en-US" altLang="ko-KR" dirty="0">
+                <a:solidFill>
+                  <a:srgbClr val="3B3B3B"/>
+                </a:solidFill>
+                <a:cs typeface="lato"/>
+              </a:rPr>
+              <a:t>, CPU</a:t>
+            </a:r>
+            <a:r>
+              <a:rPr lang="ko-KR" altLang="en-US" dirty="0">
+                <a:solidFill>
+                  <a:srgbClr val="3B3B3B"/>
+                </a:solidFill>
+                <a:cs typeface="lato"/>
+              </a:rPr>
+              <a:t>에서 모든 연산을 처리한다</a:t>
+            </a:r>
+            <a:r>
+              <a:rPr lang="en-US" altLang="ko-KR" dirty="0">
+                <a:solidFill>
+                  <a:srgbClr val="3B3B3B"/>
+                </a:solidFill>
+                <a:cs typeface="lato"/>
+              </a:rPr>
+              <a:t>.  </a:t>
+            </a:r>
+          </a:p>
+          <a:p>
+            <a:pPr>
+              <a:buFont typeface="Wingdings"/>
+              <a:buChar char="§"/>
+            </a:pPr>
+            <a:r>
+              <a:rPr lang="en-US" altLang="ko-KR" dirty="0">
+                <a:solidFill>
+                  <a:srgbClr val="3B3B3B"/>
+                </a:solidFill>
+                <a:cs typeface="lato"/>
+              </a:rPr>
+              <a:t>Arm</a:t>
+            </a:r>
+            <a:r>
+              <a:rPr lang="ko-KR" altLang="en-US" dirty="0">
+                <a:solidFill>
+                  <a:srgbClr val="3B3B3B"/>
+                </a:solidFill>
+                <a:cs typeface="lato"/>
+              </a:rPr>
+              <a:t>은 </a:t>
+            </a:r>
+            <a:r>
+              <a:rPr lang="en-US" altLang="ko-KR" dirty="0">
+                <a:solidFill>
+                  <a:srgbClr val="3B3B3B"/>
+                </a:solidFill>
+                <a:cs typeface="lato"/>
+              </a:rPr>
+              <a:t>CPU </a:t>
+            </a:r>
+            <a:r>
+              <a:rPr lang="ko-KR" altLang="en-US" dirty="0">
+                <a:solidFill>
+                  <a:srgbClr val="3B3B3B"/>
+                </a:solidFill>
+                <a:cs typeface="lato"/>
+              </a:rPr>
+              <a:t>내의 모든 코어를 병렬 계산에 효율적으로 사용할 수 있는 </a:t>
+            </a:r>
+            <a:r>
+              <a:rPr lang="en-US" altLang="ko-KR" dirty="0" err="1">
+                <a:solidFill>
+                  <a:srgbClr val="3B3B3B"/>
+                </a:solidFill>
+                <a:cs typeface="lato"/>
+              </a:rPr>
+              <a:t>DynamIQ</a:t>
+            </a:r>
+            <a:r>
+              <a:rPr lang="en-US" altLang="ko-KR" dirty="0">
+                <a:solidFill>
+                  <a:srgbClr val="3B3B3B"/>
+                </a:solidFill>
+                <a:cs typeface="lato"/>
+              </a:rPr>
+              <a:t> </a:t>
+            </a:r>
+            <a:r>
+              <a:rPr lang="ko-KR" altLang="en-US" dirty="0">
+                <a:solidFill>
+                  <a:srgbClr val="3B3B3B"/>
+                </a:solidFill>
+                <a:cs typeface="lato"/>
+              </a:rPr>
+              <a:t>기술을 발표했다</a:t>
+            </a:r>
+            <a:r>
+              <a:rPr lang="en-US" altLang="ko-KR" dirty="0">
+                <a:solidFill>
+                  <a:srgbClr val="3B3B3B"/>
+                </a:solidFill>
+                <a:cs typeface="lato"/>
+              </a:rPr>
+              <a:t>. </a:t>
+            </a:r>
+          </a:p>
+          <a:p>
+            <a:pPr>
+              <a:buFont typeface="Wingdings"/>
+              <a:buChar char="§"/>
+            </a:pPr>
+            <a:r>
+              <a:rPr lang="ko-KR" altLang="en-US" dirty="0">
+                <a:solidFill>
+                  <a:srgbClr val="3B3B3B"/>
+                </a:solidFill>
+                <a:cs typeface="lato"/>
+              </a:rPr>
+              <a:t>여러 최적화된 명령들은 구글의 기본 </a:t>
+            </a:r>
+            <a:r>
+              <a:rPr lang="en-US" altLang="ko-KR" dirty="0">
+                <a:solidFill>
+                  <a:srgbClr val="3B3B3B"/>
+                </a:solidFill>
+                <a:cs typeface="lato"/>
+              </a:rPr>
+              <a:t>NNAPI</a:t>
+            </a:r>
+            <a:r>
+              <a:rPr lang="ko-KR" altLang="en-US" dirty="0">
+                <a:solidFill>
+                  <a:srgbClr val="3B3B3B"/>
+                </a:solidFill>
+                <a:cs typeface="lato"/>
+              </a:rPr>
+              <a:t>에 통합되었다</a:t>
+            </a:r>
+            <a:r>
+              <a:rPr lang="en-US" altLang="ko-KR" dirty="0">
+                <a:solidFill>
+                  <a:srgbClr val="3B3B3B"/>
+                </a:solidFill>
+                <a:cs typeface="lato"/>
+              </a:rPr>
+              <a:t>. </a:t>
+            </a:r>
+          </a:p>
+          <a:p>
+            <a:pPr>
+              <a:buFont typeface="Wingdings"/>
+              <a:buChar char="§"/>
+            </a:pPr>
+            <a:r>
+              <a:rPr lang="ko-KR" altLang="en-US" dirty="0">
+                <a:solidFill>
+                  <a:srgbClr val="3B3B3B"/>
+                </a:solidFill>
+                <a:cs typeface="lato"/>
+              </a:rPr>
+              <a:t>하드웨어 가속 자원이 없다면 </a:t>
+            </a:r>
+            <a:r>
+              <a:rPr lang="en-US" altLang="ko-KR" dirty="0">
+                <a:solidFill>
+                  <a:srgbClr val="3B3B3B"/>
+                </a:solidFill>
+                <a:cs typeface="lato"/>
+              </a:rPr>
+              <a:t>CPU</a:t>
+            </a:r>
+            <a:r>
+              <a:rPr lang="ko-KR" altLang="en-US" dirty="0">
+                <a:solidFill>
+                  <a:srgbClr val="3B3B3B"/>
+                </a:solidFill>
+                <a:cs typeface="lato"/>
+              </a:rPr>
+              <a:t>를 사용한다</a:t>
+            </a:r>
+            <a:r>
+              <a:rPr lang="en-US" altLang="ko-KR" dirty="0">
+                <a:solidFill>
+                  <a:srgbClr val="3B3B3B"/>
+                </a:solidFill>
+                <a:cs typeface="lato"/>
+              </a:rPr>
+              <a:t>.</a:t>
+            </a:r>
+          </a:p>
+        </p:txBody>
+      </p:sp>
+      <p:sp>
+        <p:nvSpPr>
+          <p:cNvPr id="2" name="제목 1">
+            <a:extLst>
+              <a:ext uri="{FF2B5EF4-FFF2-40B4-BE49-F238E27FC236}">
+                <a16:creationId xmlns:a16="http://schemas.microsoft.com/office/drawing/2014/main" id="{03F7A937-0ADC-4867-B171-96098389F72C}"/>
+              </a:ext>
+            </a:extLst>
+          </p:cNvPr>
+          <p:cNvSpPr>
+            <a:spLocks noGrp="1"/>
+          </p:cNvSpPr>
+          <p:nvPr>
+            <p:ph type="title"/>
+          </p:nvPr>
+        </p:nvSpPr>
+        <p:spPr>
+          <a:xfrm>
+            <a:off x="205740" y="130233"/>
+            <a:ext cx="11757660" cy="700498"/>
+          </a:xfrm>
+        </p:spPr>
+        <p:txBody>
+          <a:bodyPr/>
+          <a:lstStyle/>
+          <a:p>
+            <a:r>
+              <a:rPr lang="en-US" altLang="ko-KR" dirty="0">
+                <a:latin typeface="+mn-ea"/>
+                <a:ea typeface="+mn-ea"/>
+                <a:cs typeface="lato"/>
+              </a:rPr>
+              <a:t>Arm Cortex CPUs</a:t>
+            </a:r>
+          </a:p>
+        </p:txBody>
+      </p:sp>
+      <p:grpSp>
+        <p:nvGrpSpPr>
+          <p:cNvPr id="5" name="그룹 4">
+            <a:extLst>
+              <a:ext uri="{FF2B5EF4-FFF2-40B4-BE49-F238E27FC236}">
+                <a16:creationId xmlns:a16="http://schemas.microsoft.com/office/drawing/2014/main" id="{0910D3C5-2249-4D75-96D3-4C35EA23B53B}"/>
+              </a:ext>
+            </a:extLst>
+          </p:cNvPr>
+          <p:cNvGrpSpPr/>
+          <p:nvPr/>
+        </p:nvGrpSpPr>
+        <p:grpSpPr>
+          <a:xfrm>
+            <a:off x="9128612" y="3598529"/>
+            <a:ext cx="2508931" cy="2563215"/>
+            <a:chOff x="9128612" y="3598529"/>
+            <a:chExt cx="2508931" cy="2563215"/>
+          </a:xfrm>
+        </p:grpSpPr>
+        <p:pic>
+          <p:nvPicPr>
+            <p:cNvPr id="3074" name="Picture 2" descr="문구: 'arm m'의 이미지일 수 있음">
+              <a:extLst>
+                <a:ext uri="{FF2B5EF4-FFF2-40B4-BE49-F238E27FC236}">
+                  <a16:creationId xmlns:a16="http://schemas.microsoft.com/office/drawing/2014/main" id="{15DC955C-0610-402E-8C85-0ACB03CAC7A0}"/>
+                </a:ext>
+              </a:extLst>
+            </p:cNvPr>
+            <p:cNvPicPr>
+              <a:picLocks noChangeAspect="1" noChangeArrowheads="1"/>
+            </p:cNvPicPr>
+            <p:nvPr/>
+          </p:nvPicPr>
+          <p:blipFill>
+            <a:blip r:embed="rId3" cstate="print">
+              <a:extLst>
+                <a:ext uri="{28A0092B-C50C-407E-A947-70E740481C1C}">
+                  <a14:useLocalDpi xmlns:a14="http://schemas.microsoft.com/office/drawing/2010/main" val="0"/>
+                </a:ext>
+              </a:extLst>
+            </a:blip>
+            <a:srcRect/>
+            <a:stretch>
+              <a:fillRect/>
+            </a:stretch>
+          </p:blipFill>
+          <p:spPr bwMode="auto">
+            <a:xfrm>
+              <a:off x="9216887" y="3598529"/>
+              <a:ext cx="2332383" cy="2332383"/>
+            </a:xfrm>
+            <a:prstGeom prst="rect">
+              <a:avLst/>
+            </a:prstGeom>
+            <a:noFill/>
+            <a:extLst>
+              <a:ext uri="{909E8E84-426E-40DD-AFC4-6F175D3DCCD1}">
+                <a14:hiddenFill xmlns:a14="http://schemas.microsoft.com/office/drawing/2010/main">
+                  <a:solidFill>
+                    <a:srgbClr val="FFFFFF"/>
+                  </a:solidFill>
+                </a14:hiddenFill>
+              </a:ext>
+            </a:extLst>
+          </p:spPr>
+        </p:pic>
+        <p:sp>
+          <p:nvSpPr>
+            <p:cNvPr id="6" name="TextBox 5">
+              <a:extLst>
+                <a:ext uri="{FF2B5EF4-FFF2-40B4-BE49-F238E27FC236}">
+                  <a16:creationId xmlns:a16="http://schemas.microsoft.com/office/drawing/2014/main" id="{1CCEE87B-E5F1-4798-8DEB-BE42A91A5C34}"/>
+                </a:ext>
+              </a:extLst>
+            </p:cNvPr>
+            <p:cNvSpPr txBox="1"/>
+            <p:nvPr/>
+          </p:nvSpPr>
+          <p:spPr>
+            <a:xfrm>
+              <a:off x="9128612" y="5930912"/>
+              <a:ext cx="2508931" cy="230832"/>
+            </a:xfrm>
+            <a:prstGeom prst="rect">
+              <a:avLst/>
+            </a:prstGeom>
+            <a:noFill/>
+          </p:spPr>
+          <p:txBody>
+            <a:bodyPr wrap="square">
+              <a:spAutoFit/>
+            </a:bodyPr>
+            <a:lstStyle/>
+            <a:p>
+              <a:r>
+                <a:rPr lang="ko-KR" altLang="en-US" sz="900" dirty="0"/>
+                <a:t>출처</a:t>
+              </a:r>
+              <a:r>
+                <a:rPr lang="en-US" altLang="ko-KR" sz="900" dirty="0"/>
+                <a:t>: </a:t>
+              </a:r>
+              <a:r>
+                <a:rPr lang="ko-KR" altLang="en-US" sz="900" dirty="0"/>
+                <a:t>https://www.facebook.com/ArmKorea/</a:t>
+              </a:r>
+            </a:p>
+          </p:txBody>
+        </p:sp>
+      </p:grpSp>
+    </p:spTree>
+    <p:extLst>
+      <p:ext uri="{BB962C8B-B14F-4D97-AF65-F5344CB8AC3E}">
+        <p14:creationId xmlns:p14="http://schemas.microsoft.com/office/powerpoint/2010/main" val="3026756772"/>
+      </p:ext>
+    </p:extLst>
+  </p:cSld>
+  <p:clrMapOvr>
+    <a:masterClrMapping/>
+  </p:clrMapOvr>
+</p:sld>
+</file>
+
+<file path=ppt/slides/slide21.xml><?xml version="1.0" encoding="utf-8"?>
+<p:sld xmlns:a="http://schemas.openxmlformats.org/drawingml/2006/main" xmlns:r="http://schemas.openxmlformats.org/officeDocument/2006/relationships" xmlns:p="http://schemas.openxmlformats.org/presentationml/2006/main">
+  <p:cSld>
+    <p:spTree>
+      <p:nvGrpSpPr>
+        <p:cNvPr id="1" name=""/>
+        <p:cNvGrpSpPr/>
+        <p:nvPr/>
+      </p:nvGrpSpPr>
+      <p:grpSpPr>
+        <a:xfrm>
+          <a:off x="0" y="0"/>
+          <a:ext cx="0" cy="0"/>
+          <a:chOff x="0" y="0"/>
+          <a:chExt cx="0" cy="0"/>
+        </a:xfrm>
+      </p:grpSpPr>
+      <p:sp>
+        <p:nvSpPr>
+          <p:cNvPr id="3" name="내용 개체 틀 2">
+            <a:extLst>
+              <a:ext uri="{FF2B5EF4-FFF2-40B4-BE49-F238E27FC236}">
+                <a16:creationId xmlns:a16="http://schemas.microsoft.com/office/drawing/2014/main" id="{4BDBFE05-562B-4399-AF9E-26DFE47FAD6D}"/>
+              </a:ext>
+            </a:extLst>
+          </p:cNvPr>
+          <p:cNvSpPr>
+            <a:spLocks noGrp="1"/>
+          </p:cNvSpPr>
+          <p:nvPr>
+            <p:ph idx="1"/>
+          </p:nvPr>
+        </p:nvSpPr>
+        <p:spPr>
+          <a:xfrm>
+            <a:off x="205740" y="927088"/>
+            <a:ext cx="6614086" cy="5146052"/>
+          </a:xfrm>
+        </p:spPr>
+        <p:txBody>
+          <a:bodyPr vert="horz" lIns="91440" tIns="45720" rIns="91440" bIns="45720" rtlCol="0" anchor="t">
+            <a:normAutofit/>
+          </a:bodyPr>
+          <a:lstStyle/>
+          <a:p>
+            <a:pPr>
+              <a:buFont typeface="Wingdings"/>
+              <a:buChar char="§"/>
+            </a:pPr>
+            <a:r>
+              <a:rPr lang="en-US" altLang="ko-KR" dirty="0">
+                <a:solidFill>
+                  <a:srgbClr val="3B3B3B"/>
+                </a:solidFill>
+                <a:cs typeface="lato"/>
+              </a:rPr>
+              <a:t>Android Neural Networks API(NNAPI)</a:t>
+            </a:r>
+            <a:r>
+              <a:rPr lang="ko-KR" altLang="en-US" dirty="0">
+                <a:solidFill>
+                  <a:srgbClr val="3B3B3B"/>
+                </a:solidFill>
+                <a:cs typeface="lato"/>
+              </a:rPr>
+              <a:t>는 머신 러닝과 딥러닝 연산을 집중적으로 실행하기 위한 안드로이드 </a:t>
+            </a:r>
+            <a:r>
+              <a:rPr lang="en-US" altLang="ko-KR" dirty="0">
+                <a:solidFill>
+                  <a:srgbClr val="3B3B3B"/>
+                </a:solidFill>
+                <a:cs typeface="lato"/>
+              </a:rPr>
+              <a:t>C API </a:t>
+            </a:r>
+            <a:r>
+              <a:rPr lang="ko-KR" altLang="en-US" dirty="0">
+                <a:solidFill>
+                  <a:srgbClr val="3B3B3B"/>
+                </a:solidFill>
+                <a:cs typeface="lato"/>
+              </a:rPr>
+              <a:t>이다</a:t>
+            </a:r>
+            <a:r>
+              <a:rPr lang="en-US" altLang="ko-KR" dirty="0">
+                <a:solidFill>
+                  <a:srgbClr val="3B3B3B"/>
+                </a:solidFill>
+                <a:cs typeface="lato"/>
+              </a:rPr>
+              <a:t>. </a:t>
+            </a:r>
+          </a:p>
+          <a:p>
+            <a:pPr>
+              <a:buFont typeface="Wingdings"/>
+              <a:buChar char="§"/>
+            </a:pPr>
+            <a:r>
+              <a:rPr lang="ko-KR" altLang="en-US" dirty="0">
+                <a:solidFill>
+                  <a:srgbClr val="3B3B3B"/>
+                </a:solidFill>
+                <a:cs typeface="lato"/>
+              </a:rPr>
+              <a:t>어플리케이션은 머신 러닝 프레임워크를 사용한다</a:t>
+            </a:r>
+            <a:r>
+              <a:rPr lang="en-US" altLang="ko-KR" dirty="0">
+                <a:solidFill>
+                  <a:srgbClr val="3B3B3B"/>
+                </a:solidFill>
+                <a:cs typeface="lato"/>
+              </a:rPr>
+              <a:t>.</a:t>
+            </a:r>
+          </a:p>
+          <a:p>
+            <a:pPr>
+              <a:buFont typeface="Wingdings"/>
+              <a:buChar char="§"/>
+            </a:pPr>
+            <a:r>
+              <a:rPr lang="ko-KR" altLang="en-US" dirty="0">
+                <a:solidFill>
+                  <a:srgbClr val="3B3B3B"/>
+                </a:solidFill>
+                <a:cs typeface="lato"/>
+              </a:rPr>
+              <a:t>프레임워크들은 </a:t>
+            </a:r>
+            <a:r>
+              <a:rPr lang="en-US" altLang="ko-KR" dirty="0">
+                <a:solidFill>
+                  <a:srgbClr val="3B3B3B"/>
+                </a:solidFill>
+                <a:cs typeface="lato"/>
+              </a:rPr>
+              <a:t>NNAPI</a:t>
+            </a:r>
+            <a:r>
+              <a:rPr lang="ko-KR" altLang="en-US" dirty="0">
+                <a:solidFill>
+                  <a:srgbClr val="3B3B3B"/>
+                </a:solidFill>
+                <a:cs typeface="lato"/>
+              </a:rPr>
+              <a:t>를 사용하여 장치의</a:t>
+            </a:r>
+            <a:r>
+              <a:rPr lang="en-US" altLang="ko-KR" dirty="0">
+                <a:solidFill>
+                  <a:srgbClr val="3B3B3B"/>
+                </a:solidFill>
+                <a:cs typeface="lato"/>
+              </a:rPr>
+              <a:t> </a:t>
+            </a:r>
+            <a:r>
+              <a:rPr lang="ko-KR" altLang="en-US" dirty="0">
+                <a:solidFill>
+                  <a:srgbClr val="3B3B3B"/>
+                </a:solidFill>
+                <a:cs typeface="lato"/>
+              </a:rPr>
+              <a:t>하드웨어 가속을 사용한 </a:t>
+            </a:r>
+            <a:r>
+              <a:rPr lang="ko-KR" altLang="en-US" b="1" dirty="0">
+                <a:solidFill>
+                  <a:srgbClr val="FF0000"/>
+                </a:solidFill>
+                <a:cs typeface="lato"/>
+              </a:rPr>
+              <a:t>추론</a:t>
+            </a:r>
+            <a:r>
+              <a:rPr lang="ko-KR" altLang="en-US" dirty="0">
+                <a:solidFill>
+                  <a:srgbClr val="3B3B3B"/>
+                </a:solidFill>
+                <a:cs typeface="lato"/>
+              </a:rPr>
+              <a:t>을 한다</a:t>
+            </a:r>
+            <a:r>
+              <a:rPr lang="en-US" altLang="ko-KR" dirty="0">
+                <a:solidFill>
+                  <a:srgbClr val="3B3B3B"/>
+                </a:solidFill>
+                <a:cs typeface="lato"/>
+              </a:rPr>
+              <a:t>.</a:t>
+            </a:r>
+          </a:p>
+          <a:p>
+            <a:pPr>
+              <a:buFont typeface="Wingdings"/>
+              <a:buChar char="§"/>
+            </a:pPr>
+            <a:r>
+              <a:rPr lang="ko-KR" altLang="en-US" dirty="0">
+                <a:solidFill>
+                  <a:srgbClr val="3B3B3B"/>
+                </a:solidFill>
+                <a:cs typeface="lato"/>
+              </a:rPr>
+              <a:t>하드웨어에 접근하기 위해 칩셋 제조사의 드라이버 필요</a:t>
+            </a:r>
+            <a:endParaRPr lang="en-US" altLang="ko-KR" dirty="0">
+              <a:solidFill>
+                <a:srgbClr val="3B3B3B"/>
+              </a:solidFill>
+              <a:cs typeface="lato"/>
+            </a:endParaRPr>
+          </a:p>
+        </p:txBody>
+      </p:sp>
+      <p:sp>
+        <p:nvSpPr>
+          <p:cNvPr id="2" name="제목 1">
+            <a:extLst>
+              <a:ext uri="{FF2B5EF4-FFF2-40B4-BE49-F238E27FC236}">
+                <a16:creationId xmlns:a16="http://schemas.microsoft.com/office/drawing/2014/main" id="{03F7A937-0ADC-4867-B171-96098389F72C}"/>
+              </a:ext>
+            </a:extLst>
+          </p:cNvPr>
+          <p:cNvSpPr>
+            <a:spLocks noGrp="1"/>
+          </p:cNvSpPr>
+          <p:nvPr>
+            <p:ph type="title"/>
+          </p:nvPr>
+        </p:nvSpPr>
+        <p:spPr>
+          <a:xfrm>
+            <a:off x="205740" y="130233"/>
+            <a:ext cx="11757660" cy="700498"/>
+          </a:xfrm>
+        </p:spPr>
+        <p:txBody>
+          <a:bodyPr/>
+          <a:lstStyle/>
+          <a:p>
+            <a:r>
+              <a:rPr lang="en-US" altLang="ko-KR" dirty="0">
+                <a:latin typeface="+mn-ea"/>
+                <a:ea typeface="+mn-ea"/>
+                <a:cs typeface="lato"/>
+              </a:rPr>
+              <a:t>Android NNAPI</a:t>
+            </a:r>
+          </a:p>
+        </p:txBody>
+      </p:sp>
+      <p:grpSp>
+        <p:nvGrpSpPr>
+          <p:cNvPr id="5" name="그룹 4">
+            <a:extLst>
+              <a:ext uri="{FF2B5EF4-FFF2-40B4-BE49-F238E27FC236}">
+                <a16:creationId xmlns:a16="http://schemas.microsoft.com/office/drawing/2014/main" id="{1B040DE2-95E9-4149-900D-ACC68F5F2D51}"/>
+              </a:ext>
+            </a:extLst>
+          </p:cNvPr>
+          <p:cNvGrpSpPr/>
+          <p:nvPr/>
+        </p:nvGrpSpPr>
+        <p:grpSpPr>
+          <a:xfrm>
+            <a:off x="7351769" y="2229445"/>
+            <a:ext cx="4541200" cy="4074527"/>
+            <a:chOff x="7351769" y="2229445"/>
+            <a:chExt cx="4541200" cy="4074527"/>
+          </a:xfrm>
+        </p:grpSpPr>
+        <p:pic>
+          <p:nvPicPr>
+            <p:cNvPr id="6146" name="Picture 2" descr="Neural Networks API | Android NDK | Android Developers">
+              <a:extLst>
+                <a:ext uri="{FF2B5EF4-FFF2-40B4-BE49-F238E27FC236}">
+                  <a16:creationId xmlns:a16="http://schemas.microsoft.com/office/drawing/2014/main" id="{805A2DB1-1C94-4C95-BD92-D156C985154A}"/>
+                </a:ext>
+              </a:extLst>
+            </p:cNvPr>
+            <p:cNvPicPr>
+              <a:picLocks noChangeAspect="1" noChangeArrowheads="1"/>
+            </p:cNvPicPr>
+            <p:nvPr/>
+          </p:nvPicPr>
+          <p:blipFill>
+            <a:blip r:embed="rId3">
+              <a:extLst>
+                <a:ext uri="{28A0092B-C50C-407E-A947-70E740481C1C}">
+                  <a14:useLocalDpi xmlns:a14="http://schemas.microsoft.com/office/drawing/2010/main" val="0"/>
+                </a:ext>
+              </a:extLst>
+            </a:blip>
+            <a:srcRect/>
+            <a:stretch>
+              <a:fillRect/>
+            </a:stretch>
+          </p:blipFill>
+          <p:spPr bwMode="auto">
+            <a:xfrm>
+              <a:off x="7351769" y="2229445"/>
+              <a:ext cx="4541200" cy="3843695"/>
+            </a:xfrm>
+            <a:prstGeom prst="rect">
+              <a:avLst/>
+            </a:prstGeom>
+            <a:noFill/>
+            <a:extLst>
+              <a:ext uri="{909E8E84-426E-40DD-AFC4-6F175D3DCCD1}">
+                <a14:hiddenFill xmlns:a14="http://schemas.microsoft.com/office/drawing/2010/main">
+                  <a:solidFill>
+                    <a:srgbClr val="FFFFFF"/>
+                  </a:solidFill>
+                </a14:hiddenFill>
+              </a:ext>
+            </a:extLst>
+          </p:spPr>
+        </p:pic>
+        <p:sp>
+          <p:nvSpPr>
+            <p:cNvPr id="6" name="TextBox 5">
+              <a:extLst>
+                <a:ext uri="{FF2B5EF4-FFF2-40B4-BE49-F238E27FC236}">
+                  <a16:creationId xmlns:a16="http://schemas.microsoft.com/office/drawing/2014/main" id="{F69E9012-4C97-4EB4-B520-5E98E0CA7ABE}"/>
+                </a:ext>
+              </a:extLst>
+            </p:cNvPr>
+            <p:cNvSpPr txBox="1"/>
+            <p:nvPr/>
+          </p:nvSpPr>
+          <p:spPr>
+            <a:xfrm>
+              <a:off x="7351769" y="6073140"/>
+              <a:ext cx="4009257" cy="230832"/>
+            </a:xfrm>
+            <a:prstGeom prst="rect">
+              <a:avLst/>
+            </a:prstGeom>
+            <a:noFill/>
+          </p:spPr>
+          <p:txBody>
+            <a:bodyPr wrap="square">
+              <a:spAutoFit/>
+            </a:bodyPr>
+            <a:lstStyle/>
+            <a:p>
+              <a:r>
+                <a:rPr lang="ko-KR" altLang="en-US" sz="900" dirty="0"/>
+                <a:t>출처</a:t>
+              </a:r>
+              <a:r>
+                <a:rPr lang="en-US" altLang="ko-KR" sz="900" dirty="0"/>
+                <a:t>: </a:t>
+              </a:r>
+              <a:r>
+                <a:rPr lang="ko-KR" altLang="en-US" sz="900" dirty="0"/>
+                <a:t>https://developer.android.com/ndk/guides/neuralnetworks?hl=ko</a:t>
+              </a:r>
+            </a:p>
+          </p:txBody>
+        </p:sp>
+      </p:grpSp>
+    </p:spTree>
+    <p:extLst>
+      <p:ext uri="{BB962C8B-B14F-4D97-AF65-F5344CB8AC3E}">
+        <p14:creationId xmlns:p14="http://schemas.microsoft.com/office/powerpoint/2010/main" val="3884037452"/>
+      </p:ext>
+    </p:extLst>
+  </p:cSld>
+  <p:clrMapOvr>
+    <a:masterClrMapping/>
+  </p:clrMapOvr>
+</p:sld>
+</file>
+
+<file path=ppt/slides/slide22.xml><?xml version="1.0" encoding="utf-8"?>
+<p:sld xmlns:a="http://schemas.openxmlformats.org/drawingml/2006/main" xmlns:r="http://schemas.openxmlformats.org/officeDocument/2006/relationships" xmlns:p="http://schemas.openxmlformats.org/presentationml/2006/main">
+  <p:cSld>
+    <p:spTree>
+      <p:nvGrpSpPr>
+        <p:cNvPr id="1" name=""/>
+        <p:cNvGrpSpPr/>
+        <p:nvPr/>
+      </p:nvGrpSpPr>
+      <p:grpSpPr>
+        <a:xfrm>
+          <a:off x="0" y="0"/>
+          <a:ext cx="0" cy="0"/>
+          <a:chOff x="0" y="0"/>
+          <a:chExt cx="0" cy="0"/>
+        </a:xfrm>
+      </p:grpSpPr>
+      <p:sp>
+        <p:nvSpPr>
+          <p:cNvPr id="2" name="제목 1">
+            <a:extLst>
+              <a:ext uri="{FF2B5EF4-FFF2-40B4-BE49-F238E27FC236}">
+                <a16:creationId xmlns:a16="http://schemas.microsoft.com/office/drawing/2014/main" id="{03F7A937-0ADC-4867-B171-96098389F72C}"/>
+              </a:ext>
+            </a:extLst>
+          </p:cNvPr>
+          <p:cNvSpPr>
+            <a:spLocks noGrp="1"/>
+          </p:cNvSpPr>
+          <p:nvPr>
+            <p:ph type="title"/>
+          </p:nvPr>
+        </p:nvSpPr>
+        <p:spPr/>
+        <p:txBody>
+          <a:bodyPr/>
+          <a:lstStyle/>
+          <a:p>
+            <a:r>
+              <a:rPr lang="en-US" altLang="ko-KR" dirty="0">
+                <a:latin typeface="+mn-ea"/>
+                <a:ea typeface="+mn-ea"/>
+                <a:cs typeface="lato"/>
+              </a:rPr>
+              <a:t>Contents</a:t>
+            </a:r>
+          </a:p>
+        </p:txBody>
+      </p:sp>
+      <p:sp>
+        <p:nvSpPr>
+          <p:cNvPr id="3" name="내용 개체 틀 2">
+            <a:extLst>
+              <a:ext uri="{FF2B5EF4-FFF2-40B4-BE49-F238E27FC236}">
+                <a16:creationId xmlns:a16="http://schemas.microsoft.com/office/drawing/2014/main" id="{4BDBFE05-562B-4399-AF9E-26DFE47FAD6D}"/>
+              </a:ext>
+            </a:extLst>
+          </p:cNvPr>
+          <p:cNvSpPr>
+            <a:spLocks noGrp="1"/>
+          </p:cNvSpPr>
+          <p:nvPr>
+            <p:ph idx="1"/>
+          </p:nvPr>
+        </p:nvSpPr>
+        <p:spPr/>
+        <p:txBody>
+          <a:bodyPr vert="horz" lIns="91440" tIns="45720" rIns="91440" bIns="45720" rtlCol="0" anchor="t">
+            <a:normAutofit/>
+          </a:bodyPr>
+          <a:lstStyle/>
+          <a:p>
+            <a:pPr>
+              <a:buFont typeface="Wingdings"/>
+              <a:buChar char="§"/>
+            </a:pPr>
+            <a:r>
+              <a:rPr lang="ko-KR" altLang="en-US" dirty="0">
+                <a:solidFill>
+                  <a:srgbClr val="B1B1B1"/>
+                </a:solidFill>
+                <a:ea typeface="+mn-lt"/>
+                <a:cs typeface="+mn-lt"/>
+              </a:rPr>
+              <a:t>도입</a:t>
+            </a:r>
+            <a:endParaRPr lang="en-US" altLang="ko-KR" dirty="0">
+              <a:solidFill>
+                <a:srgbClr val="B1B1B1"/>
+              </a:solidFill>
+              <a:ea typeface="+mn-lt"/>
+              <a:cs typeface="+mn-lt"/>
+            </a:endParaRPr>
+          </a:p>
+          <a:p>
+            <a:pPr>
+              <a:buFont typeface="Wingdings"/>
+              <a:buChar char="§"/>
+            </a:pPr>
+            <a:r>
+              <a:rPr lang="ko-KR" altLang="en-US" dirty="0">
+                <a:solidFill>
+                  <a:schemeClr val="tx1">
+                    <a:lumMod val="40000"/>
+                    <a:lumOff val="60000"/>
+                  </a:schemeClr>
+                </a:solidFill>
+                <a:cs typeface="lato"/>
+              </a:rPr>
+              <a:t>하드웨어 가속</a:t>
+            </a:r>
+            <a:endParaRPr lang="en-US" altLang="ko-KR" dirty="0">
+              <a:solidFill>
+                <a:schemeClr val="tx1">
+                  <a:lumMod val="40000"/>
+                  <a:lumOff val="60000"/>
+                </a:schemeClr>
+              </a:solidFill>
+              <a:cs typeface="lato"/>
+            </a:endParaRPr>
+          </a:p>
+          <a:p>
+            <a:pPr>
+              <a:buFont typeface="Wingdings"/>
+              <a:buChar char="§"/>
+            </a:pPr>
+            <a:r>
+              <a:rPr lang="ko-KR" altLang="en-US" dirty="0">
+                <a:solidFill>
+                  <a:schemeClr val="tx2"/>
+                </a:solidFill>
+                <a:cs typeface="lato"/>
+              </a:rPr>
+              <a:t>딥러닝 모바일 프레임워크</a:t>
+            </a:r>
+            <a:endParaRPr lang="en-US" altLang="ko-KR" dirty="0">
+              <a:solidFill>
+                <a:schemeClr val="tx2"/>
+              </a:solidFill>
+              <a:cs typeface="lato"/>
+            </a:endParaRPr>
+          </a:p>
+          <a:p>
+            <a:pPr>
+              <a:buFont typeface="Wingdings"/>
+              <a:buChar char="§"/>
+            </a:pPr>
+            <a:r>
+              <a:rPr lang="en-US" altLang="ko-KR" dirty="0">
+                <a:solidFill>
+                  <a:schemeClr val="tx1">
+                    <a:lumMod val="40000"/>
+                    <a:lumOff val="60000"/>
+                  </a:schemeClr>
+                </a:solidFill>
+                <a:cs typeface="lato"/>
+              </a:rPr>
+              <a:t>AI Benchmark</a:t>
+            </a:r>
+          </a:p>
+          <a:p>
+            <a:pPr>
+              <a:buFont typeface="Wingdings"/>
+              <a:buChar char="§"/>
+            </a:pPr>
+            <a:r>
+              <a:rPr lang="ko-KR" altLang="en-US" dirty="0">
+                <a:solidFill>
+                  <a:schemeClr val="tx1">
+                    <a:lumMod val="40000"/>
+                    <a:lumOff val="60000"/>
+                  </a:schemeClr>
+                </a:solidFill>
+                <a:cs typeface="lato"/>
+              </a:rPr>
+              <a:t>벤치마크 결과</a:t>
+            </a:r>
+            <a:endParaRPr lang="en-US" altLang="ko-KR" dirty="0">
+              <a:solidFill>
+                <a:schemeClr val="tx1">
+                  <a:lumMod val="40000"/>
+                  <a:lumOff val="60000"/>
+                </a:schemeClr>
+              </a:solidFill>
+              <a:cs typeface="lato"/>
+            </a:endParaRPr>
+          </a:p>
+          <a:p>
+            <a:pPr>
+              <a:buFont typeface="Wingdings"/>
+              <a:buChar char="§"/>
+            </a:pPr>
+            <a:r>
+              <a:rPr lang="ko-KR" altLang="en-US" dirty="0">
+                <a:solidFill>
+                  <a:schemeClr val="tx1">
+                    <a:lumMod val="40000"/>
+                    <a:lumOff val="60000"/>
+                  </a:schemeClr>
+                </a:solidFill>
+                <a:cs typeface="lato"/>
+              </a:rPr>
+              <a:t>고찰</a:t>
+            </a:r>
+            <a:endParaRPr lang="en-US" altLang="ko-KR" dirty="0">
+              <a:solidFill>
+                <a:schemeClr val="tx1">
+                  <a:lumMod val="40000"/>
+                  <a:lumOff val="60000"/>
+                </a:schemeClr>
+              </a:solidFill>
+              <a:cs typeface="lato"/>
+            </a:endParaRPr>
+          </a:p>
+          <a:p>
+            <a:pPr>
+              <a:buFont typeface="Wingdings"/>
+              <a:buChar char="§"/>
+            </a:pPr>
+            <a:r>
+              <a:rPr lang="ko-KR" altLang="en-US" dirty="0">
+                <a:solidFill>
+                  <a:schemeClr val="tx1">
+                    <a:lumMod val="40000"/>
+                    <a:lumOff val="60000"/>
+                  </a:schemeClr>
+                </a:solidFill>
+                <a:cs typeface="lato"/>
+              </a:rPr>
+              <a:t>결론</a:t>
+            </a:r>
+            <a:endParaRPr lang="en-US" altLang="ko-KR" baseline="50000" dirty="0">
+              <a:solidFill>
+                <a:srgbClr val="3B3B3B"/>
+              </a:solidFill>
+              <a:cs typeface="lato"/>
+            </a:endParaRPr>
+          </a:p>
+        </p:txBody>
+      </p:sp>
+      <p:sp>
+        <p:nvSpPr>
+          <p:cNvPr id="4" name="슬라이드 번호 개체 틀 3">
+            <a:extLst>
+              <a:ext uri="{FF2B5EF4-FFF2-40B4-BE49-F238E27FC236}">
+                <a16:creationId xmlns:a16="http://schemas.microsoft.com/office/drawing/2014/main" id="{65E94AD2-6DAA-4440-B0A8-A313D68FC664}"/>
+              </a:ext>
+            </a:extLst>
+          </p:cNvPr>
+          <p:cNvSpPr>
+            <a:spLocks noGrp="1"/>
+          </p:cNvSpPr>
+          <p:nvPr>
+            <p:ph type="sldNum" sz="quarter" idx="4"/>
+          </p:nvPr>
+        </p:nvSpPr>
+        <p:spPr/>
+        <p:txBody>
+          <a:bodyPr/>
+          <a:lstStyle/>
+          <a:p>
+            <a:fld id="{765CECA1-5C9B-4693-A1BD-3F65156FCD02}" type="slidenum">
+              <a:rPr lang="ko-KR" altLang="en-US" smtClean="0"/>
+              <a:pPr/>
+              <a:t>22</a:t>
+            </a:fld>
+            <a:endParaRPr lang="ko-KR" altLang="en-US" dirty="0"/>
+          </a:p>
+        </p:txBody>
+      </p:sp>
+    </p:spTree>
+    <p:extLst>
+      <p:ext uri="{BB962C8B-B14F-4D97-AF65-F5344CB8AC3E}">
+        <p14:creationId xmlns:p14="http://schemas.microsoft.com/office/powerpoint/2010/main" val="1523672095"/>
+      </p:ext>
+    </p:extLst>
+  </p:cSld>
+  <p:clrMapOvr>
+    <a:masterClrMapping/>
+  </p:clrMapOvr>
+</p:sld>
+</file>
+
+<file path=ppt/slides/slide23.xml><?xml version="1.0" encoding="utf-8"?>
+<p:sld xmlns:a="http://schemas.openxmlformats.org/drawingml/2006/main" xmlns:r="http://schemas.openxmlformats.org/officeDocument/2006/relationships" xmlns:p="http://schemas.openxmlformats.org/presentationml/2006/main">
+  <p:cSld>
+    <p:spTree>
+      <p:nvGrpSpPr>
+        <p:cNvPr id="1" name=""/>
+        <p:cNvGrpSpPr/>
+        <p:nvPr/>
+      </p:nvGrpSpPr>
+      <p:grpSpPr>
+        <a:xfrm>
+          <a:off x="0" y="0"/>
+          <a:ext cx="0" cy="0"/>
+          <a:chOff x="0" y="0"/>
+          <a:chExt cx="0" cy="0"/>
+        </a:xfrm>
+      </p:grpSpPr>
+      <p:sp>
+        <p:nvSpPr>
+          <p:cNvPr id="3" name="내용 개체 틀 2">
+            <a:extLst>
+              <a:ext uri="{FF2B5EF4-FFF2-40B4-BE49-F238E27FC236}">
+                <a16:creationId xmlns:a16="http://schemas.microsoft.com/office/drawing/2014/main" id="{4BDBFE05-562B-4399-AF9E-26DFE47FAD6D}"/>
+              </a:ext>
+            </a:extLst>
+          </p:cNvPr>
+          <p:cNvSpPr>
+            <a:spLocks noGrp="1"/>
+          </p:cNvSpPr>
+          <p:nvPr>
+            <p:ph idx="1"/>
+          </p:nvPr>
+        </p:nvSpPr>
+        <p:spPr/>
+        <p:txBody>
+          <a:bodyPr vert="horz" lIns="91440" tIns="45720" rIns="91440" bIns="45720" rtlCol="0" anchor="t">
+            <a:normAutofit/>
+          </a:bodyPr>
+          <a:lstStyle/>
+          <a:p>
+            <a:pPr>
+              <a:buFont typeface="Wingdings"/>
+              <a:buChar char="§"/>
+            </a:pPr>
+            <a:r>
+              <a:rPr lang="ko-KR" altLang="en-US" dirty="0">
+                <a:solidFill>
+                  <a:srgbClr val="3B3B3B"/>
+                </a:solidFill>
+                <a:cs typeface="lato"/>
+              </a:rPr>
+              <a:t>안드로이드 운영체제에 많은 인기있는 딥러닝 프레임워크가 이식되었다</a:t>
+            </a:r>
+            <a:r>
+              <a:rPr lang="en-US" altLang="ko-KR" dirty="0">
+                <a:solidFill>
+                  <a:srgbClr val="3B3B3B"/>
+                </a:solidFill>
+                <a:cs typeface="lato"/>
+              </a:rPr>
+              <a:t>.</a:t>
+            </a:r>
+          </a:p>
+          <a:p>
+            <a:pPr lvl="1">
+              <a:buFont typeface="Wingdings"/>
+              <a:buChar char="§"/>
+            </a:pPr>
+            <a:r>
+              <a:rPr lang="en-US" altLang="ko-KR" dirty="0">
+                <a:solidFill>
+                  <a:srgbClr val="3B3B3B"/>
+                </a:solidFill>
+                <a:cs typeface="lato"/>
+              </a:rPr>
+              <a:t>Torch</a:t>
+            </a:r>
+          </a:p>
+          <a:p>
+            <a:pPr lvl="1">
+              <a:buFont typeface="Wingdings"/>
+              <a:buChar char="§"/>
+            </a:pPr>
+            <a:r>
+              <a:rPr lang="en-US" altLang="ko-KR" dirty="0">
+                <a:solidFill>
+                  <a:srgbClr val="3B3B3B"/>
+                </a:solidFill>
+                <a:cs typeface="lato"/>
+              </a:rPr>
+              <a:t>TensorFlow</a:t>
+            </a:r>
+          </a:p>
+          <a:p>
+            <a:pPr lvl="1">
+              <a:buFont typeface="Wingdings"/>
+              <a:buChar char="§"/>
+            </a:pPr>
+            <a:r>
+              <a:rPr lang="en-US" altLang="ko-KR" dirty="0">
+                <a:solidFill>
+                  <a:srgbClr val="3B3B3B"/>
+                </a:solidFill>
+                <a:cs typeface="lato"/>
+              </a:rPr>
+              <a:t>Caffe</a:t>
+            </a:r>
+          </a:p>
+          <a:p>
+            <a:pPr lvl="1">
+              <a:buFont typeface="Wingdings"/>
+              <a:buChar char="§"/>
+            </a:pPr>
+            <a:r>
+              <a:rPr lang="en-US" altLang="ko-KR" dirty="0">
+                <a:solidFill>
+                  <a:srgbClr val="3B3B3B"/>
+                </a:solidFill>
+                <a:cs typeface="lato"/>
+              </a:rPr>
+              <a:t>Caffe2</a:t>
+            </a:r>
+          </a:p>
+          <a:p>
+            <a:pPr lvl="1">
+              <a:buFont typeface="Wingdings"/>
+              <a:buChar char="§"/>
+            </a:pPr>
+            <a:r>
+              <a:rPr lang="en-US" altLang="ko-KR" dirty="0">
+                <a:solidFill>
+                  <a:srgbClr val="3B3B3B"/>
+                </a:solidFill>
+                <a:cs typeface="lato"/>
+              </a:rPr>
+              <a:t>Deeplearning4j</a:t>
+            </a:r>
+          </a:p>
+          <a:p>
+            <a:pPr lvl="1">
+              <a:buFont typeface="Wingdings"/>
+              <a:buChar char="§"/>
+            </a:pPr>
+            <a:r>
+              <a:rPr lang="en-US" altLang="ko-KR" dirty="0" err="1">
+                <a:solidFill>
+                  <a:srgbClr val="3B3B3B"/>
+                </a:solidFill>
+                <a:cs typeface="lato"/>
+              </a:rPr>
+              <a:t>MXNet</a:t>
+            </a:r>
+            <a:endParaRPr lang="en-US" altLang="ko-KR" dirty="0">
+              <a:solidFill>
+                <a:srgbClr val="3B3B3B"/>
+              </a:solidFill>
+              <a:cs typeface="lato"/>
+            </a:endParaRPr>
+          </a:p>
+          <a:p>
+            <a:pPr lvl="1">
+              <a:buFont typeface="Wingdings"/>
+              <a:buChar char="§"/>
+            </a:pPr>
+            <a:r>
+              <a:rPr lang="en-US" altLang="ko-KR" dirty="0" err="1">
+                <a:solidFill>
+                  <a:srgbClr val="3B3B3B"/>
+                </a:solidFill>
+                <a:cs typeface="lato"/>
+              </a:rPr>
+              <a:t>NNabla</a:t>
+            </a:r>
+            <a:endParaRPr lang="en-US" altLang="ko-KR" dirty="0">
+              <a:solidFill>
+                <a:srgbClr val="3B3B3B"/>
+              </a:solidFill>
+              <a:cs typeface="lato"/>
+            </a:endParaRPr>
+          </a:p>
+          <a:p>
+            <a:pPr lvl="1">
+              <a:buFont typeface="Wingdings"/>
+              <a:buChar char="§"/>
+            </a:pPr>
+            <a:r>
+              <a:rPr lang="en-US" altLang="ko-KR" dirty="0">
+                <a:solidFill>
+                  <a:srgbClr val="3B3B3B"/>
+                </a:solidFill>
+                <a:cs typeface="lato"/>
+              </a:rPr>
+              <a:t>etc.</a:t>
+            </a:r>
+          </a:p>
+          <a:p>
+            <a:pPr lvl="1">
+              <a:buFont typeface="Wingdings"/>
+              <a:buChar char="§"/>
+            </a:pPr>
+            <a:endParaRPr lang="en-US" altLang="ko-KR" dirty="0">
+              <a:solidFill>
+                <a:srgbClr val="3B3B3B"/>
+              </a:solidFill>
+              <a:cs typeface="lato"/>
+            </a:endParaRPr>
+          </a:p>
+        </p:txBody>
+      </p:sp>
+      <p:sp>
+        <p:nvSpPr>
+          <p:cNvPr id="2" name="제목 1">
+            <a:extLst>
+              <a:ext uri="{FF2B5EF4-FFF2-40B4-BE49-F238E27FC236}">
+                <a16:creationId xmlns:a16="http://schemas.microsoft.com/office/drawing/2014/main" id="{03F7A937-0ADC-4867-B171-96098389F72C}"/>
+              </a:ext>
+            </a:extLst>
+          </p:cNvPr>
+          <p:cNvSpPr>
+            <a:spLocks noGrp="1"/>
+          </p:cNvSpPr>
+          <p:nvPr>
+            <p:ph type="title"/>
+          </p:nvPr>
+        </p:nvSpPr>
+        <p:spPr>
+          <a:xfrm>
+            <a:off x="205740" y="130233"/>
+            <a:ext cx="11757660" cy="700498"/>
+          </a:xfrm>
+        </p:spPr>
+        <p:txBody>
+          <a:bodyPr/>
+          <a:lstStyle/>
+          <a:p>
+            <a:r>
+              <a:rPr lang="ko-KR" altLang="en-US" dirty="0">
+                <a:latin typeface="+mn-ea"/>
+                <a:ea typeface="+mn-ea"/>
+                <a:cs typeface="lato"/>
+              </a:rPr>
+              <a:t>딥러닝 모바일 </a:t>
+            </a:r>
+            <a:r>
+              <a:rPr lang="ko-KR" altLang="en-US" dirty="0" err="1">
+                <a:latin typeface="+mn-ea"/>
+                <a:ea typeface="+mn-ea"/>
+                <a:cs typeface="lato"/>
+              </a:rPr>
+              <a:t>프리임워크</a:t>
+            </a:r>
+            <a:endParaRPr lang="en-US" altLang="ko-KR" dirty="0">
+              <a:latin typeface="+mn-ea"/>
+              <a:ea typeface="+mn-ea"/>
+              <a:cs typeface="lato"/>
+            </a:endParaRPr>
+          </a:p>
+        </p:txBody>
+      </p:sp>
+    </p:spTree>
+    <p:extLst>
+      <p:ext uri="{BB962C8B-B14F-4D97-AF65-F5344CB8AC3E}">
+        <p14:creationId xmlns:p14="http://schemas.microsoft.com/office/powerpoint/2010/main" val="2488401871"/>
+      </p:ext>
+    </p:extLst>
+  </p:cSld>
+  <p:clrMapOvr>
+    <a:masterClrMapping/>
+  </p:clrMapOvr>
+</p:sld>
+</file>
+
+<file path=ppt/slides/slide24.xml><?xml version="1.0" encoding="utf-8"?>
+<p:sld xmlns:a="http://schemas.openxmlformats.org/drawingml/2006/main" xmlns:r="http://schemas.openxmlformats.org/officeDocument/2006/relationships" xmlns:p="http://schemas.openxmlformats.org/presentationml/2006/main">
+  <p:cSld>
+    <p:spTree>
+      <p:nvGrpSpPr>
+        <p:cNvPr id="1" name=""/>
+        <p:cNvGrpSpPr/>
+        <p:nvPr/>
+      </p:nvGrpSpPr>
+      <p:grpSpPr>
+        <a:xfrm>
+          <a:off x="0" y="0"/>
+          <a:ext cx="0" cy="0"/>
+          <a:chOff x="0" y="0"/>
+          <a:chExt cx="0" cy="0"/>
+        </a:xfrm>
+      </p:grpSpPr>
+      <p:sp>
+        <p:nvSpPr>
+          <p:cNvPr id="3" name="내용 개체 틀 2">
+            <a:extLst>
+              <a:ext uri="{FF2B5EF4-FFF2-40B4-BE49-F238E27FC236}">
+                <a16:creationId xmlns:a16="http://schemas.microsoft.com/office/drawing/2014/main" id="{4BDBFE05-562B-4399-AF9E-26DFE47FAD6D}"/>
+              </a:ext>
+            </a:extLst>
+          </p:cNvPr>
+          <p:cNvSpPr>
+            <a:spLocks noGrp="1"/>
+          </p:cNvSpPr>
+          <p:nvPr>
+            <p:ph idx="1"/>
+          </p:nvPr>
+        </p:nvSpPr>
+        <p:spPr/>
+        <p:txBody>
+          <a:bodyPr vert="horz" lIns="91440" tIns="45720" rIns="91440" bIns="45720" rtlCol="0" anchor="t">
+            <a:normAutofit/>
+          </a:bodyPr>
+          <a:lstStyle/>
+          <a:p>
+            <a:pPr>
+              <a:buFont typeface="Wingdings"/>
+              <a:buChar char="§"/>
+            </a:pPr>
+            <a:r>
+              <a:rPr lang="en-US" altLang="ko-KR" dirty="0">
+                <a:solidFill>
+                  <a:srgbClr val="3B3B3B"/>
+                </a:solidFill>
+                <a:cs typeface="lato"/>
+              </a:rPr>
+              <a:t>2015</a:t>
+            </a:r>
+            <a:r>
+              <a:rPr lang="ko-KR" altLang="en-US" dirty="0">
+                <a:solidFill>
+                  <a:srgbClr val="3B3B3B"/>
+                </a:solidFill>
+                <a:cs typeface="lato"/>
+              </a:rPr>
+              <a:t>년에 구글에서 연구 및 개발 목적으로 배포한 오픈소스 머신 러닝 라이브러리</a:t>
+            </a:r>
+            <a:endParaRPr lang="en-US" altLang="ko-KR" dirty="0">
+              <a:solidFill>
+                <a:srgbClr val="3B3B3B"/>
+              </a:solidFill>
+              <a:cs typeface="lato"/>
+            </a:endParaRPr>
+          </a:p>
+          <a:p>
+            <a:pPr>
+              <a:buFont typeface="Wingdings"/>
+              <a:buChar char="§"/>
+            </a:pPr>
+            <a:r>
+              <a:rPr lang="ko-KR" altLang="en-US" dirty="0">
+                <a:solidFill>
+                  <a:srgbClr val="3B3B3B"/>
+                </a:solidFill>
+                <a:cs typeface="lato"/>
+              </a:rPr>
+              <a:t>이의 프로그래밍 모델은 입력과 출력 변수의 관계를 정의하는 직접 그래프로 설명할 수 있다</a:t>
+            </a:r>
+            <a:r>
+              <a:rPr lang="en-US" altLang="ko-KR" dirty="0">
+                <a:solidFill>
+                  <a:srgbClr val="3B3B3B"/>
+                </a:solidFill>
+                <a:cs typeface="lato"/>
+              </a:rPr>
+              <a:t>.</a:t>
+            </a:r>
+          </a:p>
+          <a:p>
+            <a:pPr>
+              <a:buFont typeface="Wingdings"/>
+              <a:buChar char="§"/>
+            </a:pPr>
+            <a:r>
+              <a:rPr lang="ko-KR" altLang="en-US" dirty="0">
+                <a:solidFill>
+                  <a:srgbClr val="3B3B3B"/>
+                </a:solidFill>
+                <a:cs typeface="lato"/>
+              </a:rPr>
+              <a:t>모델의 학습이 끝나면 </a:t>
+            </a:r>
+            <a:r>
+              <a:rPr lang="en-US" altLang="ko-KR" dirty="0">
+                <a:solidFill>
+                  <a:srgbClr val="3B3B3B"/>
+                </a:solidFill>
+                <a:cs typeface="lato"/>
+              </a:rPr>
+              <a:t>.pb</a:t>
+            </a:r>
+            <a:r>
+              <a:rPr lang="ko-KR" altLang="en-US" dirty="0">
+                <a:solidFill>
+                  <a:srgbClr val="3B3B3B"/>
+                </a:solidFill>
+                <a:cs typeface="lato"/>
+              </a:rPr>
+              <a:t> 파일을 통해 모바일 기기에서 실행할 수 있다</a:t>
+            </a:r>
+            <a:r>
+              <a:rPr lang="en-US" altLang="ko-KR" dirty="0">
+                <a:solidFill>
+                  <a:srgbClr val="3B3B3B"/>
+                </a:solidFill>
+                <a:cs typeface="lato"/>
+              </a:rPr>
+              <a:t>. </a:t>
+            </a:r>
+          </a:p>
+          <a:p>
+            <a:pPr>
+              <a:buFont typeface="Wingdings"/>
+              <a:buChar char="§"/>
+            </a:pPr>
+            <a:r>
+              <a:rPr lang="ko-KR" altLang="en-US" dirty="0">
+                <a:solidFill>
+                  <a:srgbClr val="3B3B3B"/>
+                </a:solidFill>
+                <a:cs typeface="lato"/>
+              </a:rPr>
+              <a:t>사용자는 실제 어플리케이션 코드에서 모델 구조를 구현할 필요 없이 파일의 위치와 입력 데이터만 제공하면 된다</a:t>
+            </a:r>
+            <a:r>
+              <a:rPr lang="en-US" altLang="ko-KR" dirty="0">
+                <a:solidFill>
+                  <a:srgbClr val="3B3B3B"/>
+                </a:solidFill>
+                <a:cs typeface="lato"/>
+              </a:rPr>
+              <a:t>. </a:t>
+            </a:r>
+          </a:p>
+        </p:txBody>
+      </p:sp>
+      <p:sp>
+        <p:nvSpPr>
+          <p:cNvPr id="2" name="제목 1">
+            <a:extLst>
+              <a:ext uri="{FF2B5EF4-FFF2-40B4-BE49-F238E27FC236}">
+                <a16:creationId xmlns:a16="http://schemas.microsoft.com/office/drawing/2014/main" id="{03F7A937-0ADC-4867-B171-96098389F72C}"/>
+              </a:ext>
+            </a:extLst>
+          </p:cNvPr>
+          <p:cNvSpPr>
+            <a:spLocks noGrp="1"/>
+          </p:cNvSpPr>
+          <p:nvPr>
+            <p:ph type="title"/>
+          </p:nvPr>
+        </p:nvSpPr>
+        <p:spPr>
+          <a:xfrm>
+            <a:off x="205740" y="130233"/>
+            <a:ext cx="11757660" cy="700498"/>
+          </a:xfrm>
+        </p:spPr>
+        <p:txBody>
+          <a:bodyPr/>
+          <a:lstStyle/>
+          <a:p>
+            <a:r>
+              <a:rPr lang="en-US" altLang="ko-KR" dirty="0">
+                <a:latin typeface="+mn-ea"/>
+                <a:ea typeface="+mn-ea"/>
+                <a:cs typeface="lato"/>
+              </a:rPr>
+              <a:t>TensorFlow Mobile</a:t>
+            </a:r>
+          </a:p>
+        </p:txBody>
+      </p:sp>
+    </p:spTree>
+    <p:extLst>
+      <p:ext uri="{BB962C8B-B14F-4D97-AF65-F5344CB8AC3E}">
+        <p14:creationId xmlns:p14="http://schemas.microsoft.com/office/powerpoint/2010/main" val="2881079016"/>
+      </p:ext>
+    </p:extLst>
+  </p:cSld>
+  <p:clrMapOvr>
+    <a:masterClrMapping/>
+  </p:clrMapOvr>
+</p:sld>
+</file>
+
+<file path=ppt/slides/slide25.xml><?xml version="1.0" encoding="utf-8"?>
+<p:sld xmlns:a="http://schemas.openxmlformats.org/drawingml/2006/main" xmlns:r="http://schemas.openxmlformats.org/officeDocument/2006/relationships" xmlns:p="http://schemas.openxmlformats.org/presentationml/2006/main">
+  <p:cSld>
+    <p:spTree>
+      <p:nvGrpSpPr>
+        <p:cNvPr id="1" name=""/>
+        <p:cNvGrpSpPr/>
+        <p:nvPr/>
+      </p:nvGrpSpPr>
+      <p:grpSpPr>
+        <a:xfrm>
+          <a:off x="0" y="0"/>
+          <a:ext cx="0" cy="0"/>
+          <a:chOff x="0" y="0"/>
+          <a:chExt cx="0" cy="0"/>
+        </a:xfrm>
+      </p:grpSpPr>
+      <p:sp>
+        <p:nvSpPr>
+          <p:cNvPr id="3" name="내용 개체 틀 2">
+            <a:extLst>
+              <a:ext uri="{FF2B5EF4-FFF2-40B4-BE49-F238E27FC236}">
+                <a16:creationId xmlns:a16="http://schemas.microsoft.com/office/drawing/2014/main" id="{4BDBFE05-562B-4399-AF9E-26DFE47FAD6D}"/>
+              </a:ext>
+            </a:extLst>
+          </p:cNvPr>
+          <p:cNvSpPr>
+            <a:spLocks noGrp="1"/>
+          </p:cNvSpPr>
+          <p:nvPr>
+            <p:ph idx="1"/>
+          </p:nvPr>
+        </p:nvSpPr>
+        <p:spPr/>
+        <p:txBody>
+          <a:bodyPr vert="horz" lIns="91440" tIns="45720" rIns="91440" bIns="45720" rtlCol="0" anchor="t">
+            <a:normAutofit/>
+          </a:bodyPr>
+          <a:lstStyle/>
+          <a:p>
+            <a:pPr>
+              <a:buFont typeface="Wingdings"/>
+              <a:buChar char="§"/>
+            </a:pPr>
+            <a:r>
+              <a:rPr lang="ko-KR" altLang="en-US" dirty="0">
+                <a:solidFill>
+                  <a:srgbClr val="3B3B3B"/>
+                </a:solidFill>
+                <a:cs typeface="lato"/>
+              </a:rPr>
+              <a:t>거의 모든 </a:t>
+            </a:r>
+            <a:r>
+              <a:rPr lang="en-US" altLang="ko-KR" dirty="0">
+                <a:solidFill>
+                  <a:srgbClr val="3B3B3B"/>
+                </a:solidFill>
+                <a:cs typeface="lato"/>
+              </a:rPr>
+              <a:t>TensorFlow</a:t>
+            </a:r>
+            <a:r>
+              <a:rPr lang="ko-KR" altLang="en-US" dirty="0">
+                <a:solidFill>
+                  <a:srgbClr val="3B3B3B"/>
+                </a:solidFill>
+                <a:cs typeface="lato"/>
+              </a:rPr>
+              <a:t>의 명령어가 사용 가능함으로</a:t>
+            </a:r>
+            <a:r>
+              <a:rPr lang="en-US" altLang="ko-KR" dirty="0">
+                <a:solidFill>
+                  <a:srgbClr val="3B3B3B"/>
+                </a:solidFill>
+                <a:cs typeface="lato"/>
+              </a:rPr>
+              <a:t>, </a:t>
+            </a:r>
+            <a:r>
+              <a:rPr lang="ko-KR" altLang="en-US" dirty="0">
+                <a:solidFill>
+                  <a:srgbClr val="3B3B3B"/>
+                </a:solidFill>
+                <a:cs typeface="lato"/>
+              </a:rPr>
+              <a:t>따라서 거의 모든 모델을 모바일 장치에서 실행할 수 있다</a:t>
+            </a:r>
+            <a:r>
+              <a:rPr lang="en-US" altLang="ko-KR" dirty="0">
+                <a:solidFill>
+                  <a:srgbClr val="3B3B3B"/>
+                </a:solidFill>
+                <a:cs typeface="lato"/>
+              </a:rPr>
+              <a:t>. </a:t>
+            </a:r>
+          </a:p>
+          <a:p>
+            <a:pPr>
+              <a:buFont typeface="Wingdings"/>
+              <a:buChar char="§"/>
+            </a:pPr>
+            <a:r>
+              <a:rPr lang="ko-KR" altLang="en-US" dirty="0">
+                <a:solidFill>
+                  <a:srgbClr val="3B3B3B"/>
+                </a:solidFill>
+                <a:cs typeface="lato"/>
+              </a:rPr>
+              <a:t>대부분의 </a:t>
+            </a:r>
+            <a:r>
+              <a:rPr lang="en-US" altLang="ko-KR" dirty="0">
+                <a:solidFill>
+                  <a:srgbClr val="3B3B3B"/>
+                </a:solidFill>
+                <a:cs typeface="lato"/>
+              </a:rPr>
+              <a:t>SoC </a:t>
+            </a:r>
+            <a:r>
+              <a:rPr lang="ko-KR" altLang="en-US" dirty="0">
+                <a:solidFill>
+                  <a:srgbClr val="3B3B3B"/>
+                </a:solidFill>
+                <a:cs typeface="lato"/>
+              </a:rPr>
+              <a:t>제조사의 </a:t>
+            </a:r>
+            <a:r>
+              <a:rPr lang="en-US" altLang="ko-KR" dirty="0">
+                <a:solidFill>
+                  <a:srgbClr val="3B3B3B"/>
+                </a:solidFill>
+                <a:cs typeface="lato"/>
+              </a:rPr>
+              <a:t>SDK</a:t>
+            </a:r>
+            <a:r>
+              <a:rPr lang="ko-KR" altLang="en-US" dirty="0">
+                <a:solidFill>
+                  <a:srgbClr val="3B3B3B"/>
+                </a:solidFill>
+                <a:cs typeface="lato"/>
+              </a:rPr>
+              <a:t>가 하드웨어 가속을 지원한다</a:t>
+            </a:r>
+            <a:r>
+              <a:rPr lang="en-US" altLang="ko-KR" dirty="0">
+                <a:solidFill>
+                  <a:srgbClr val="3B3B3B"/>
+                </a:solidFill>
+                <a:cs typeface="lato"/>
+              </a:rPr>
+              <a:t>.  </a:t>
+            </a:r>
+          </a:p>
+          <a:p>
+            <a:pPr lvl="1">
+              <a:buFont typeface="Wingdings"/>
+              <a:buChar char="§"/>
+            </a:pPr>
+            <a:r>
+              <a:rPr lang="en-US" altLang="ko-KR" dirty="0">
+                <a:solidFill>
+                  <a:srgbClr val="3B3B3B"/>
+                </a:solidFill>
+                <a:cs typeface="lato"/>
+              </a:rPr>
+              <a:t>SNPE, </a:t>
+            </a:r>
+            <a:r>
+              <a:rPr lang="en-US" altLang="ko-KR" dirty="0" err="1">
+                <a:solidFill>
+                  <a:srgbClr val="3B3B3B"/>
+                </a:solidFill>
+                <a:cs typeface="lato"/>
+              </a:rPr>
+              <a:t>HiAI</a:t>
+            </a:r>
+            <a:r>
+              <a:rPr lang="en-US" altLang="ko-KR" dirty="0">
+                <a:solidFill>
+                  <a:srgbClr val="3B3B3B"/>
+                </a:solidFill>
+                <a:cs typeface="lato"/>
+              </a:rPr>
+              <a:t>, </a:t>
+            </a:r>
+            <a:r>
+              <a:rPr lang="en-US" altLang="ko-KR" dirty="0" err="1">
+                <a:solidFill>
+                  <a:srgbClr val="3B3B3B"/>
+                </a:solidFill>
+                <a:cs typeface="lato"/>
+              </a:rPr>
+              <a:t>NeuroPilot</a:t>
+            </a:r>
+            <a:endParaRPr lang="en-US" altLang="ko-KR" dirty="0">
+              <a:solidFill>
+                <a:srgbClr val="3B3B3B"/>
+              </a:solidFill>
+              <a:cs typeface="lato"/>
+            </a:endParaRPr>
+          </a:p>
+          <a:p>
+            <a:pPr lvl="1">
+              <a:buFont typeface="Wingdings"/>
+              <a:buChar char="§"/>
+            </a:pPr>
+            <a:endParaRPr lang="en-US" altLang="ko-KR" dirty="0">
+              <a:solidFill>
+                <a:srgbClr val="3B3B3B"/>
+              </a:solidFill>
+              <a:cs typeface="lato"/>
+            </a:endParaRPr>
+          </a:p>
+          <a:p>
+            <a:pPr>
+              <a:buFont typeface="Wingdings"/>
+              <a:buChar char="§"/>
+            </a:pPr>
+            <a:r>
+              <a:rPr lang="ko-KR" altLang="en-US" dirty="0">
+                <a:solidFill>
+                  <a:srgbClr val="3B3B3B"/>
+                </a:solidFill>
+                <a:cs typeface="lato"/>
+              </a:rPr>
+              <a:t>구글의 지원 중단 선언으로 인해 개발이 곧 중단된다</a:t>
+            </a:r>
+            <a:r>
+              <a:rPr lang="en-US" altLang="ko-KR" dirty="0">
+                <a:solidFill>
+                  <a:srgbClr val="3B3B3B"/>
+                </a:solidFill>
+                <a:cs typeface="lato"/>
+              </a:rPr>
+              <a:t>. </a:t>
+            </a:r>
+          </a:p>
+          <a:p>
+            <a:pPr>
+              <a:buFont typeface="Wingdings"/>
+              <a:buChar char="§"/>
+            </a:pPr>
+            <a:r>
+              <a:rPr lang="en-US" altLang="ko-KR" dirty="0">
+                <a:solidFill>
+                  <a:srgbClr val="3B3B3B"/>
+                </a:solidFill>
+                <a:cs typeface="lato"/>
+              </a:rPr>
+              <a:t>Android NNAPI</a:t>
+            </a:r>
+            <a:r>
+              <a:rPr lang="ko-KR" altLang="en-US" dirty="0">
+                <a:solidFill>
+                  <a:srgbClr val="3B3B3B"/>
+                </a:solidFill>
+                <a:cs typeface="lato"/>
+              </a:rPr>
+              <a:t>의 지원을 받지 못함으로</a:t>
+            </a:r>
+            <a:r>
+              <a:rPr lang="en-US" altLang="ko-KR" dirty="0">
+                <a:solidFill>
+                  <a:srgbClr val="3B3B3B"/>
+                </a:solidFill>
+                <a:cs typeface="lato"/>
+              </a:rPr>
+              <a:t> </a:t>
+            </a:r>
+            <a:r>
+              <a:rPr lang="ko-KR" altLang="en-US" dirty="0">
+                <a:solidFill>
+                  <a:srgbClr val="3B3B3B"/>
+                </a:solidFill>
+                <a:cs typeface="lato"/>
+              </a:rPr>
+              <a:t>특정한 </a:t>
+            </a:r>
+            <a:r>
+              <a:rPr lang="en-US" altLang="ko-KR" dirty="0">
+                <a:solidFill>
+                  <a:srgbClr val="3B3B3B"/>
+                </a:solidFill>
+                <a:cs typeface="lato"/>
+              </a:rPr>
+              <a:t>SDK</a:t>
+            </a:r>
+            <a:r>
+              <a:rPr lang="ko-KR" altLang="en-US" dirty="0">
+                <a:solidFill>
+                  <a:srgbClr val="3B3B3B"/>
+                </a:solidFill>
+                <a:cs typeface="lato"/>
+              </a:rPr>
+              <a:t>를 사용하지 않으면 </a:t>
+            </a:r>
+            <a:r>
+              <a:rPr lang="en-US" altLang="ko-KR" dirty="0">
+                <a:solidFill>
+                  <a:srgbClr val="3B3B3B"/>
+                </a:solidFill>
+                <a:cs typeface="lato"/>
+              </a:rPr>
+              <a:t>CPU</a:t>
+            </a:r>
+            <a:r>
+              <a:rPr lang="ko-KR" altLang="en-US" dirty="0">
+                <a:solidFill>
+                  <a:srgbClr val="3B3B3B"/>
+                </a:solidFill>
+                <a:cs typeface="lato"/>
+              </a:rPr>
+              <a:t>에서만 동작한다</a:t>
+            </a:r>
+            <a:r>
+              <a:rPr lang="en-US" altLang="ko-KR" dirty="0">
+                <a:solidFill>
+                  <a:srgbClr val="3B3B3B"/>
+                </a:solidFill>
+                <a:cs typeface="lato"/>
+              </a:rPr>
+              <a:t>.</a:t>
+            </a:r>
+          </a:p>
+        </p:txBody>
+      </p:sp>
+      <p:sp>
+        <p:nvSpPr>
+          <p:cNvPr id="2" name="제목 1">
+            <a:extLst>
+              <a:ext uri="{FF2B5EF4-FFF2-40B4-BE49-F238E27FC236}">
+                <a16:creationId xmlns:a16="http://schemas.microsoft.com/office/drawing/2014/main" id="{03F7A937-0ADC-4867-B171-96098389F72C}"/>
+              </a:ext>
+            </a:extLst>
+          </p:cNvPr>
+          <p:cNvSpPr>
+            <a:spLocks noGrp="1"/>
+          </p:cNvSpPr>
+          <p:nvPr>
+            <p:ph type="title"/>
+          </p:nvPr>
+        </p:nvSpPr>
+        <p:spPr>
+          <a:xfrm>
+            <a:off x="205740" y="130233"/>
+            <a:ext cx="11757660" cy="700498"/>
+          </a:xfrm>
+        </p:spPr>
+        <p:txBody>
+          <a:bodyPr/>
+          <a:lstStyle/>
+          <a:p>
+            <a:r>
+              <a:rPr lang="en-US" altLang="ko-KR" dirty="0">
+                <a:latin typeface="+mn-ea"/>
+                <a:ea typeface="+mn-ea"/>
+                <a:cs typeface="lato"/>
+              </a:rPr>
+              <a:t>TensorFlow Mobile</a:t>
+            </a:r>
+          </a:p>
+        </p:txBody>
+      </p:sp>
+    </p:spTree>
+    <p:extLst>
+      <p:ext uri="{BB962C8B-B14F-4D97-AF65-F5344CB8AC3E}">
+        <p14:creationId xmlns:p14="http://schemas.microsoft.com/office/powerpoint/2010/main" val="3656484222"/>
+      </p:ext>
+    </p:extLst>
+  </p:cSld>
+  <p:clrMapOvr>
+    <a:masterClrMapping/>
+  </p:clrMapOvr>
+</p:sld>
+</file>
+
+<file path=ppt/slides/slide26.xml><?xml version="1.0" encoding="utf-8"?>
+<p:sld xmlns:a="http://schemas.openxmlformats.org/drawingml/2006/main" xmlns:r="http://schemas.openxmlformats.org/officeDocument/2006/relationships" xmlns:p="http://schemas.openxmlformats.org/presentationml/2006/main">
+  <p:cSld>
+    <p:spTree>
+      <p:nvGrpSpPr>
+        <p:cNvPr id="1" name=""/>
+        <p:cNvGrpSpPr/>
+        <p:nvPr/>
+      </p:nvGrpSpPr>
+      <p:grpSpPr>
+        <a:xfrm>
+          <a:off x="0" y="0"/>
+          <a:ext cx="0" cy="0"/>
+          <a:chOff x="0" y="0"/>
+          <a:chExt cx="0" cy="0"/>
+        </a:xfrm>
+      </p:grpSpPr>
+      <p:sp>
+        <p:nvSpPr>
+          <p:cNvPr id="3" name="내용 개체 틀 2">
+            <a:extLst>
+              <a:ext uri="{FF2B5EF4-FFF2-40B4-BE49-F238E27FC236}">
+                <a16:creationId xmlns:a16="http://schemas.microsoft.com/office/drawing/2014/main" id="{4BDBFE05-562B-4399-AF9E-26DFE47FAD6D}"/>
+              </a:ext>
+            </a:extLst>
+          </p:cNvPr>
+          <p:cNvSpPr>
+            <a:spLocks noGrp="1"/>
+          </p:cNvSpPr>
+          <p:nvPr>
+            <p:ph idx="1"/>
+          </p:nvPr>
+        </p:nvSpPr>
+        <p:spPr/>
+        <p:txBody>
+          <a:bodyPr vert="horz" lIns="91440" tIns="45720" rIns="91440" bIns="45720" rtlCol="0" anchor="t">
+            <a:normAutofit/>
+          </a:bodyPr>
+          <a:lstStyle/>
+          <a:p>
+            <a:pPr>
+              <a:buFont typeface="Wingdings"/>
+              <a:buChar char="§"/>
+            </a:pPr>
+            <a:r>
+              <a:rPr lang="en-US" altLang="ko-KR" dirty="0">
+                <a:solidFill>
+                  <a:srgbClr val="3B3B3B"/>
+                </a:solidFill>
+                <a:cs typeface="lato"/>
+              </a:rPr>
+              <a:t>TensorFlow Mobile</a:t>
+            </a:r>
+            <a:r>
+              <a:rPr lang="ko-KR" altLang="en-US" dirty="0">
+                <a:solidFill>
+                  <a:srgbClr val="3B3B3B"/>
+                </a:solidFill>
+                <a:cs typeface="lato"/>
+              </a:rPr>
+              <a:t>의 후계자이다</a:t>
+            </a:r>
+            <a:r>
+              <a:rPr lang="en-US" altLang="ko-KR" dirty="0">
+                <a:solidFill>
+                  <a:srgbClr val="3B3B3B"/>
+                </a:solidFill>
+                <a:cs typeface="lato"/>
+              </a:rPr>
+              <a:t>. </a:t>
+            </a:r>
+          </a:p>
+          <a:p>
+            <a:pPr>
+              <a:buFont typeface="Wingdings"/>
+              <a:buChar char="§"/>
+            </a:pPr>
+            <a:r>
+              <a:rPr lang="en-US" altLang="ko-KR" dirty="0">
+                <a:solidFill>
+                  <a:srgbClr val="3B3B3B"/>
+                </a:solidFill>
+                <a:cs typeface="lato"/>
+              </a:rPr>
+              <a:t>TensorFlow Mobile </a:t>
+            </a:r>
+            <a:r>
+              <a:rPr lang="ko-KR" altLang="en-US" dirty="0">
+                <a:solidFill>
+                  <a:srgbClr val="3B3B3B"/>
+                </a:solidFill>
+                <a:cs typeface="lato"/>
+              </a:rPr>
+              <a:t>처럼 학습이 끝나면 </a:t>
+            </a:r>
+            <a:r>
+              <a:rPr lang="en-US" altLang="ko-KR" dirty="0">
+                <a:solidFill>
+                  <a:srgbClr val="3B3B3B"/>
+                </a:solidFill>
+                <a:cs typeface="lato"/>
+              </a:rPr>
+              <a:t>.pb </a:t>
+            </a:r>
+            <a:r>
+              <a:rPr lang="ko-KR" altLang="en-US" dirty="0">
+                <a:solidFill>
+                  <a:srgbClr val="3B3B3B"/>
+                </a:solidFill>
+                <a:cs typeface="lato"/>
+              </a:rPr>
+              <a:t>대신 </a:t>
+            </a:r>
+            <a:r>
+              <a:rPr lang="en-US" altLang="ko-KR" dirty="0">
+                <a:solidFill>
+                  <a:srgbClr val="3B3B3B"/>
+                </a:solidFill>
+                <a:cs typeface="lato"/>
+              </a:rPr>
+              <a:t>.</a:t>
+            </a:r>
+            <a:r>
+              <a:rPr lang="en-US" altLang="ko-KR" dirty="0" err="1">
+                <a:solidFill>
+                  <a:srgbClr val="3B3B3B"/>
+                </a:solidFill>
+                <a:cs typeface="lato"/>
+              </a:rPr>
+              <a:t>tflite</a:t>
+            </a:r>
+            <a:r>
+              <a:rPr lang="ko-KR" altLang="en-US" dirty="0">
+                <a:solidFill>
+                  <a:srgbClr val="3B3B3B"/>
+                </a:solidFill>
+                <a:cs typeface="lato"/>
+              </a:rPr>
+              <a:t>파일을 통해 실행 가능하다</a:t>
+            </a:r>
+            <a:r>
+              <a:rPr lang="en-US" altLang="ko-KR" dirty="0">
+                <a:solidFill>
+                  <a:srgbClr val="3B3B3B"/>
+                </a:solidFill>
+                <a:cs typeface="lato"/>
+              </a:rPr>
+              <a:t>.</a:t>
+            </a:r>
+          </a:p>
+          <a:p>
+            <a:pPr>
+              <a:buFont typeface="Wingdings"/>
+              <a:buChar char="§"/>
+            </a:pPr>
+            <a:r>
+              <a:rPr lang="en-US" altLang="ko-KR" dirty="0">
+                <a:solidFill>
+                  <a:srgbClr val="3B3B3B"/>
+                </a:solidFill>
+                <a:cs typeface="lato"/>
+              </a:rPr>
+              <a:t>Android NNAPI</a:t>
+            </a:r>
+            <a:r>
+              <a:rPr lang="ko-KR" altLang="en-US" dirty="0">
+                <a:solidFill>
+                  <a:srgbClr val="3B3B3B"/>
+                </a:solidFill>
+                <a:cs typeface="lato"/>
+              </a:rPr>
+              <a:t>의 호환을 지원한다</a:t>
+            </a:r>
+            <a:r>
+              <a:rPr lang="en-US" altLang="ko-KR" dirty="0">
+                <a:solidFill>
+                  <a:srgbClr val="3B3B3B"/>
+                </a:solidFill>
+                <a:cs typeface="lato"/>
+              </a:rPr>
+              <a:t>.</a:t>
+            </a:r>
+          </a:p>
+          <a:p>
+            <a:pPr>
+              <a:buFont typeface="Wingdings"/>
+              <a:buChar char="§"/>
+            </a:pPr>
+            <a:r>
+              <a:rPr lang="ko-KR" altLang="en-US" dirty="0">
+                <a:solidFill>
+                  <a:srgbClr val="3B3B3B"/>
+                </a:solidFill>
+                <a:cs typeface="lato"/>
+              </a:rPr>
+              <a:t>논문 작성 당시 개발자 프리뷰 중이었고</a:t>
+            </a:r>
+            <a:r>
+              <a:rPr lang="en-US" altLang="ko-KR" dirty="0">
+                <a:solidFill>
+                  <a:srgbClr val="3B3B3B"/>
+                </a:solidFill>
+                <a:cs typeface="lato"/>
+              </a:rPr>
+              <a:t>, </a:t>
+            </a:r>
+            <a:r>
+              <a:rPr lang="ko-KR" altLang="en-US" dirty="0">
+                <a:solidFill>
+                  <a:srgbClr val="3B3B3B"/>
+                </a:solidFill>
+                <a:cs typeface="lato"/>
+              </a:rPr>
+              <a:t>여러가지 제약사항이 있었다</a:t>
+            </a:r>
+            <a:r>
+              <a:rPr lang="en-US" altLang="ko-KR" dirty="0">
+                <a:solidFill>
+                  <a:srgbClr val="3B3B3B"/>
+                </a:solidFill>
+                <a:cs typeface="lato"/>
+              </a:rPr>
+              <a:t>.</a:t>
+            </a:r>
+          </a:p>
+          <a:p>
+            <a:pPr lvl="1">
+              <a:buFont typeface="Wingdings"/>
+              <a:buChar char="§"/>
+            </a:pPr>
+            <a:r>
+              <a:rPr lang="ko-KR" altLang="en-US" dirty="0">
+                <a:solidFill>
+                  <a:srgbClr val="3B3B3B"/>
+                </a:solidFill>
+                <a:cs typeface="lato"/>
+              </a:rPr>
+              <a:t>지원하는 모델이 </a:t>
+            </a:r>
+            <a:r>
+              <a:rPr lang="en-US" altLang="ko-KR" dirty="0">
+                <a:solidFill>
+                  <a:srgbClr val="3B3B3B"/>
+                </a:solidFill>
+                <a:cs typeface="lato"/>
+              </a:rPr>
+              <a:t>3</a:t>
+            </a:r>
+            <a:r>
+              <a:rPr lang="ko-KR" altLang="en-US" dirty="0">
+                <a:solidFill>
+                  <a:srgbClr val="3B3B3B"/>
+                </a:solidFill>
+                <a:cs typeface="lato"/>
+              </a:rPr>
+              <a:t>개 뿐이었다</a:t>
+            </a:r>
+            <a:r>
+              <a:rPr lang="en-US" altLang="ko-KR" dirty="0">
+                <a:solidFill>
+                  <a:srgbClr val="3B3B3B"/>
+                </a:solidFill>
+                <a:cs typeface="lato"/>
+              </a:rPr>
+              <a:t>. </a:t>
+            </a:r>
+            <a:r>
+              <a:rPr lang="ko-KR" altLang="en-US" dirty="0">
+                <a:solidFill>
+                  <a:srgbClr val="3B3B3B"/>
+                </a:solidFill>
+                <a:cs typeface="lato"/>
+              </a:rPr>
+              <a:t>약간의 변형은 가능한 상태였다</a:t>
+            </a:r>
+            <a:r>
+              <a:rPr lang="en-US" altLang="ko-KR" dirty="0">
+                <a:solidFill>
+                  <a:srgbClr val="3B3B3B"/>
+                </a:solidFill>
+                <a:cs typeface="lato"/>
+              </a:rPr>
+              <a:t>.</a:t>
+            </a:r>
+          </a:p>
+          <a:p>
+            <a:pPr lvl="1">
+              <a:buFont typeface="Wingdings"/>
+              <a:buChar char="§"/>
+            </a:pPr>
+            <a:r>
+              <a:rPr lang="ko-KR" altLang="en-US" dirty="0">
+                <a:solidFill>
+                  <a:srgbClr val="3B3B3B"/>
+                </a:solidFill>
+                <a:cs typeface="lato"/>
+              </a:rPr>
+              <a:t>이미지 대 이미지 변환에서 추론 시간과 </a:t>
+            </a:r>
+            <a:r>
+              <a:rPr lang="en-US" altLang="ko-KR" dirty="0">
+                <a:solidFill>
+                  <a:srgbClr val="3B3B3B"/>
+                </a:solidFill>
+                <a:cs typeface="lato"/>
+              </a:rPr>
+              <a:t>RAM </a:t>
+            </a:r>
+            <a:r>
+              <a:rPr lang="ko-KR" altLang="en-US" dirty="0">
+                <a:solidFill>
+                  <a:srgbClr val="3B3B3B"/>
+                </a:solidFill>
+                <a:cs typeface="lato"/>
+              </a:rPr>
+              <a:t>소모량이 </a:t>
+            </a:r>
+            <a:r>
+              <a:rPr lang="en-US" altLang="ko-KR" dirty="0">
+                <a:solidFill>
+                  <a:srgbClr val="3B3B3B"/>
+                </a:solidFill>
+                <a:cs typeface="lato"/>
+              </a:rPr>
+              <a:t>2</a:t>
+            </a:r>
+            <a:r>
+              <a:rPr lang="ko-KR" altLang="en-US" dirty="0">
+                <a:solidFill>
+                  <a:srgbClr val="3B3B3B"/>
+                </a:solidFill>
+                <a:cs typeface="lato"/>
+              </a:rPr>
+              <a:t>배 이상 커졌다</a:t>
+            </a:r>
+            <a:r>
+              <a:rPr lang="en-US" altLang="ko-KR" dirty="0">
+                <a:solidFill>
+                  <a:srgbClr val="3B3B3B"/>
+                </a:solidFill>
+                <a:cs typeface="lato"/>
+              </a:rPr>
+              <a:t>.</a:t>
+            </a:r>
+          </a:p>
+          <a:p>
+            <a:pPr lvl="1">
+              <a:buFont typeface="Wingdings"/>
+              <a:buChar char="§"/>
+            </a:pPr>
+            <a:r>
+              <a:rPr lang="ko-KR" altLang="en-US" dirty="0">
+                <a:solidFill>
+                  <a:srgbClr val="3B3B3B"/>
+                </a:solidFill>
+                <a:cs typeface="lato"/>
+              </a:rPr>
+              <a:t>안정성이 보장되지 않는다</a:t>
+            </a:r>
+            <a:r>
+              <a:rPr lang="en-US" altLang="ko-KR" dirty="0">
+                <a:solidFill>
+                  <a:srgbClr val="3B3B3B"/>
+                </a:solidFill>
+                <a:cs typeface="lato"/>
+              </a:rPr>
+              <a:t>.</a:t>
+            </a:r>
+          </a:p>
+        </p:txBody>
+      </p:sp>
+      <p:sp>
+        <p:nvSpPr>
+          <p:cNvPr id="2" name="제목 1">
+            <a:extLst>
+              <a:ext uri="{FF2B5EF4-FFF2-40B4-BE49-F238E27FC236}">
+                <a16:creationId xmlns:a16="http://schemas.microsoft.com/office/drawing/2014/main" id="{03F7A937-0ADC-4867-B171-96098389F72C}"/>
+              </a:ext>
+            </a:extLst>
+          </p:cNvPr>
+          <p:cNvSpPr>
+            <a:spLocks noGrp="1"/>
+          </p:cNvSpPr>
+          <p:nvPr>
+            <p:ph type="title"/>
+          </p:nvPr>
+        </p:nvSpPr>
+        <p:spPr>
+          <a:xfrm>
+            <a:off x="205740" y="130233"/>
+            <a:ext cx="11757660" cy="700498"/>
+          </a:xfrm>
+        </p:spPr>
+        <p:txBody>
+          <a:bodyPr/>
+          <a:lstStyle/>
+          <a:p>
+            <a:r>
+              <a:rPr lang="en-US" altLang="ko-KR" dirty="0">
+                <a:latin typeface="+mn-ea"/>
+                <a:ea typeface="+mn-ea"/>
+                <a:cs typeface="lato"/>
+              </a:rPr>
+              <a:t>TensorFlow Lite</a:t>
+            </a:r>
+          </a:p>
+        </p:txBody>
+      </p:sp>
+    </p:spTree>
+    <p:extLst>
+      <p:ext uri="{BB962C8B-B14F-4D97-AF65-F5344CB8AC3E}">
+        <p14:creationId xmlns:p14="http://schemas.microsoft.com/office/powerpoint/2010/main" val="1833983871"/>
+      </p:ext>
+    </p:extLst>
+  </p:cSld>
+  <p:clrMapOvr>
+    <a:masterClrMapping/>
+  </p:clrMapOvr>
+</p:sld>
+</file>
+
+<file path=ppt/slides/slide27.xml><?xml version="1.0" encoding="utf-8"?>
+<p:sld xmlns:a="http://schemas.openxmlformats.org/drawingml/2006/main" xmlns:r="http://schemas.openxmlformats.org/officeDocument/2006/relationships" xmlns:p="http://schemas.openxmlformats.org/presentationml/2006/main">
+  <p:cSld>
+    <p:spTree>
+      <p:nvGrpSpPr>
+        <p:cNvPr id="1" name=""/>
+        <p:cNvGrpSpPr/>
+        <p:nvPr/>
+      </p:nvGrpSpPr>
+      <p:grpSpPr>
+        <a:xfrm>
+          <a:off x="0" y="0"/>
+          <a:ext cx="0" cy="0"/>
+          <a:chOff x="0" y="0"/>
+          <a:chExt cx="0" cy="0"/>
+        </a:xfrm>
+      </p:grpSpPr>
+      <p:sp>
+        <p:nvSpPr>
+          <p:cNvPr id="3" name="내용 개체 틀 2">
+            <a:extLst>
+              <a:ext uri="{FF2B5EF4-FFF2-40B4-BE49-F238E27FC236}">
+                <a16:creationId xmlns:a16="http://schemas.microsoft.com/office/drawing/2014/main" id="{4BDBFE05-562B-4399-AF9E-26DFE47FAD6D}"/>
+              </a:ext>
+            </a:extLst>
+          </p:cNvPr>
+          <p:cNvSpPr>
+            <a:spLocks noGrp="1"/>
+          </p:cNvSpPr>
+          <p:nvPr>
+            <p:ph idx="1"/>
+          </p:nvPr>
+        </p:nvSpPr>
+        <p:spPr/>
+        <p:txBody>
+          <a:bodyPr vert="horz" lIns="91440" tIns="45720" rIns="91440" bIns="45720" rtlCol="0" anchor="t">
+            <a:normAutofit/>
+          </a:bodyPr>
+          <a:lstStyle/>
+          <a:p>
+            <a:pPr>
+              <a:buFont typeface="Wingdings"/>
+              <a:buChar char="§"/>
+            </a:pPr>
+            <a:r>
+              <a:rPr lang="en-US" altLang="ko-KR" b="0" i="0" dirty="0">
+                <a:solidFill>
+                  <a:srgbClr val="40514E"/>
+                </a:solidFill>
+                <a:effectLst/>
+                <a:latin typeface="맑은 고딕" panose="020B0503020000020004" pitchFamily="50" charset="-127"/>
+              </a:rPr>
+              <a:t>Caffe</a:t>
+            </a:r>
+            <a:r>
+              <a:rPr lang="ko-KR" altLang="en-US" b="0" i="0" dirty="0">
+                <a:solidFill>
+                  <a:srgbClr val="40514E"/>
+                </a:solidFill>
+                <a:effectLst/>
+                <a:latin typeface="맑은 고딕" panose="020B0503020000020004" pitchFamily="50" charset="-127"/>
+              </a:rPr>
+              <a:t>는 </a:t>
+            </a:r>
+            <a:r>
+              <a:rPr lang="en-US" altLang="ko-KR" b="0" i="0" dirty="0">
+                <a:solidFill>
+                  <a:srgbClr val="40514E"/>
+                </a:solidFill>
+                <a:effectLst/>
+                <a:latin typeface="맑은 고딕" panose="020B0503020000020004" pitchFamily="50" charset="-127"/>
+              </a:rPr>
+              <a:t>UC Berkeley</a:t>
+            </a:r>
+            <a:r>
+              <a:rPr lang="ko-KR" altLang="en-US" b="0" i="0" dirty="0">
+                <a:solidFill>
+                  <a:srgbClr val="40514E"/>
+                </a:solidFill>
+                <a:effectLst/>
+                <a:latin typeface="맑은 고딕" panose="020B0503020000020004" pitchFamily="50" charset="-127"/>
+              </a:rPr>
+              <a:t>에서 </a:t>
+            </a:r>
+            <a:r>
+              <a:rPr lang="en-US" altLang="ko-KR" b="0" i="0" dirty="0" err="1">
+                <a:solidFill>
+                  <a:srgbClr val="40514E"/>
+                </a:solidFill>
+                <a:effectLst/>
+                <a:latin typeface="맑은 고딕" panose="020B0503020000020004" pitchFamily="50" charset="-127"/>
+              </a:rPr>
+              <a:t>Yangqing</a:t>
+            </a:r>
+            <a:r>
+              <a:rPr lang="en-US" altLang="ko-KR" b="0" i="0" dirty="0">
+                <a:solidFill>
+                  <a:srgbClr val="40514E"/>
+                </a:solidFill>
+                <a:effectLst/>
+                <a:latin typeface="맑은 고딕" panose="020B0503020000020004" pitchFamily="50" charset="-127"/>
+              </a:rPr>
+              <a:t> Jia</a:t>
+            </a:r>
+            <a:r>
+              <a:rPr lang="ko-KR" altLang="en-US" b="0" i="0" dirty="0">
+                <a:solidFill>
+                  <a:srgbClr val="40514E"/>
+                </a:solidFill>
+                <a:effectLst/>
+                <a:latin typeface="맑은 고딕" panose="020B0503020000020004" pitchFamily="50" charset="-127"/>
+              </a:rPr>
+              <a:t>가 </a:t>
+            </a:r>
+            <a:r>
+              <a:rPr lang="en-US" altLang="ko-KR" b="0" i="0" dirty="0">
+                <a:solidFill>
+                  <a:srgbClr val="40514E"/>
+                </a:solidFill>
+                <a:effectLst/>
+                <a:latin typeface="맑은 고딕" panose="020B0503020000020004" pitchFamily="50" charset="-127"/>
+              </a:rPr>
+              <a:t>2013</a:t>
+            </a:r>
+            <a:r>
+              <a:rPr lang="ko-KR" altLang="en-US" b="0" i="0" dirty="0">
+                <a:solidFill>
+                  <a:srgbClr val="40514E"/>
+                </a:solidFill>
+                <a:effectLst/>
+                <a:latin typeface="맑은 고딕" panose="020B0503020000020004" pitchFamily="50" charset="-127"/>
+              </a:rPr>
+              <a:t>년에 배포한 또다른 오픈소스 딥러닝 프레임워크이다</a:t>
+            </a:r>
+            <a:r>
+              <a:rPr lang="en-US" altLang="ko-KR" b="0" i="0" dirty="0">
+                <a:solidFill>
+                  <a:srgbClr val="40514E"/>
+                </a:solidFill>
+                <a:effectLst/>
+                <a:latin typeface="맑은 고딕" panose="020B0503020000020004" pitchFamily="50" charset="-127"/>
+              </a:rPr>
+              <a:t>.</a:t>
+            </a:r>
+          </a:p>
+          <a:p>
+            <a:pPr>
+              <a:buFont typeface="Wingdings"/>
+              <a:buChar char="§"/>
+            </a:pPr>
+            <a:r>
+              <a:rPr lang="en-US" altLang="ko-KR" dirty="0">
+                <a:solidFill>
+                  <a:srgbClr val="40514E"/>
+                </a:solidFill>
+                <a:latin typeface="맑은 고딕" panose="020B0503020000020004" pitchFamily="50" charset="-127"/>
+                <a:cs typeface="lato"/>
+              </a:rPr>
+              <a:t>2017</a:t>
+            </a:r>
+            <a:r>
+              <a:rPr lang="ko-KR" altLang="en-US" dirty="0">
+                <a:solidFill>
+                  <a:srgbClr val="40514E"/>
+                </a:solidFill>
+                <a:latin typeface="맑은 고딕" panose="020B0503020000020004" pitchFamily="50" charset="-127"/>
+                <a:cs typeface="lato"/>
+              </a:rPr>
+              <a:t>년에 </a:t>
+            </a:r>
+            <a:r>
+              <a:rPr lang="en-US" altLang="ko-KR" dirty="0">
+                <a:solidFill>
+                  <a:srgbClr val="40514E"/>
+                </a:solidFill>
+                <a:latin typeface="맑은 고딕" panose="020B0503020000020004" pitchFamily="50" charset="-127"/>
+                <a:cs typeface="lato"/>
+              </a:rPr>
+              <a:t>Facebook</a:t>
+            </a:r>
+            <a:r>
+              <a:rPr lang="ko-KR" altLang="en-US" dirty="0">
+                <a:solidFill>
+                  <a:srgbClr val="40514E"/>
+                </a:solidFill>
+                <a:latin typeface="맑은 고딕" panose="020B0503020000020004" pitchFamily="50" charset="-127"/>
+                <a:cs typeface="lato"/>
+              </a:rPr>
+              <a:t>이 </a:t>
+            </a:r>
+            <a:r>
+              <a:rPr lang="ko-KR" altLang="en-US" dirty="0" err="1">
+                <a:solidFill>
+                  <a:srgbClr val="40514E"/>
+                </a:solidFill>
+                <a:latin typeface="맑은 고딕" panose="020B0503020000020004" pitchFamily="50" charset="-127"/>
+                <a:cs typeface="lato"/>
+              </a:rPr>
+              <a:t>후속작</a:t>
+            </a:r>
+            <a:r>
+              <a:rPr lang="ko-KR" altLang="en-US" dirty="0">
+                <a:solidFill>
+                  <a:srgbClr val="40514E"/>
+                </a:solidFill>
+                <a:latin typeface="맑은 고딕" panose="020B0503020000020004" pitchFamily="50" charset="-127"/>
+                <a:cs typeface="lato"/>
+              </a:rPr>
+              <a:t> </a:t>
+            </a:r>
+            <a:r>
+              <a:rPr lang="en-US" altLang="ko-KR" dirty="0">
+                <a:solidFill>
+                  <a:srgbClr val="40514E"/>
+                </a:solidFill>
+                <a:latin typeface="맑은 고딕" panose="020B0503020000020004" pitchFamily="50" charset="-127"/>
+                <a:cs typeface="lato"/>
+              </a:rPr>
+              <a:t>Caffe2</a:t>
+            </a:r>
+            <a:r>
+              <a:rPr lang="ko-KR" altLang="en-US" dirty="0">
+                <a:solidFill>
+                  <a:srgbClr val="40514E"/>
+                </a:solidFill>
+                <a:latin typeface="맑은 고딕" panose="020B0503020000020004" pitchFamily="50" charset="-127"/>
+                <a:cs typeface="lato"/>
+              </a:rPr>
+              <a:t>와 </a:t>
+            </a:r>
+            <a:r>
+              <a:rPr lang="en-US" altLang="ko-KR" dirty="0">
+                <a:solidFill>
+                  <a:srgbClr val="40514E"/>
+                </a:solidFill>
+                <a:latin typeface="맑은 고딕" panose="020B0503020000020004" pitchFamily="50" charset="-127"/>
+                <a:cs typeface="lato"/>
+              </a:rPr>
+              <a:t>iOS</a:t>
+            </a:r>
+            <a:r>
+              <a:rPr lang="ko-KR" altLang="en-US" dirty="0">
+                <a:solidFill>
+                  <a:srgbClr val="40514E"/>
+                </a:solidFill>
+                <a:latin typeface="맑은 고딕" panose="020B0503020000020004" pitchFamily="50" charset="-127"/>
+                <a:cs typeface="lato"/>
+              </a:rPr>
+              <a:t>와 안드로이드를 위한 모바일 버전을 함께 출시했다</a:t>
+            </a:r>
+            <a:r>
+              <a:rPr lang="en-US" altLang="ko-KR" dirty="0">
+                <a:solidFill>
+                  <a:srgbClr val="40514E"/>
+                </a:solidFill>
+                <a:latin typeface="맑은 고딕" panose="020B0503020000020004" pitchFamily="50" charset="-127"/>
+                <a:cs typeface="lato"/>
+              </a:rPr>
+              <a:t>. </a:t>
+            </a:r>
+          </a:p>
+          <a:p>
+            <a:pPr>
+              <a:buFont typeface="Wingdings"/>
+              <a:buChar char="§"/>
+            </a:pPr>
+            <a:r>
+              <a:rPr lang="en-US" altLang="ko-KR" dirty="0">
+                <a:solidFill>
+                  <a:srgbClr val="3B3B3B"/>
+                </a:solidFill>
+                <a:cs typeface="lato"/>
+              </a:rPr>
+              <a:t>Caffe2</a:t>
+            </a:r>
+            <a:r>
+              <a:rPr lang="ko-KR" altLang="en-US" dirty="0">
+                <a:solidFill>
+                  <a:srgbClr val="3B3B3B"/>
+                </a:solidFill>
+                <a:cs typeface="lato"/>
+              </a:rPr>
+              <a:t>의 </a:t>
+            </a:r>
+            <a:r>
+              <a:rPr lang="en-US" altLang="ko-KR" dirty="0">
+                <a:solidFill>
+                  <a:srgbClr val="3B3B3B"/>
+                </a:solidFill>
+                <a:cs typeface="lato"/>
+              </a:rPr>
+              <a:t>GitHub Repository</a:t>
+            </a:r>
+            <a:r>
+              <a:rPr lang="ko-KR" altLang="en-US" dirty="0">
+                <a:solidFill>
+                  <a:srgbClr val="3B3B3B"/>
+                </a:solidFill>
+                <a:cs typeface="lato"/>
+              </a:rPr>
+              <a:t>에 따르면</a:t>
+            </a:r>
+            <a:r>
+              <a:rPr lang="en-US" altLang="ko-KR" dirty="0">
+                <a:solidFill>
+                  <a:srgbClr val="3B3B3B"/>
+                </a:solidFill>
+                <a:cs typeface="lato"/>
+              </a:rPr>
+              <a:t>, TensorFlow Lite</a:t>
+            </a:r>
+            <a:r>
+              <a:rPr lang="ko-KR" altLang="en-US" dirty="0">
+                <a:solidFill>
+                  <a:srgbClr val="3B3B3B"/>
+                </a:solidFill>
+                <a:cs typeface="lato"/>
+              </a:rPr>
+              <a:t>의 속도와 견줄 만 하다</a:t>
+            </a:r>
+            <a:r>
+              <a:rPr lang="en-US" altLang="ko-KR" dirty="0">
+                <a:solidFill>
+                  <a:srgbClr val="3B3B3B"/>
+                </a:solidFill>
+                <a:cs typeface="lato"/>
+              </a:rPr>
+              <a:t>.</a:t>
+            </a:r>
+          </a:p>
+          <a:p>
+            <a:pPr lvl="1">
+              <a:buFont typeface="Wingdings"/>
+              <a:buChar char="§"/>
+            </a:pPr>
+            <a:r>
+              <a:rPr lang="en-US" altLang="ko-KR" dirty="0">
+                <a:solidFill>
+                  <a:srgbClr val="3B3B3B"/>
+                </a:solidFill>
+                <a:cs typeface="lato"/>
+              </a:rPr>
+              <a:t>175ms VS 158 </a:t>
+            </a:r>
+            <a:r>
+              <a:rPr lang="en-US" altLang="ko-KR" dirty="0" err="1">
+                <a:solidFill>
+                  <a:srgbClr val="3B3B3B"/>
+                </a:solidFill>
+                <a:cs typeface="lato"/>
+              </a:rPr>
+              <a:t>ms</a:t>
+            </a:r>
+            <a:endParaRPr lang="en-US" altLang="ko-KR" dirty="0">
+              <a:solidFill>
+                <a:srgbClr val="3B3B3B"/>
+              </a:solidFill>
+              <a:cs typeface="lato"/>
+            </a:endParaRPr>
+          </a:p>
+          <a:p>
+            <a:pPr>
+              <a:buFont typeface="Wingdings"/>
+              <a:buChar char="§"/>
+            </a:pPr>
+            <a:r>
+              <a:rPr lang="ko-KR" altLang="en-US" dirty="0">
+                <a:solidFill>
+                  <a:srgbClr val="3B3B3B"/>
+                </a:solidFill>
+                <a:cs typeface="lato"/>
+              </a:rPr>
+              <a:t>칩셋 제조사들의 </a:t>
+            </a:r>
+            <a:r>
+              <a:rPr lang="en-US" altLang="ko-KR" dirty="0">
+                <a:solidFill>
+                  <a:srgbClr val="3B3B3B"/>
+                </a:solidFill>
+                <a:cs typeface="lato"/>
+              </a:rPr>
+              <a:t>SDK</a:t>
+            </a:r>
+            <a:r>
+              <a:rPr lang="ko-KR" altLang="en-US" dirty="0">
+                <a:solidFill>
+                  <a:srgbClr val="3B3B3B"/>
+                </a:solidFill>
+                <a:cs typeface="lato"/>
+              </a:rPr>
+              <a:t>는 존재하지만</a:t>
+            </a:r>
+            <a:r>
+              <a:rPr lang="en-US" altLang="ko-KR" dirty="0">
+                <a:solidFill>
+                  <a:srgbClr val="3B3B3B"/>
+                </a:solidFill>
+                <a:cs typeface="lato"/>
+              </a:rPr>
+              <a:t>, NNAPI </a:t>
+            </a:r>
+            <a:r>
+              <a:rPr lang="ko-KR" altLang="en-US" dirty="0">
+                <a:solidFill>
+                  <a:srgbClr val="3B3B3B"/>
+                </a:solidFill>
+                <a:cs typeface="lato"/>
+              </a:rPr>
+              <a:t>지원은 아직 </a:t>
+            </a:r>
+            <a:r>
+              <a:rPr lang="ko-KR" altLang="en-US" dirty="0" err="1">
+                <a:solidFill>
+                  <a:srgbClr val="3B3B3B"/>
+                </a:solidFill>
+                <a:cs typeface="lato"/>
+              </a:rPr>
+              <a:t>개발중이다</a:t>
+            </a:r>
+            <a:r>
+              <a:rPr lang="en-US" altLang="ko-KR" dirty="0">
+                <a:solidFill>
+                  <a:srgbClr val="3B3B3B"/>
+                </a:solidFill>
+                <a:cs typeface="lato"/>
+              </a:rPr>
+              <a:t>. </a:t>
+            </a:r>
+          </a:p>
+        </p:txBody>
+      </p:sp>
+      <p:sp>
+        <p:nvSpPr>
+          <p:cNvPr id="2" name="제목 1">
+            <a:extLst>
+              <a:ext uri="{FF2B5EF4-FFF2-40B4-BE49-F238E27FC236}">
+                <a16:creationId xmlns:a16="http://schemas.microsoft.com/office/drawing/2014/main" id="{03F7A937-0ADC-4867-B171-96098389F72C}"/>
+              </a:ext>
+            </a:extLst>
+          </p:cNvPr>
+          <p:cNvSpPr>
+            <a:spLocks noGrp="1"/>
+          </p:cNvSpPr>
+          <p:nvPr>
+            <p:ph type="title"/>
+          </p:nvPr>
+        </p:nvSpPr>
+        <p:spPr>
+          <a:xfrm>
+            <a:off x="205740" y="130233"/>
+            <a:ext cx="11757660" cy="700498"/>
+          </a:xfrm>
+        </p:spPr>
+        <p:txBody>
+          <a:bodyPr/>
+          <a:lstStyle/>
+          <a:p>
+            <a:r>
+              <a:rPr lang="en-US" altLang="ko-KR" dirty="0">
+                <a:latin typeface="+mn-ea"/>
+                <a:ea typeface="+mn-ea"/>
+                <a:cs typeface="lato"/>
+              </a:rPr>
+              <a:t>Caffe2</a:t>
+            </a:r>
+          </a:p>
+        </p:txBody>
+      </p:sp>
+    </p:spTree>
+    <p:extLst>
+      <p:ext uri="{BB962C8B-B14F-4D97-AF65-F5344CB8AC3E}">
+        <p14:creationId xmlns:p14="http://schemas.microsoft.com/office/powerpoint/2010/main" val="1261050670"/>
+      </p:ext>
+    </p:extLst>
+  </p:cSld>
+  <p:clrMapOvr>
+    <a:masterClrMapping/>
+  </p:clrMapOvr>
+</p:sld>
+</file>
+
+<file path=ppt/slides/slide28.xml><?xml version="1.0" encoding="utf-8"?>
+<p:sld xmlns:a="http://schemas.openxmlformats.org/drawingml/2006/main" xmlns:r="http://schemas.openxmlformats.org/officeDocument/2006/relationships" xmlns:p="http://schemas.openxmlformats.org/presentationml/2006/main">
+  <p:cSld>
+    <p:spTree>
+      <p:nvGrpSpPr>
+        <p:cNvPr id="1" name=""/>
+        <p:cNvGrpSpPr/>
+        <p:nvPr/>
+      </p:nvGrpSpPr>
+      <p:grpSpPr>
+        <a:xfrm>
+          <a:off x="0" y="0"/>
+          <a:ext cx="0" cy="0"/>
+          <a:chOff x="0" y="0"/>
+          <a:chExt cx="0" cy="0"/>
+        </a:xfrm>
+      </p:grpSpPr>
+      <p:sp>
+        <p:nvSpPr>
+          <p:cNvPr id="2" name="제목 1">
+            <a:extLst>
+              <a:ext uri="{FF2B5EF4-FFF2-40B4-BE49-F238E27FC236}">
+                <a16:creationId xmlns:a16="http://schemas.microsoft.com/office/drawing/2014/main" id="{03F7A937-0ADC-4867-B171-96098389F72C}"/>
+              </a:ext>
+            </a:extLst>
+          </p:cNvPr>
+          <p:cNvSpPr>
+            <a:spLocks noGrp="1"/>
+          </p:cNvSpPr>
+          <p:nvPr>
+            <p:ph type="title"/>
+          </p:nvPr>
+        </p:nvSpPr>
+        <p:spPr/>
+        <p:txBody>
+          <a:bodyPr/>
+          <a:lstStyle/>
+          <a:p>
+            <a:r>
+              <a:rPr lang="en-US" altLang="ko-KR" dirty="0">
+                <a:latin typeface="+mn-ea"/>
+                <a:ea typeface="+mn-ea"/>
+                <a:cs typeface="lato"/>
+              </a:rPr>
+              <a:t>Contents</a:t>
+            </a:r>
+          </a:p>
+        </p:txBody>
+      </p:sp>
+      <p:sp>
+        <p:nvSpPr>
+          <p:cNvPr id="3" name="내용 개체 틀 2">
+            <a:extLst>
+              <a:ext uri="{FF2B5EF4-FFF2-40B4-BE49-F238E27FC236}">
+                <a16:creationId xmlns:a16="http://schemas.microsoft.com/office/drawing/2014/main" id="{4BDBFE05-562B-4399-AF9E-26DFE47FAD6D}"/>
+              </a:ext>
+            </a:extLst>
+          </p:cNvPr>
+          <p:cNvSpPr>
+            <a:spLocks noGrp="1"/>
+          </p:cNvSpPr>
+          <p:nvPr>
+            <p:ph idx="1"/>
+          </p:nvPr>
+        </p:nvSpPr>
+        <p:spPr/>
+        <p:txBody>
+          <a:bodyPr vert="horz" lIns="91440" tIns="45720" rIns="91440" bIns="45720" rtlCol="0" anchor="t">
+            <a:normAutofit/>
+          </a:bodyPr>
+          <a:lstStyle/>
+          <a:p>
+            <a:pPr>
+              <a:buFont typeface="Wingdings"/>
+              <a:buChar char="§"/>
+            </a:pPr>
+            <a:r>
+              <a:rPr lang="ko-KR" altLang="en-US" dirty="0">
+                <a:solidFill>
+                  <a:srgbClr val="B1B1B1"/>
+                </a:solidFill>
+                <a:ea typeface="+mn-lt"/>
+                <a:cs typeface="+mn-lt"/>
+              </a:rPr>
+              <a:t>도입</a:t>
+            </a:r>
+            <a:endParaRPr lang="en-US" altLang="ko-KR" dirty="0">
+              <a:solidFill>
+                <a:srgbClr val="B1B1B1"/>
+              </a:solidFill>
+              <a:ea typeface="+mn-lt"/>
+              <a:cs typeface="+mn-lt"/>
+            </a:endParaRPr>
+          </a:p>
+          <a:p>
+            <a:pPr>
+              <a:buFont typeface="Wingdings"/>
+              <a:buChar char="§"/>
+            </a:pPr>
+            <a:r>
+              <a:rPr lang="ko-KR" altLang="en-US" dirty="0">
+                <a:solidFill>
+                  <a:schemeClr val="tx1">
+                    <a:lumMod val="40000"/>
+                    <a:lumOff val="60000"/>
+                  </a:schemeClr>
+                </a:solidFill>
+                <a:cs typeface="lato"/>
+              </a:rPr>
+              <a:t>하드웨어 가속</a:t>
+            </a:r>
+            <a:endParaRPr lang="en-US" altLang="ko-KR" dirty="0">
+              <a:solidFill>
+                <a:schemeClr val="tx1">
+                  <a:lumMod val="40000"/>
+                  <a:lumOff val="60000"/>
+                </a:schemeClr>
+              </a:solidFill>
+              <a:cs typeface="lato"/>
+            </a:endParaRPr>
+          </a:p>
+          <a:p>
+            <a:pPr>
+              <a:buFont typeface="Wingdings"/>
+              <a:buChar char="§"/>
+            </a:pPr>
+            <a:r>
+              <a:rPr lang="ko-KR" altLang="en-US" dirty="0">
+                <a:solidFill>
+                  <a:schemeClr val="bg2">
+                    <a:lumMod val="75000"/>
+                  </a:schemeClr>
+                </a:solidFill>
+                <a:cs typeface="lato"/>
+              </a:rPr>
+              <a:t>딥러닝 모바일 프레임워크</a:t>
+            </a:r>
+            <a:endParaRPr lang="en-US" altLang="ko-KR" dirty="0">
+              <a:solidFill>
+                <a:schemeClr val="bg2">
+                  <a:lumMod val="75000"/>
+                </a:schemeClr>
+              </a:solidFill>
+              <a:cs typeface="lato"/>
+            </a:endParaRPr>
+          </a:p>
+          <a:p>
+            <a:pPr>
+              <a:buFont typeface="Wingdings"/>
+              <a:buChar char="§"/>
+            </a:pPr>
+            <a:r>
+              <a:rPr lang="en-US" altLang="ko-KR" dirty="0">
+                <a:solidFill>
+                  <a:schemeClr val="tx2"/>
+                </a:solidFill>
+                <a:cs typeface="lato"/>
+              </a:rPr>
+              <a:t>AI Benchmark</a:t>
+            </a:r>
+          </a:p>
+          <a:p>
+            <a:pPr>
+              <a:buFont typeface="Wingdings"/>
+              <a:buChar char="§"/>
+            </a:pPr>
+            <a:r>
+              <a:rPr lang="ko-KR" altLang="en-US" dirty="0">
+                <a:solidFill>
+                  <a:schemeClr val="tx1">
+                    <a:lumMod val="40000"/>
+                    <a:lumOff val="60000"/>
+                  </a:schemeClr>
+                </a:solidFill>
+                <a:cs typeface="lato"/>
+              </a:rPr>
+              <a:t>벤치마크 결과</a:t>
+            </a:r>
+            <a:endParaRPr lang="en-US" altLang="ko-KR" dirty="0">
+              <a:solidFill>
+                <a:schemeClr val="tx1">
+                  <a:lumMod val="40000"/>
+                  <a:lumOff val="60000"/>
+                </a:schemeClr>
+              </a:solidFill>
+              <a:cs typeface="lato"/>
+            </a:endParaRPr>
+          </a:p>
+          <a:p>
+            <a:pPr>
+              <a:buFont typeface="Wingdings"/>
+              <a:buChar char="§"/>
+            </a:pPr>
+            <a:r>
+              <a:rPr lang="ko-KR" altLang="en-US" dirty="0">
+                <a:solidFill>
+                  <a:schemeClr val="tx1">
+                    <a:lumMod val="40000"/>
+                    <a:lumOff val="60000"/>
+                  </a:schemeClr>
+                </a:solidFill>
+                <a:cs typeface="lato"/>
+              </a:rPr>
+              <a:t>고찰</a:t>
+            </a:r>
+            <a:endParaRPr lang="en-US" altLang="ko-KR" dirty="0">
+              <a:solidFill>
+                <a:schemeClr val="tx1">
+                  <a:lumMod val="40000"/>
+                  <a:lumOff val="60000"/>
+                </a:schemeClr>
+              </a:solidFill>
+              <a:cs typeface="lato"/>
+            </a:endParaRPr>
+          </a:p>
+          <a:p>
+            <a:pPr>
+              <a:buFont typeface="Wingdings"/>
+              <a:buChar char="§"/>
+            </a:pPr>
+            <a:r>
+              <a:rPr lang="ko-KR" altLang="en-US" dirty="0">
+                <a:solidFill>
+                  <a:schemeClr val="tx1">
+                    <a:lumMod val="40000"/>
+                    <a:lumOff val="60000"/>
+                  </a:schemeClr>
+                </a:solidFill>
+                <a:cs typeface="lato"/>
+              </a:rPr>
+              <a:t>결론</a:t>
+            </a:r>
+            <a:endParaRPr lang="en-US" altLang="ko-KR" baseline="50000" dirty="0">
+              <a:solidFill>
+                <a:srgbClr val="3B3B3B"/>
+              </a:solidFill>
+              <a:cs typeface="lato"/>
+            </a:endParaRPr>
+          </a:p>
+        </p:txBody>
+      </p:sp>
+      <p:sp>
+        <p:nvSpPr>
+          <p:cNvPr id="4" name="슬라이드 번호 개체 틀 3">
+            <a:extLst>
+              <a:ext uri="{FF2B5EF4-FFF2-40B4-BE49-F238E27FC236}">
+                <a16:creationId xmlns:a16="http://schemas.microsoft.com/office/drawing/2014/main" id="{65E94AD2-6DAA-4440-B0A8-A313D68FC664}"/>
+              </a:ext>
+            </a:extLst>
+          </p:cNvPr>
+          <p:cNvSpPr>
+            <a:spLocks noGrp="1"/>
+          </p:cNvSpPr>
+          <p:nvPr>
+            <p:ph type="sldNum" sz="quarter" idx="4"/>
+          </p:nvPr>
+        </p:nvSpPr>
+        <p:spPr/>
+        <p:txBody>
+          <a:bodyPr/>
+          <a:lstStyle/>
+          <a:p>
+            <a:fld id="{765CECA1-5C9B-4693-A1BD-3F65156FCD02}" type="slidenum">
+              <a:rPr lang="ko-KR" altLang="en-US" smtClean="0"/>
+              <a:pPr/>
+              <a:t>28</a:t>
+            </a:fld>
+            <a:endParaRPr lang="ko-KR" altLang="en-US" dirty="0"/>
+          </a:p>
+        </p:txBody>
+      </p:sp>
+    </p:spTree>
+    <p:extLst>
+      <p:ext uri="{BB962C8B-B14F-4D97-AF65-F5344CB8AC3E}">
+        <p14:creationId xmlns:p14="http://schemas.microsoft.com/office/powerpoint/2010/main" val="3897781161"/>
+      </p:ext>
+    </p:extLst>
+  </p:cSld>
+  <p:clrMapOvr>
+    <a:masterClrMapping/>
+  </p:clrMapOvr>
+</p:sld>
+</file>
+
+<file path=ppt/slides/slide29.xml><?xml version="1.0" encoding="utf-8"?>
+<p:sld xmlns:a="http://schemas.openxmlformats.org/drawingml/2006/main" xmlns:r="http://schemas.openxmlformats.org/officeDocument/2006/relationships" xmlns:p="http://schemas.openxmlformats.org/presentationml/2006/main">
+  <p:cSld>
+    <p:spTree>
+      <p:nvGrpSpPr>
+        <p:cNvPr id="1" name=""/>
+        <p:cNvGrpSpPr/>
+        <p:nvPr/>
+      </p:nvGrpSpPr>
+      <p:grpSpPr>
+        <a:xfrm>
+          <a:off x="0" y="0"/>
+          <a:ext cx="0" cy="0"/>
+          <a:chOff x="0" y="0"/>
+          <a:chExt cx="0" cy="0"/>
+        </a:xfrm>
+      </p:grpSpPr>
+      <p:sp>
+        <p:nvSpPr>
+          <p:cNvPr id="3" name="내용 개체 틀 2">
+            <a:extLst>
+              <a:ext uri="{FF2B5EF4-FFF2-40B4-BE49-F238E27FC236}">
+                <a16:creationId xmlns:a16="http://schemas.microsoft.com/office/drawing/2014/main" id="{4BDBFE05-562B-4399-AF9E-26DFE47FAD6D}"/>
+              </a:ext>
+            </a:extLst>
+          </p:cNvPr>
+          <p:cNvSpPr>
+            <a:spLocks noGrp="1"/>
+          </p:cNvSpPr>
+          <p:nvPr>
+            <p:ph idx="1"/>
+          </p:nvPr>
+        </p:nvSpPr>
+        <p:spPr/>
+        <p:txBody>
+          <a:bodyPr vert="horz" lIns="91440" tIns="45720" rIns="91440" bIns="45720" rtlCol="0" anchor="t">
+            <a:normAutofit/>
+          </a:bodyPr>
+          <a:lstStyle/>
+          <a:p>
+            <a:pPr>
+              <a:buFont typeface="Wingdings"/>
+              <a:buChar char="§"/>
+            </a:pPr>
+            <a:r>
+              <a:rPr lang="en-US" altLang="ko-KR" b="0" i="0" dirty="0">
+                <a:solidFill>
+                  <a:srgbClr val="40514E"/>
+                </a:solidFill>
+                <a:effectLst/>
+                <a:latin typeface="맑은 고딕" panose="020B0503020000020004" pitchFamily="50" charset="-127"/>
+              </a:rPr>
+              <a:t>AI Benchmark</a:t>
+            </a:r>
+            <a:r>
+              <a:rPr lang="ko-KR" altLang="en-US" b="0" i="0" dirty="0">
+                <a:solidFill>
+                  <a:srgbClr val="40514E"/>
+                </a:solidFill>
+                <a:effectLst/>
+                <a:latin typeface="맑은 고딕" panose="020B0503020000020004" pitchFamily="50" charset="-127"/>
+              </a:rPr>
+              <a:t>는 </a:t>
+            </a:r>
+            <a:r>
+              <a:rPr lang="en-US" altLang="ko-KR" b="0" i="0" dirty="0">
+                <a:solidFill>
+                  <a:srgbClr val="40514E"/>
+                </a:solidFill>
+                <a:effectLst/>
+                <a:latin typeface="맑은 고딕" panose="020B0503020000020004" pitchFamily="50" charset="-127"/>
+              </a:rPr>
+              <a:t>AI</a:t>
+            </a:r>
+            <a:r>
+              <a:rPr lang="ko-KR" altLang="en-US" b="0" i="0" dirty="0">
+                <a:solidFill>
+                  <a:srgbClr val="40514E"/>
+                </a:solidFill>
+                <a:effectLst/>
+                <a:latin typeface="맑은 고딕" panose="020B0503020000020004" pitchFamily="50" charset="-127"/>
+              </a:rPr>
+              <a:t>와 딥러닝 알고리즘을 모바일 플랫폼에서 동작할 때 성능과 메모리의 한계를 체크하는 안드로이드 어플리케이션</a:t>
+            </a:r>
+            <a:r>
+              <a:rPr lang="en-US" altLang="ko-KR" b="0" i="0" dirty="0">
+                <a:solidFill>
+                  <a:srgbClr val="40514E"/>
+                </a:solidFill>
+                <a:effectLst/>
+                <a:latin typeface="맑은 고딕" panose="020B0503020000020004" pitchFamily="50" charset="-127"/>
+              </a:rPr>
+              <a:t>.</a:t>
+            </a:r>
+          </a:p>
+          <a:p>
+            <a:pPr>
+              <a:buFont typeface="Wingdings"/>
+              <a:buChar char="§"/>
+            </a:pPr>
+            <a:r>
+              <a:rPr lang="ko-KR" altLang="en-US" dirty="0">
+                <a:solidFill>
+                  <a:srgbClr val="3B3B3B"/>
+                </a:solidFill>
+                <a:cs typeface="lato"/>
+              </a:rPr>
+              <a:t>인공 신경망을 사용하는 컴퓨터 비전 작업으로 이루어 져 있다</a:t>
+            </a:r>
+            <a:r>
+              <a:rPr lang="en-US" altLang="ko-KR" dirty="0">
+                <a:solidFill>
+                  <a:srgbClr val="3B3B3B"/>
+                </a:solidFill>
+                <a:cs typeface="lato"/>
+              </a:rPr>
+              <a:t>. </a:t>
+            </a:r>
+          </a:p>
+        </p:txBody>
+      </p:sp>
+      <p:sp>
+        <p:nvSpPr>
+          <p:cNvPr id="2" name="제목 1">
+            <a:extLst>
+              <a:ext uri="{FF2B5EF4-FFF2-40B4-BE49-F238E27FC236}">
+                <a16:creationId xmlns:a16="http://schemas.microsoft.com/office/drawing/2014/main" id="{03F7A937-0ADC-4867-B171-96098389F72C}"/>
+              </a:ext>
+            </a:extLst>
+          </p:cNvPr>
+          <p:cNvSpPr>
+            <a:spLocks noGrp="1"/>
+          </p:cNvSpPr>
+          <p:nvPr>
+            <p:ph type="title"/>
+          </p:nvPr>
+        </p:nvSpPr>
+        <p:spPr>
+          <a:xfrm>
+            <a:off x="205740" y="130233"/>
+            <a:ext cx="11757660" cy="700498"/>
+          </a:xfrm>
+        </p:spPr>
+        <p:txBody>
+          <a:bodyPr/>
+          <a:lstStyle/>
+          <a:p>
+            <a:r>
+              <a:rPr lang="en-US" altLang="ko-KR" dirty="0">
+                <a:latin typeface="+mn-ea"/>
+                <a:ea typeface="+mn-ea"/>
+                <a:cs typeface="lato"/>
+              </a:rPr>
+              <a:t>AI Benchmark</a:t>
+            </a:r>
+          </a:p>
+        </p:txBody>
+      </p:sp>
+    </p:spTree>
+    <p:extLst>
+      <p:ext uri="{BB962C8B-B14F-4D97-AF65-F5344CB8AC3E}">
+        <p14:creationId xmlns:p14="http://schemas.microsoft.com/office/powerpoint/2010/main" val="1528776282"/>
+      </p:ext>
+    </p:extLst>
+  </p:cSld>
+  <p:clrMapOvr>
+    <a:masterClrMapping/>
+  </p:clrMapOvr>
+</p:sld>
+</file>
+
 <file path=ppt/slides/slide3.xml><?xml version="1.0" encoding="utf-8"?>
 <p:sld xmlns:a="http://schemas.openxmlformats.org/drawingml/2006/main" xmlns:r="http://schemas.openxmlformats.org/officeDocument/2006/relationships" xmlns:p="http://schemas.openxmlformats.org/presentationml/2006/main">
   <p:cSld>
@@ -5530,6 +12730,1600 @@
     <p:extLst>
       <p:ext uri="{BB962C8B-B14F-4D97-AF65-F5344CB8AC3E}">
         <p14:creationId xmlns:p14="http://schemas.microsoft.com/office/powerpoint/2010/main" val="3458282637"/>
+      </p:ext>
+    </p:extLst>
+  </p:cSld>
+  <p:clrMapOvr>
+    <a:masterClrMapping/>
+  </p:clrMapOvr>
+</p:sld>
+</file>
+
+<file path=ppt/slides/slide30.xml><?xml version="1.0" encoding="utf-8"?>
+<p:sld xmlns:a="http://schemas.openxmlformats.org/drawingml/2006/main" xmlns:r="http://schemas.openxmlformats.org/officeDocument/2006/relationships" xmlns:p="http://schemas.openxmlformats.org/presentationml/2006/main">
+  <p:cSld>
+    <p:spTree>
+      <p:nvGrpSpPr>
+        <p:cNvPr id="1" name=""/>
+        <p:cNvGrpSpPr/>
+        <p:nvPr/>
+      </p:nvGrpSpPr>
+      <p:grpSpPr>
+        <a:xfrm>
+          <a:off x="0" y="0"/>
+          <a:ext cx="0" cy="0"/>
+          <a:chOff x="0" y="0"/>
+          <a:chExt cx="0" cy="0"/>
+        </a:xfrm>
+      </p:grpSpPr>
+      <p:sp>
+        <p:nvSpPr>
+          <p:cNvPr id="3" name="내용 개체 틀 2">
+            <a:extLst>
+              <a:ext uri="{FF2B5EF4-FFF2-40B4-BE49-F238E27FC236}">
+                <a16:creationId xmlns:a16="http://schemas.microsoft.com/office/drawing/2014/main" id="{4BDBFE05-562B-4399-AF9E-26DFE47FAD6D}"/>
+              </a:ext>
+            </a:extLst>
+          </p:cNvPr>
+          <p:cNvSpPr>
+            <a:spLocks noGrp="1"/>
+          </p:cNvSpPr>
+          <p:nvPr>
+            <p:ph idx="1"/>
+          </p:nvPr>
+        </p:nvSpPr>
+        <p:spPr/>
+        <p:txBody>
+          <a:bodyPr vert="horz" lIns="91440" tIns="45720" rIns="91440" bIns="45720" rtlCol="0" anchor="t">
+            <a:normAutofit/>
+          </a:bodyPr>
+          <a:lstStyle/>
+          <a:p>
+            <a:pPr>
+              <a:buFont typeface="Wingdings"/>
+              <a:buChar char="§"/>
+            </a:pPr>
+            <a:r>
+              <a:rPr lang="en-US" altLang="ko-KR" dirty="0">
+                <a:solidFill>
+                  <a:srgbClr val="40514E"/>
+                </a:solidFill>
+                <a:latin typeface="맑은 고딕" panose="020B0503020000020004" pitchFamily="50" charset="-127"/>
+                <a:cs typeface="lato"/>
+              </a:rPr>
+              <a:t>1000</a:t>
+            </a:r>
+            <a:r>
+              <a:rPr lang="ko-KR" altLang="en-US" dirty="0">
+                <a:solidFill>
+                  <a:srgbClr val="40514E"/>
+                </a:solidFill>
+                <a:latin typeface="맑은 고딕" panose="020B0503020000020004" pitchFamily="50" charset="-127"/>
+                <a:cs typeface="lato"/>
+              </a:rPr>
+              <a:t>개의 이미지 범주로 분류하는 것이 목표인 </a:t>
+            </a:r>
+            <a:r>
+              <a:rPr lang="en-US" altLang="ko-KR" dirty="0">
+                <a:solidFill>
+                  <a:srgbClr val="40514E"/>
+                </a:solidFill>
+                <a:latin typeface="맑은 고딕" panose="020B0503020000020004" pitchFamily="50" charset="-127"/>
+                <a:cs typeface="lato"/>
+              </a:rPr>
+              <a:t>ImageNet Challenge</a:t>
+            </a:r>
+            <a:r>
+              <a:rPr lang="ko-KR" altLang="en-US" dirty="0">
+                <a:solidFill>
+                  <a:srgbClr val="40514E"/>
+                </a:solidFill>
+                <a:latin typeface="맑은 고딕" panose="020B0503020000020004" pitchFamily="50" charset="-127"/>
+                <a:cs typeface="lato"/>
+              </a:rPr>
+              <a:t>를 목표로 한다</a:t>
+            </a:r>
+            <a:r>
+              <a:rPr lang="en-US" altLang="ko-KR" dirty="0">
+                <a:solidFill>
+                  <a:srgbClr val="40514E"/>
+                </a:solidFill>
+                <a:latin typeface="맑은 고딕" panose="020B0503020000020004" pitchFamily="50" charset="-127"/>
+                <a:cs typeface="lato"/>
+              </a:rPr>
+              <a:t>.. </a:t>
+            </a:r>
+          </a:p>
+          <a:p>
+            <a:pPr>
+              <a:buFont typeface="Wingdings"/>
+              <a:buChar char="§"/>
+            </a:pPr>
+            <a:r>
+              <a:rPr lang="en-US" altLang="ko-KR" dirty="0">
+                <a:solidFill>
+                  <a:srgbClr val="40514E"/>
+                </a:solidFill>
+                <a:latin typeface="맑은 고딕" panose="020B0503020000020004" pitchFamily="50" charset="-127"/>
+                <a:cs typeface="lato"/>
+              </a:rPr>
+              <a:t>MobileNet-V1 </a:t>
+            </a:r>
+            <a:r>
+              <a:rPr lang="ko-KR" altLang="en-US" dirty="0">
+                <a:solidFill>
+                  <a:srgbClr val="40514E"/>
+                </a:solidFill>
+                <a:latin typeface="맑은 고딕" panose="020B0503020000020004" pitchFamily="50" charset="-127"/>
+                <a:cs typeface="lato"/>
+              </a:rPr>
+              <a:t>모델을 사용한다</a:t>
+            </a:r>
+            <a:r>
+              <a:rPr lang="en-US" altLang="ko-KR" dirty="0">
+                <a:solidFill>
+                  <a:srgbClr val="40514E"/>
+                </a:solidFill>
+                <a:latin typeface="맑은 고딕" panose="020B0503020000020004" pitchFamily="50" charset="-127"/>
+                <a:cs typeface="lato"/>
+              </a:rPr>
+              <a:t>. </a:t>
+            </a:r>
+            <a:r>
+              <a:rPr lang="ko-KR" altLang="en-US" dirty="0">
+                <a:solidFill>
+                  <a:srgbClr val="40514E"/>
+                </a:solidFill>
+                <a:latin typeface="맑은 고딕" panose="020B0503020000020004" pitchFamily="50" charset="-127"/>
+                <a:cs typeface="lato"/>
+              </a:rPr>
+              <a:t>해당 모델은 총 </a:t>
+            </a:r>
+            <a:r>
+              <a:rPr lang="en-US" altLang="ko-KR" dirty="0">
+                <a:solidFill>
+                  <a:srgbClr val="40514E"/>
+                </a:solidFill>
+                <a:latin typeface="맑은 고딕" panose="020B0503020000020004" pitchFamily="50" charset="-127"/>
+                <a:cs typeface="lato"/>
+              </a:rPr>
+              <a:t>569M</a:t>
+            </a:r>
+            <a:r>
+              <a:rPr lang="ko-KR" altLang="en-US" dirty="0">
+                <a:solidFill>
+                  <a:srgbClr val="40514E"/>
+                </a:solidFill>
+                <a:latin typeface="맑은 고딕" panose="020B0503020000020004" pitchFamily="50" charset="-127"/>
+                <a:cs typeface="lato"/>
+              </a:rPr>
+              <a:t>번의 연산을 진행한다</a:t>
+            </a:r>
+            <a:r>
+              <a:rPr lang="en-US" altLang="ko-KR" dirty="0">
+                <a:solidFill>
+                  <a:srgbClr val="40514E"/>
+                </a:solidFill>
+                <a:latin typeface="맑은 고딕" panose="020B0503020000020004" pitchFamily="50" charset="-127"/>
+                <a:cs typeface="lato"/>
+              </a:rPr>
+              <a:t>.</a:t>
+            </a:r>
+          </a:p>
+          <a:p>
+            <a:pPr>
+              <a:buFont typeface="Wingdings"/>
+              <a:buChar char="§"/>
+            </a:pPr>
+            <a:r>
+              <a:rPr lang="ko-KR" altLang="en-US" dirty="0">
+                <a:solidFill>
+                  <a:srgbClr val="40514E"/>
+                </a:solidFill>
+                <a:latin typeface="맑은 고딕" panose="020B0503020000020004" pitchFamily="50" charset="-127"/>
+                <a:cs typeface="lato"/>
+              </a:rPr>
+              <a:t>해당 모델은 </a:t>
+            </a:r>
+            <a:r>
+              <a:rPr lang="en-US" altLang="ko-KR" dirty="0">
+                <a:solidFill>
+                  <a:srgbClr val="40514E"/>
+                </a:solidFill>
+                <a:latin typeface="맑은 고딕" panose="020B0503020000020004" pitchFamily="50" charset="-127"/>
+                <a:cs typeface="lato"/>
+              </a:rPr>
+              <a:t>ImageNet </a:t>
+            </a:r>
+            <a:r>
+              <a:rPr lang="ko-KR" altLang="en-US" dirty="0">
+                <a:solidFill>
+                  <a:srgbClr val="40514E"/>
+                </a:solidFill>
+                <a:latin typeface="맑은 고딕" panose="020B0503020000020004" pitchFamily="50" charset="-127"/>
+                <a:cs typeface="lato"/>
+              </a:rPr>
+              <a:t>데이터셋에서 </a:t>
+            </a:r>
+            <a:r>
+              <a:rPr lang="en-US" altLang="ko-KR" dirty="0">
+                <a:solidFill>
+                  <a:srgbClr val="40514E"/>
+                </a:solidFill>
+                <a:latin typeface="맑은 고딕" panose="020B0503020000020004" pitchFamily="50" charset="-127"/>
+                <a:cs typeface="lato"/>
+              </a:rPr>
+              <a:t>70.6%</a:t>
+            </a:r>
+            <a:r>
+              <a:rPr lang="ko-KR" altLang="en-US" dirty="0">
+                <a:solidFill>
+                  <a:srgbClr val="40514E"/>
+                </a:solidFill>
+                <a:latin typeface="맑은 고딕" panose="020B0503020000020004" pitchFamily="50" charset="-127"/>
+                <a:cs typeface="lato"/>
+              </a:rPr>
+              <a:t>의 정확도를 달성했다</a:t>
+            </a:r>
+            <a:r>
+              <a:rPr lang="en-US" altLang="ko-KR" dirty="0">
+                <a:solidFill>
+                  <a:srgbClr val="40514E"/>
+                </a:solidFill>
+                <a:latin typeface="맑은 고딕" panose="020B0503020000020004" pitchFamily="50" charset="-127"/>
+                <a:cs typeface="lato"/>
+              </a:rPr>
+              <a:t>. </a:t>
+            </a:r>
+          </a:p>
+          <a:p>
+            <a:pPr>
+              <a:buFont typeface="Wingdings"/>
+              <a:buChar char="§"/>
+            </a:pPr>
+            <a:r>
+              <a:rPr lang="ko-KR" altLang="en-US" dirty="0">
+                <a:solidFill>
+                  <a:srgbClr val="40514E"/>
+                </a:solidFill>
+                <a:latin typeface="맑은 고딕" panose="020B0503020000020004" pitchFamily="50" charset="-127"/>
+                <a:cs typeface="lato"/>
+              </a:rPr>
+              <a:t>이는 양자화를 통해서 </a:t>
+            </a:r>
+            <a:r>
+              <a:rPr lang="en-US" altLang="ko-KR" dirty="0">
+                <a:solidFill>
+                  <a:srgbClr val="40514E"/>
+                </a:solidFill>
+                <a:latin typeface="맑은 고딕" panose="020B0503020000020004" pitchFamily="50" charset="-127"/>
+                <a:cs typeface="lato"/>
+              </a:rPr>
+              <a:t>69.7%</a:t>
+            </a:r>
+            <a:r>
+              <a:rPr lang="ko-KR" altLang="en-US" dirty="0">
+                <a:solidFill>
+                  <a:srgbClr val="40514E"/>
+                </a:solidFill>
+                <a:latin typeface="맑은 고딕" panose="020B0503020000020004" pitchFamily="50" charset="-127"/>
+                <a:cs typeface="lato"/>
+              </a:rPr>
+              <a:t>까지 정확도는 감소하지만</a:t>
+            </a:r>
+            <a:r>
+              <a:rPr lang="en-US" altLang="ko-KR" dirty="0">
+                <a:solidFill>
+                  <a:srgbClr val="40514E"/>
+                </a:solidFill>
+                <a:latin typeface="맑은 고딕" panose="020B0503020000020004" pitchFamily="50" charset="-127"/>
+                <a:cs typeface="lato"/>
+              </a:rPr>
+              <a:t>, </a:t>
+            </a:r>
+            <a:r>
+              <a:rPr lang="ko-KR" altLang="en-US" dirty="0">
+                <a:solidFill>
+                  <a:srgbClr val="40514E"/>
+                </a:solidFill>
+                <a:latin typeface="맑은 고딕" panose="020B0503020000020004" pitchFamily="50" charset="-127"/>
+                <a:cs typeface="lato"/>
+              </a:rPr>
+              <a:t>용량을 </a:t>
+            </a:r>
+            <a:r>
+              <a:rPr lang="en-US" altLang="ko-KR" dirty="0">
+                <a:solidFill>
+                  <a:srgbClr val="40514E"/>
+                </a:solidFill>
+                <a:latin typeface="맑은 고딕" panose="020B0503020000020004" pitchFamily="50" charset="-127"/>
+                <a:cs typeface="lato"/>
+              </a:rPr>
+              <a:t>4.3MB</a:t>
+            </a:r>
+            <a:r>
+              <a:rPr lang="ko-KR" altLang="en-US" dirty="0">
+                <a:solidFill>
+                  <a:srgbClr val="40514E"/>
+                </a:solidFill>
+                <a:latin typeface="맑은 고딕" panose="020B0503020000020004" pitchFamily="50" charset="-127"/>
+                <a:cs typeface="lato"/>
+              </a:rPr>
+              <a:t>로 줄일 수 있다</a:t>
+            </a:r>
+            <a:r>
+              <a:rPr lang="en-US" altLang="ko-KR" dirty="0">
+                <a:solidFill>
+                  <a:srgbClr val="40514E"/>
+                </a:solidFill>
+                <a:latin typeface="맑은 고딕" panose="020B0503020000020004" pitchFamily="50" charset="-127"/>
+                <a:cs typeface="lato"/>
+              </a:rPr>
+              <a:t>.</a:t>
+            </a:r>
+          </a:p>
+          <a:p>
+            <a:pPr>
+              <a:buFont typeface="Wingdings"/>
+              <a:buChar char="§"/>
+            </a:pPr>
+            <a:r>
+              <a:rPr lang="ko-KR" altLang="en-US" dirty="0">
+                <a:solidFill>
+                  <a:srgbClr val="FF0000"/>
+                </a:solidFill>
+                <a:latin typeface="맑은 고딕" panose="020B0503020000020004" pitchFamily="50" charset="-127"/>
+                <a:cs typeface="lato"/>
+              </a:rPr>
+              <a:t>양자화된 </a:t>
+            </a:r>
+            <a:r>
+              <a:rPr lang="en-US" altLang="ko-KR" dirty="0">
+                <a:solidFill>
+                  <a:srgbClr val="FF0000"/>
+                </a:solidFill>
+                <a:latin typeface="맑은 고딕" panose="020B0503020000020004" pitchFamily="50" charset="-127"/>
+                <a:cs typeface="lato"/>
+              </a:rPr>
+              <a:t>MobileNet-V1</a:t>
+            </a:r>
+            <a:r>
+              <a:rPr lang="ko-KR" altLang="en-US" dirty="0">
+                <a:solidFill>
+                  <a:srgbClr val="40514E"/>
+                </a:solidFill>
+                <a:latin typeface="맑은 고딕" panose="020B0503020000020004" pitchFamily="50" charset="-127"/>
+                <a:cs typeface="lato"/>
+              </a:rPr>
+              <a:t>은 첫 번째 테스트에 배치된다</a:t>
+            </a:r>
+            <a:r>
+              <a:rPr lang="en-US" altLang="ko-KR" dirty="0">
+                <a:solidFill>
+                  <a:srgbClr val="40514E"/>
+                </a:solidFill>
+                <a:latin typeface="맑은 고딕" panose="020B0503020000020004" pitchFamily="50" charset="-127"/>
+                <a:cs typeface="lato"/>
+              </a:rPr>
+              <a:t>.</a:t>
+            </a:r>
+          </a:p>
+        </p:txBody>
+      </p:sp>
+      <p:sp>
+        <p:nvSpPr>
+          <p:cNvPr id="2" name="제목 1">
+            <a:extLst>
+              <a:ext uri="{FF2B5EF4-FFF2-40B4-BE49-F238E27FC236}">
+                <a16:creationId xmlns:a16="http://schemas.microsoft.com/office/drawing/2014/main" id="{03F7A937-0ADC-4867-B171-96098389F72C}"/>
+              </a:ext>
+            </a:extLst>
+          </p:cNvPr>
+          <p:cNvSpPr>
+            <a:spLocks noGrp="1"/>
+          </p:cNvSpPr>
+          <p:nvPr>
+            <p:ph type="title"/>
+          </p:nvPr>
+        </p:nvSpPr>
+        <p:spPr>
+          <a:xfrm>
+            <a:off x="205740" y="130233"/>
+            <a:ext cx="11757660" cy="700498"/>
+          </a:xfrm>
+        </p:spPr>
+        <p:txBody>
+          <a:bodyPr/>
+          <a:lstStyle/>
+          <a:p>
+            <a:r>
+              <a:rPr lang="en-US" altLang="ko-KR" dirty="0">
+                <a:latin typeface="+mn-ea"/>
+                <a:ea typeface="+mn-ea"/>
+                <a:cs typeface="lato"/>
+              </a:rPr>
+              <a:t>Test1: Image Recognition</a:t>
+            </a:r>
+          </a:p>
+        </p:txBody>
+      </p:sp>
+    </p:spTree>
+    <p:extLst>
+      <p:ext uri="{BB962C8B-B14F-4D97-AF65-F5344CB8AC3E}">
+        <p14:creationId xmlns:p14="http://schemas.microsoft.com/office/powerpoint/2010/main" val="1032312018"/>
+      </p:ext>
+    </p:extLst>
+  </p:cSld>
+  <p:clrMapOvr>
+    <a:masterClrMapping/>
+  </p:clrMapOvr>
+</p:sld>
+</file>
+
+<file path=ppt/slides/slide31.xml><?xml version="1.0" encoding="utf-8"?>
+<p:sld xmlns:a="http://schemas.openxmlformats.org/drawingml/2006/main" xmlns:r="http://schemas.openxmlformats.org/officeDocument/2006/relationships" xmlns:p="http://schemas.openxmlformats.org/presentationml/2006/main">
+  <p:cSld>
+    <p:spTree>
+      <p:nvGrpSpPr>
+        <p:cNvPr id="1" name=""/>
+        <p:cNvGrpSpPr/>
+        <p:nvPr/>
+      </p:nvGrpSpPr>
+      <p:grpSpPr>
+        <a:xfrm>
+          <a:off x="0" y="0"/>
+          <a:ext cx="0" cy="0"/>
+          <a:chOff x="0" y="0"/>
+          <a:chExt cx="0" cy="0"/>
+        </a:xfrm>
+      </p:grpSpPr>
+      <p:sp>
+        <p:nvSpPr>
+          <p:cNvPr id="3" name="내용 개체 틀 2">
+            <a:extLst>
+              <a:ext uri="{FF2B5EF4-FFF2-40B4-BE49-F238E27FC236}">
+                <a16:creationId xmlns:a16="http://schemas.microsoft.com/office/drawing/2014/main" id="{4BDBFE05-562B-4399-AF9E-26DFE47FAD6D}"/>
+              </a:ext>
+            </a:extLst>
+          </p:cNvPr>
+          <p:cNvSpPr>
+            <a:spLocks noGrp="1"/>
+          </p:cNvSpPr>
+          <p:nvPr>
+            <p:ph idx="1"/>
+          </p:nvPr>
+        </p:nvSpPr>
+        <p:spPr/>
+        <p:txBody>
+          <a:bodyPr vert="horz" lIns="91440" tIns="45720" rIns="91440" bIns="45720" rtlCol="0" anchor="t">
+            <a:normAutofit/>
+          </a:bodyPr>
+          <a:lstStyle/>
+          <a:p>
+            <a:pPr>
+              <a:buFont typeface="Wingdings"/>
+              <a:buChar char="§"/>
+            </a:pPr>
+            <a:r>
+              <a:rPr lang="ko-KR" altLang="en-US" dirty="0">
+                <a:solidFill>
+                  <a:srgbClr val="40514E"/>
+                </a:solidFill>
+                <a:latin typeface="맑은 고딕" panose="020B0503020000020004" pitchFamily="50" charset="-127"/>
+                <a:cs typeface="lato"/>
+              </a:rPr>
+              <a:t>같은 </a:t>
+            </a:r>
+            <a:r>
+              <a:rPr lang="en-US" altLang="ko-KR" dirty="0">
+                <a:solidFill>
+                  <a:srgbClr val="40514E"/>
+                </a:solidFill>
+                <a:latin typeface="맑은 고딕" panose="020B0503020000020004" pitchFamily="50" charset="-127"/>
+                <a:cs typeface="lato"/>
+              </a:rPr>
+              <a:t>ImageNet Challenge</a:t>
+            </a:r>
+            <a:r>
+              <a:rPr lang="ko-KR" altLang="en-US" dirty="0">
+                <a:solidFill>
+                  <a:srgbClr val="40514E"/>
+                </a:solidFill>
+                <a:latin typeface="맑은 고딕" panose="020B0503020000020004" pitchFamily="50" charset="-127"/>
+                <a:cs typeface="lato"/>
+              </a:rPr>
+              <a:t>를 목표로 한다</a:t>
+            </a:r>
+            <a:r>
+              <a:rPr lang="en-US" altLang="ko-KR" dirty="0">
+                <a:solidFill>
+                  <a:srgbClr val="40514E"/>
+                </a:solidFill>
+                <a:latin typeface="맑은 고딕" panose="020B0503020000020004" pitchFamily="50" charset="-127"/>
+                <a:cs typeface="lato"/>
+              </a:rPr>
+              <a:t>. </a:t>
+            </a:r>
+          </a:p>
+          <a:p>
+            <a:pPr>
+              <a:buFont typeface="Wingdings"/>
+              <a:buChar char="§"/>
+            </a:pPr>
+            <a:r>
+              <a:rPr lang="ko-KR" altLang="en-US" dirty="0">
+                <a:solidFill>
+                  <a:srgbClr val="40514E"/>
+                </a:solidFill>
+                <a:latin typeface="맑은 고딕" panose="020B0503020000020004" pitchFamily="50" charset="-127"/>
+                <a:cs typeface="lato"/>
+              </a:rPr>
+              <a:t>구글의 </a:t>
+            </a:r>
+            <a:r>
+              <a:rPr lang="en-US" altLang="ko-KR" dirty="0">
+                <a:solidFill>
+                  <a:srgbClr val="40514E"/>
+                </a:solidFill>
+                <a:latin typeface="맑은 고딕" panose="020B0503020000020004" pitchFamily="50" charset="-127"/>
+                <a:cs typeface="lato"/>
+              </a:rPr>
+              <a:t>Inception-V3 </a:t>
+            </a:r>
+            <a:r>
+              <a:rPr lang="ko-KR" altLang="en-US" dirty="0">
+                <a:solidFill>
+                  <a:srgbClr val="40514E"/>
+                </a:solidFill>
+                <a:latin typeface="맑은 고딕" panose="020B0503020000020004" pitchFamily="50" charset="-127"/>
+                <a:cs typeface="lato"/>
+              </a:rPr>
+              <a:t>모델을 사용한다</a:t>
+            </a:r>
+            <a:r>
+              <a:rPr lang="en-US" altLang="ko-KR" dirty="0">
+                <a:solidFill>
+                  <a:srgbClr val="40514E"/>
+                </a:solidFill>
+                <a:latin typeface="맑은 고딕" panose="020B0503020000020004" pitchFamily="50" charset="-127"/>
+                <a:cs typeface="lato"/>
+              </a:rPr>
+              <a:t>. </a:t>
+            </a:r>
+            <a:r>
+              <a:rPr lang="ko-KR" altLang="en-US" dirty="0">
+                <a:solidFill>
+                  <a:srgbClr val="40514E"/>
+                </a:solidFill>
+                <a:latin typeface="맑은 고딕" panose="020B0503020000020004" pitchFamily="50" charset="-127"/>
+                <a:cs typeface="lato"/>
+              </a:rPr>
+              <a:t>이 모델은 약 </a:t>
+            </a:r>
+            <a:r>
+              <a:rPr lang="en-US" altLang="ko-KR" dirty="0">
+                <a:solidFill>
+                  <a:srgbClr val="40514E"/>
+                </a:solidFill>
+                <a:latin typeface="맑은 고딕" panose="020B0503020000020004" pitchFamily="50" charset="-127"/>
+                <a:cs typeface="lato"/>
+              </a:rPr>
+              <a:t>5000M </a:t>
+            </a:r>
+            <a:r>
+              <a:rPr lang="ko-KR" altLang="en-US" dirty="0">
+                <a:solidFill>
+                  <a:srgbClr val="40514E"/>
+                </a:solidFill>
+                <a:latin typeface="맑은 고딕" panose="020B0503020000020004" pitchFamily="50" charset="-127"/>
+                <a:cs typeface="lato"/>
+              </a:rPr>
+              <a:t>번의 연산을 실행한다</a:t>
+            </a:r>
+            <a:r>
+              <a:rPr lang="en-US" altLang="ko-KR" dirty="0">
+                <a:solidFill>
+                  <a:srgbClr val="40514E"/>
+                </a:solidFill>
+                <a:latin typeface="맑은 고딕" panose="020B0503020000020004" pitchFamily="50" charset="-127"/>
+                <a:cs typeface="lato"/>
+              </a:rPr>
+              <a:t>.</a:t>
+            </a:r>
+          </a:p>
+          <a:p>
+            <a:pPr>
+              <a:buFont typeface="Wingdings"/>
+              <a:buChar char="§"/>
+            </a:pPr>
+            <a:r>
+              <a:rPr lang="ko-KR" altLang="en-US" dirty="0">
+                <a:solidFill>
+                  <a:srgbClr val="40514E"/>
+                </a:solidFill>
+                <a:latin typeface="맑은 고딕" panose="020B0503020000020004" pitchFamily="50" charset="-127"/>
+                <a:cs typeface="lato"/>
+              </a:rPr>
+              <a:t>약 </a:t>
+            </a:r>
+            <a:r>
+              <a:rPr lang="en-US" altLang="ko-KR" dirty="0">
+                <a:solidFill>
+                  <a:srgbClr val="40514E"/>
+                </a:solidFill>
+                <a:latin typeface="맑은 고딕" panose="020B0503020000020004" pitchFamily="50" charset="-127"/>
+                <a:cs typeface="lato"/>
+              </a:rPr>
+              <a:t>5000M </a:t>
+            </a:r>
+            <a:r>
+              <a:rPr lang="ko-KR" altLang="en-US" dirty="0">
+                <a:solidFill>
+                  <a:srgbClr val="40514E"/>
+                </a:solidFill>
+                <a:latin typeface="맑은 고딕" panose="020B0503020000020004" pitchFamily="50" charset="-127"/>
+                <a:cs typeface="lato"/>
+              </a:rPr>
+              <a:t>가량의 연산이 필요하고</a:t>
+            </a:r>
+            <a:r>
+              <a:rPr lang="en-US" altLang="ko-KR" dirty="0">
+                <a:solidFill>
+                  <a:srgbClr val="40514E"/>
+                </a:solidFill>
+                <a:latin typeface="맑은 고딕" panose="020B0503020000020004" pitchFamily="50" charset="-127"/>
+                <a:cs typeface="lato"/>
+              </a:rPr>
+              <a:t>, 78%</a:t>
+            </a:r>
+            <a:r>
+              <a:rPr lang="ko-KR" altLang="en-US" dirty="0">
+                <a:solidFill>
+                  <a:srgbClr val="40514E"/>
+                </a:solidFill>
+                <a:latin typeface="맑은 고딕" panose="020B0503020000020004" pitchFamily="50" charset="-127"/>
+                <a:cs typeface="lato"/>
+              </a:rPr>
+              <a:t>의 높은 정확도를 기록한다</a:t>
+            </a:r>
+            <a:r>
+              <a:rPr lang="en-US" altLang="ko-KR" dirty="0">
+                <a:solidFill>
+                  <a:srgbClr val="40514E"/>
+                </a:solidFill>
+                <a:latin typeface="맑은 고딕" panose="020B0503020000020004" pitchFamily="50" charset="-127"/>
+                <a:cs typeface="lato"/>
+              </a:rPr>
+              <a:t>.</a:t>
+            </a:r>
+          </a:p>
+          <a:p>
+            <a:pPr>
+              <a:buFont typeface="Wingdings"/>
+              <a:buChar char="§"/>
+            </a:pPr>
+            <a:r>
+              <a:rPr lang="ko-KR" altLang="en-US" dirty="0">
+                <a:solidFill>
+                  <a:srgbClr val="40514E"/>
+                </a:solidFill>
+                <a:latin typeface="맑은 고딕" panose="020B0503020000020004" pitchFamily="50" charset="-127"/>
+                <a:cs typeface="lato"/>
+              </a:rPr>
+              <a:t>학습 완료된 모델의 용량은 </a:t>
+            </a:r>
+            <a:r>
+              <a:rPr lang="en-US" altLang="ko-KR" dirty="0">
+                <a:solidFill>
+                  <a:srgbClr val="40514E"/>
+                </a:solidFill>
+                <a:latin typeface="맑은 고딕" panose="020B0503020000020004" pitchFamily="50" charset="-127"/>
+                <a:cs typeface="lato"/>
+              </a:rPr>
+              <a:t>96MB</a:t>
+            </a:r>
+            <a:r>
+              <a:rPr lang="ko-KR" altLang="en-US" dirty="0">
+                <a:solidFill>
+                  <a:srgbClr val="40514E"/>
+                </a:solidFill>
+                <a:latin typeface="맑은 고딕" panose="020B0503020000020004" pitchFamily="50" charset="-127"/>
+                <a:cs typeface="lato"/>
+              </a:rPr>
+              <a:t>이다</a:t>
+            </a:r>
+            <a:r>
+              <a:rPr lang="en-US" altLang="ko-KR" dirty="0">
+                <a:solidFill>
+                  <a:srgbClr val="40514E"/>
+                </a:solidFill>
+                <a:latin typeface="맑은 고딕" panose="020B0503020000020004" pitchFamily="50" charset="-127"/>
+                <a:cs typeface="lato"/>
+              </a:rPr>
+              <a:t>. </a:t>
+            </a:r>
+          </a:p>
+          <a:p>
+            <a:pPr>
+              <a:buFont typeface="Wingdings"/>
+              <a:buChar char="§"/>
+            </a:pPr>
+            <a:r>
+              <a:rPr lang="en-US" altLang="ko-KR" dirty="0">
+                <a:solidFill>
+                  <a:srgbClr val="FF0000"/>
+                </a:solidFill>
+                <a:latin typeface="맑은 고딕" panose="020B0503020000020004" pitchFamily="50" charset="-127"/>
+                <a:cs typeface="lato"/>
+              </a:rPr>
+              <a:t>Inception-V3 </a:t>
+            </a:r>
+            <a:r>
+              <a:rPr lang="ko-KR" altLang="en-US" dirty="0">
+                <a:solidFill>
+                  <a:srgbClr val="FF0000"/>
+                </a:solidFill>
+                <a:latin typeface="맑은 고딕" panose="020B0503020000020004" pitchFamily="50" charset="-127"/>
+                <a:cs typeface="lato"/>
+              </a:rPr>
+              <a:t>모델</a:t>
+            </a:r>
+            <a:r>
+              <a:rPr lang="ko-KR" altLang="en-US" dirty="0">
+                <a:solidFill>
+                  <a:srgbClr val="40514E"/>
+                </a:solidFill>
+                <a:latin typeface="맑은 고딕" panose="020B0503020000020004" pitchFamily="50" charset="-127"/>
+                <a:cs typeface="lato"/>
+              </a:rPr>
+              <a:t>은 두 번째 테스트에 배치된다</a:t>
+            </a:r>
+            <a:r>
+              <a:rPr lang="en-US" altLang="ko-KR" dirty="0">
+                <a:solidFill>
+                  <a:srgbClr val="40514E"/>
+                </a:solidFill>
+                <a:latin typeface="맑은 고딕" panose="020B0503020000020004" pitchFamily="50" charset="-127"/>
+                <a:cs typeface="lato"/>
+              </a:rPr>
+              <a:t>.</a:t>
+            </a:r>
+          </a:p>
+        </p:txBody>
+      </p:sp>
+      <p:sp>
+        <p:nvSpPr>
+          <p:cNvPr id="2" name="제목 1">
+            <a:extLst>
+              <a:ext uri="{FF2B5EF4-FFF2-40B4-BE49-F238E27FC236}">
+                <a16:creationId xmlns:a16="http://schemas.microsoft.com/office/drawing/2014/main" id="{03F7A937-0ADC-4867-B171-96098389F72C}"/>
+              </a:ext>
+            </a:extLst>
+          </p:cNvPr>
+          <p:cNvSpPr>
+            <a:spLocks noGrp="1"/>
+          </p:cNvSpPr>
+          <p:nvPr>
+            <p:ph type="title"/>
+          </p:nvPr>
+        </p:nvSpPr>
+        <p:spPr>
+          <a:xfrm>
+            <a:off x="205740" y="130233"/>
+            <a:ext cx="11757660" cy="700498"/>
+          </a:xfrm>
+        </p:spPr>
+        <p:txBody>
+          <a:bodyPr/>
+          <a:lstStyle/>
+          <a:p>
+            <a:r>
+              <a:rPr lang="en-US" altLang="ko-KR" dirty="0">
+                <a:latin typeface="+mn-ea"/>
+                <a:ea typeface="+mn-ea"/>
+                <a:cs typeface="lato"/>
+              </a:rPr>
+              <a:t>Test2: Image Recognition</a:t>
+            </a:r>
+          </a:p>
+        </p:txBody>
+      </p:sp>
+    </p:spTree>
+    <p:extLst>
+      <p:ext uri="{BB962C8B-B14F-4D97-AF65-F5344CB8AC3E}">
+        <p14:creationId xmlns:p14="http://schemas.microsoft.com/office/powerpoint/2010/main" val="2047682629"/>
+      </p:ext>
+    </p:extLst>
+  </p:cSld>
+  <p:clrMapOvr>
+    <a:masterClrMapping/>
+  </p:clrMapOvr>
+</p:sld>
+</file>
+
+<file path=ppt/slides/slide32.xml><?xml version="1.0" encoding="utf-8"?>
+<p:sld xmlns:a="http://schemas.openxmlformats.org/drawingml/2006/main" xmlns:r="http://schemas.openxmlformats.org/officeDocument/2006/relationships" xmlns:p="http://schemas.openxmlformats.org/presentationml/2006/main">
+  <p:cSld>
+    <p:spTree>
+      <p:nvGrpSpPr>
+        <p:cNvPr id="1" name=""/>
+        <p:cNvGrpSpPr/>
+        <p:nvPr/>
+      </p:nvGrpSpPr>
+      <p:grpSpPr>
+        <a:xfrm>
+          <a:off x="0" y="0"/>
+          <a:ext cx="0" cy="0"/>
+          <a:chOff x="0" y="0"/>
+          <a:chExt cx="0" cy="0"/>
+        </a:xfrm>
+      </p:grpSpPr>
+      <p:sp>
+        <p:nvSpPr>
+          <p:cNvPr id="3" name="내용 개체 틀 2">
+            <a:extLst>
+              <a:ext uri="{FF2B5EF4-FFF2-40B4-BE49-F238E27FC236}">
+                <a16:creationId xmlns:a16="http://schemas.microsoft.com/office/drawing/2014/main" id="{4BDBFE05-562B-4399-AF9E-26DFE47FAD6D}"/>
+              </a:ext>
+            </a:extLst>
+          </p:cNvPr>
+          <p:cNvSpPr>
+            <a:spLocks noGrp="1"/>
+          </p:cNvSpPr>
+          <p:nvPr>
+            <p:ph idx="1"/>
+          </p:nvPr>
+        </p:nvSpPr>
+        <p:spPr/>
+        <p:txBody>
+          <a:bodyPr vert="horz" lIns="91440" tIns="45720" rIns="91440" bIns="45720" rtlCol="0" anchor="t">
+            <a:normAutofit/>
+          </a:bodyPr>
+          <a:lstStyle/>
+          <a:p>
+            <a:pPr>
+              <a:buFont typeface="Wingdings"/>
+              <a:buChar char="§"/>
+            </a:pPr>
+            <a:r>
+              <a:rPr lang="ko-KR" altLang="en-US" dirty="0">
+                <a:solidFill>
+                  <a:srgbClr val="40514E"/>
+                </a:solidFill>
+                <a:latin typeface="맑은 고딕" panose="020B0503020000020004" pitchFamily="50" charset="-127"/>
+                <a:cs typeface="lato"/>
+              </a:rPr>
+              <a:t>데이터베이스에 저장된 얼굴 사진에서 입력 받은 얼굴과 비슷한 것을 찾는 것이 목표이다</a:t>
+            </a:r>
+            <a:r>
+              <a:rPr lang="en-US" altLang="ko-KR" dirty="0">
+                <a:solidFill>
+                  <a:srgbClr val="40514E"/>
+                </a:solidFill>
+                <a:latin typeface="맑은 고딕" panose="020B0503020000020004" pitchFamily="50" charset="-127"/>
+                <a:cs typeface="lato"/>
+              </a:rPr>
+              <a:t>. </a:t>
+            </a:r>
+          </a:p>
+          <a:p>
+            <a:pPr>
+              <a:buFont typeface="Wingdings"/>
+              <a:buChar char="§"/>
+            </a:pPr>
+            <a:r>
+              <a:rPr lang="ko-KR" altLang="en-US" dirty="0">
+                <a:solidFill>
+                  <a:srgbClr val="40514E"/>
+                </a:solidFill>
+                <a:latin typeface="맑은 고딕" panose="020B0503020000020004" pitchFamily="50" charset="-127"/>
+                <a:cs typeface="lato"/>
+              </a:rPr>
+              <a:t>구글의 </a:t>
+            </a:r>
+            <a:r>
+              <a:rPr lang="en-US" altLang="ko-KR" dirty="0">
+                <a:solidFill>
+                  <a:srgbClr val="40514E"/>
+                </a:solidFill>
+                <a:latin typeface="맑은 고딕" panose="020B0503020000020004" pitchFamily="50" charset="-127"/>
+                <a:cs typeface="lato"/>
+              </a:rPr>
+              <a:t>Inception-Resent-V1 </a:t>
+            </a:r>
+            <a:r>
+              <a:rPr lang="ko-KR" altLang="en-US" dirty="0">
+                <a:solidFill>
+                  <a:srgbClr val="40514E"/>
+                </a:solidFill>
+                <a:latin typeface="맑은 고딕" panose="020B0503020000020004" pitchFamily="50" charset="-127"/>
+                <a:cs typeface="lato"/>
+              </a:rPr>
+              <a:t>모델을 사용한다</a:t>
+            </a:r>
+            <a:r>
+              <a:rPr lang="en-US" altLang="ko-KR" dirty="0">
+                <a:solidFill>
+                  <a:srgbClr val="40514E"/>
+                </a:solidFill>
+                <a:latin typeface="맑은 고딕" panose="020B0503020000020004" pitchFamily="50" charset="-127"/>
+                <a:cs typeface="lato"/>
+              </a:rPr>
+              <a:t>. VGGFace2</a:t>
+            </a:r>
+            <a:r>
+              <a:rPr lang="ko-KR" altLang="en-US" dirty="0">
+                <a:solidFill>
+                  <a:srgbClr val="40514E"/>
+                </a:solidFill>
+                <a:latin typeface="맑은 고딕" panose="020B0503020000020004" pitchFamily="50" charset="-127"/>
+                <a:cs typeface="lato"/>
+              </a:rPr>
+              <a:t> 데이터셋을 사용하고</a:t>
+            </a:r>
+            <a:r>
+              <a:rPr lang="en-US" altLang="ko-KR" dirty="0">
+                <a:solidFill>
+                  <a:srgbClr val="40514E"/>
+                </a:solidFill>
+                <a:latin typeface="맑은 고딕" panose="020B0503020000020004" pitchFamily="50" charset="-127"/>
+                <a:cs typeface="lato"/>
+              </a:rPr>
+              <a:t>, 512 X 512 pixels</a:t>
+            </a:r>
+            <a:r>
+              <a:rPr lang="ko-KR" altLang="en-US" dirty="0">
+                <a:solidFill>
+                  <a:srgbClr val="40514E"/>
+                </a:solidFill>
+                <a:latin typeface="맑은 고딕" panose="020B0503020000020004" pitchFamily="50" charset="-127"/>
+                <a:cs typeface="lato"/>
+              </a:rPr>
+              <a:t>의 해상도 이미지를 입력으로 갖는다</a:t>
+            </a:r>
+            <a:r>
+              <a:rPr lang="en-US" altLang="ko-KR" dirty="0">
+                <a:solidFill>
+                  <a:srgbClr val="40514E"/>
+                </a:solidFill>
+                <a:latin typeface="맑은 고딕" panose="020B0503020000020004" pitchFamily="50" charset="-127"/>
+                <a:cs typeface="lato"/>
+              </a:rPr>
+              <a:t>. </a:t>
+            </a:r>
+          </a:p>
+          <a:p>
+            <a:pPr>
+              <a:buFont typeface="Wingdings"/>
+              <a:buChar char="§"/>
+            </a:pPr>
+            <a:r>
+              <a:rPr lang="ko-KR" altLang="en-US" dirty="0">
+                <a:solidFill>
+                  <a:srgbClr val="40514E"/>
+                </a:solidFill>
+                <a:latin typeface="맑은 고딕" panose="020B0503020000020004" pitchFamily="50" charset="-127"/>
+                <a:cs typeface="lato"/>
+              </a:rPr>
+              <a:t>약 </a:t>
+            </a:r>
+            <a:r>
+              <a:rPr lang="en-US" altLang="ko-KR" dirty="0">
+                <a:solidFill>
+                  <a:srgbClr val="40514E"/>
+                </a:solidFill>
+                <a:latin typeface="맑은 고딕" panose="020B0503020000020004" pitchFamily="50" charset="-127"/>
+                <a:cs typeface="lato"/>
+              </a:rPr>
+              <a:t>5000M </a:t>
+            </a:r>
+            <a:r>
+              <a:rPr lang="ko-KR" altLang="en-US" dirty="0">
+                <a:solidFill>
+                  <a:srgbClr val="40514E"/>
+                </a:solidFill>
+                <a:latin typeface="맑은 고딕" panose="020B0503020000020004" pitchFamily="50" charset="-127"/>
+                <a:cs typeface="lato"/>
+              </a:rPr>
+              <a:t>가량의 연산이 필요하고</a:t>
+            </a:r>
+            <a:r>
+              <a:rPr lang="en-US" altLang="ko-KR" dirty="0">
+                <a:solidFill>
+                  <a:srgbClr val="40514E"/>
+                </a:solidFill>
+                <a:latin typeface="맑은 고딕" panose="020B0503020000020004" pitchFamily="50" charset="-127"/>
+                <a:cs typeface="lato"/>
+              </a:rPr>
+              <a:t>, 78%</a:t>
+            </a:r>
+            <a:r>
+              <a:rPr lang="ko-KR" altLang="en-US" dirty="0">
+                <a:solidFill>
+                  <a:srgbClr val="40514E"/>
+                </a:solidFill>
+                <a:latin typeface="맑은 고딕" panose="020B0503020000020004" pitchFamily="50" charset="-127"/>
+                <a:cs typeface="lato"/>
+              </a:rPr>
+              <a:t>의 높은 정확도를 기록한다</a:t>
+            </a:r>
+            <a:r>
+              <a:rPr lang="en-US" altLang="ko-KR" dirty="0">
+                <a:solidFill>
+                  <a:srgbClr val="40514E"/>
+                </a:solidFill>
+                <a:latin typeface="맑은 고딕" panose="020B0503020000020004" pitchFamily="50" charset="-127"/>
+                <a:cs typeface="lato"/>
+              </a:rPr>
+              <a:t>.</a:t>
+            </a:r>
+          </a:p>
+          <a:p>
+            <a:pPr>
+              <a:buFont typeface="Wingdings"/>
+              <a:buChar char="§"/>
+            </a:pPr>
+            <a:r>
+              <a:rPr lang="en-US" altLang="ko-KR" dirty="0">
+                <a:solidFill>
+                  <a:srgbClr val="40514E"/>
+                </a:solidFill>
+                <a:latin typeface="맑은 고딕" panose="020B0503020000020004" pitchFamily="50" charset="-127"/>
+                <a:cs typeface="lato"/>
+              </a:rPr>
+              <a:t>Inception-V3 </a:t>
+            </a:r>
+            <a:r>
+              <a:rPr lang="ko-KR" altLang="en-US" dirty="0">
+                <a:solidFill>
+                  <a:srgbClr val="40514E"/>
+                </a:solidFill>
+                <a:latin typeface="맑은 고딕" panose="020B0503020000020004" pitchFamily="50" charset="-127"/>
+                <a:cs typeface="lato"/>
+              </a:rPr>
+              <a:t>모델과 개념적으로 유사하고</a:t>
+            </a:r>
+            <a:r>
+              <a:rPr lang="en-US" altLang="ko-KR" dirty="0">
+                <a:solidFill>
+                  <a:srgbClr val="40514E"/>
+                </a:solidFill>
+                <a:latin typeface="맑은 고딕" panose="020B0503020000020004" pitchFamily="50" charset="-127"/>
+                <a:cs typeface="lato"/>
+              </a:rPr>
+              <a:t>, ImageNet </a:t>
+            </a:r>
+            <a:r>
+              <a:rPr lang="ko-KR" altLang="en-US" dirty="0">
+                <a:solidFill>
+                  <a:srgbClr val="40514E"/>
+                </a:solidFill>
+                <a:latin typeface="맑은 고딕" panose="020B0503020000020004" pitchFamily="50" charset="-127"/>
+                <a:cs typeface="lato"/>
+              </a:rPr>
+              <a:t>데이터셋에서 모델 크기</a:t>
+            </a:r>
+            <a:r>
+              <a:rPr lang="en-US" altLang="ko-KR" dirty="0">
+                <a:solidFill>
+                  <a:srgbClr val="40514E"/>
+                </a:solidFill>
+                <a:latin typeface="맑은 고딕" panose="020B0503020000020004" pitchFamily="50" charset="-127"/>
+                <a:cs typeface="lato"/>
+              </a:rPr>
+              <a:t>, </a:t>
+            </a:r>
+            <a:r>
+              <a:rPr lang="ko-KR" altLang="en-US" dirty="0">
+                <a:solidFill>
+                  <a:srgbClr val="40514E"/>
+                </a:solidFill>
+                <a:latin typeface="맑은 고딕" panose="020B0503020000020004" pitchFamily="50" charset="-127"/>
+                <a:cs typeface="lato"/>
+              </a:rPr>
+              <a:t>정확도</a:t>
+            </a:r>
+            <a:r>
+              <a:rPr lang="en-US" altLang="ko-KR" dirty="0">
+                <a:solidFill>
+                  <a:srgbClr val="40514E"/>
+                </a:solidFill>
+                <a:latin typeface="맑은 고딕" panose="020B0503020000020004" pitchFamily="50" charset="-127"/>
+                <a:cs typeface="lato"/>
+              </a:rPr>
+              <a:t>, </a:t>
+            </a:r>
+            <a:r>
+              <a:rPr lang="ko-KR" altLang="en-US" dirty="0">
+                <a:solidFill>
+                  <a:srgbClr val="40514E"/>
+                </a:solidFill>
+                <a:latin typeface="맑은 고딕" panose="020B0503020000020004" pitchFamily="50" charset="-127"/>
+                <a:cs typeface="lato"/>
+              </a:rPr>
+              <a:t>비용도 비슷하지만 속도가 더 빠르다</a:t>
+            </a:r>
+            <a:r>
+              <a:rPr lang="en-US" altLang="ko-KR" dirty="0">
+                <a:solidFill>
+                  <a:srgbClr val="40514E"/>
+                </a:solidFill>
+                <a:latin typeface="맑은 고딕" panose="020B0503020000020004" pitchFamily="50" charset="-127"/>
+                <a:cs typeface="lato"/>
+              </a:rPr>
+              <a:t>.</a:t>
+            </a:r>
+          </a:p>
+          <a:p>
+            <a:pPr>
+              <a:buFont typeface="Wingdings"/>
+              <a:buChar char="§"/>
+            </a:pPr>
+            <a:r>
+              <a:rPr lang="en-US" altLang="ko-KR" dirty="0">
+                <a:solidFill>
+                  <a:srgbClr val="FF0000"/>
+                </a:solidFill>
+                <a:latin typeface="맑은 고딕" panose="020B0503020000020004" pitchFamily="50" charset="-127"/>
+                <a:cs typeface="lato"/>
+              </a:rPr>
+              <a:t>Inception-Resent-V1 </a:t>
+            </a:r>
+            <a:r>
+              <a:rPr lang="ko-KR" altLang="en-US" dirty="0">
+                <a:solidFill>
+                  <a:srgbClr val="FF0000"/>
+                </a:solidFill>
+                <a:latin typeface="맑은 고딕" panose="020B0503020000020004" pitchFamily="50" charset="-127"/>
+                <a:cs typeface="lato"/>
+              </a:rPr>
+              <a:t>모델</a:t>
+            </a:r>
+            <a:r>
+              <a:rPr lang="ko-KR" altLang="en-US" dirty="0">
+                <a:solidFill>
+                  <a:srgbClr val="40514E"/>
+                </a:solidFill>
+                <a:latin typeface="맑은 고딕" panose="020B0503020000020004" pitchFamily="50" charset="-127"/>
+                <a:cs typeface="lato"/>
+              </a:rPr>
+              <a:t>은 세 번째 테스트에</a:t>
+            </a:r>
+            <a:r>
+              <a:rPr lang="en-US" altLang="ko-KR" dirty="0">
+                <a:solidFill>
+                  <a:srgbClr val="40514E"/>
+                </a:solidFill>
+                <a:latin typeface="맑은 고딕" panose="020B0503020000020004" pitchFamily="50" charset="-127"/>
+                <a:cs typeface="lato"/>
+              </a:rPr>
+              <a:t> </a:t>
+            </a:r>
+            <a:r>
+              <a:rPr lang="ko-KR" altLang="en-US" dirty="0">
+                <a:solidFill>
+                  <a:srgbClr val="40514E"/>
+                </a:solidFill>
+                <a:latin typeface="맑은 고딕" panose="020B0503020000020004" pitchFamily="50" charset="-127"/>
+                <a:cs typeface="lato"/>
+              </a:rPr>
+              <a:t>배치된다</a:t>
+            </a:r>
+            <a:r>
+              <a:rPr lang="en-US" altLang="ko-KR" dirty="0">
+                <a:solidFill>
+                  <a:srgbClr val="40514E"/>
+                </a:solidFill>
+                <a:latin typeface="맑은 고딕" panose="020B0503020000020004" pitchFamily="50" charset="-127"/>
+                <a:cs typeface="lato"/>
+              </a:rPr>
+              <a:t>.</a:t>
+            </a:r>
+          </a:p>
+        </p:txBody>
+      </p:sp>
+      <p:sp>
+        <p:nvSpPr>
+          <p:cNvPr id="2" name="제목 1">
+            <a:extLst>
+              <a:ext uri="{FF2B5EF4-FFF2-40B4-BE49-F238E27FC236}">
+                <a16:creationId xmlns:a16="http://schemas.microsoft.com/office/drawing/2014/main" id="{03F7A937-0ADC-4867-B171-96098389F72C}"/>
+              </a:ext>
+            </a:extLst>
+          </p:cNvPr>
+          <p:cNvSpPr>
+            <a:spLocks noGrp="1"/>
+          </p:cNvSpPr>
+          <p:nvPr>
+            <p:ph type="title"/>
+          </p:nvPr>
+        </p:nvSpPr>
+        <p:spPr>
+          <a:xfrm>
+            <a:off x="205740" y="130233"/>
+            <a:ext cx="11757660" cy="700498"/>
+          </a:xfrm>
+        </p:spPr>
+        <p:txBody>
+          <a:bodyPr/>
+          <a:lstStyle/>
+          <a:p>
+            <a:r>
+              <a:rPr lang="en-US" altLang="ko-KR" dirty="0">
+                <a:latin typeface="+mn-ea"/>
+                <a:ea typeface="+mn-ea"/>
+                <a:cs typeface="lato"/>
+              </a:rPr>
+              <a:t>Test3: Face Recognition</a:t>
+            </a:r>
+          </a:p>
+        </p:txBody>
+      </p:sp>
+    </p:spTree>
+    <p:extLst>
+      <p:ext uri="{BB962C8B-B14F-4D97-AF65-F5344CB8AC3E}">
+        <p14:creationId xmlns:p14="http://schemas.microsoft.com/office/powerpoint/2010/main" val="218924669"/>
+      </p:ext>
+    </p:extLst>
+  </p:cSld>
+  <p:clrMapOvr>
+    <a:masterClrMapping/>
+  </p:clrMapOvr>
+</p:sld>
+</file>
+
+<file path=ppt/slides/slide33.xml><?xml version="1.0" encoding="utf-8"?>
+<p:sld xmlns:a="http://schemas.openxmlformats.org/drawingml/2006/main" xmlns:r="http://schemas.openxmlformats.org/officeDocument/2006/relationships" xmlns:p="http://schemas.openxmlformats.org/presentationml/2006/main">
+  <p:cSld>
+    <p:spTree>
+      <p:nvGrpSpPr>
+        <p:cNvPr id="1" name=""/>
+        <p:cNvGrpSpPr/>
+        <p:nvPr/>
+      </p:nvGrpSpPr>
+      <p:grpSpPr>
+        <a:xfrm>
+          <a:off x="0" y="0"/>
+          <a:ext cx="0" cy="0"/>
+          <a:chOff x="0" y="0"/>
+          <a:chExt cx="0" cy="0"/>
+        </a:xfrm>
+      </p:grpSpPr>
+      <p:sp>
+        <p:nvSpPr>
+          <p:cNvPr id="3" name="내용 개체 틀 2">
+            <a:extLst>
+              <a:ext uri="{FF2B5EF4-FFF2-40B4-BE49-F238E27FC236}">
+                <a16:creationId xmlns:a16="http://schemas.microsoft.com/office/drawing/2014/main" id="{4BDBFE05-562B-4399-AF9E-26DFE47FAD6D}"/>
+              </a:ext>
+            </a:extLst>
+          </p:cNvPr>
+          <p:cNvSpPr>
+            <a:spLocks noGrp="1"/>
+          </p:cNvSpPr>
+          <p:nvPr>
+            <p:ph idx="1"/>
+          </p:nvPr>
+        </p:nvSpPr>
+        <p:spPr/>
+        <p:txBody>
+          <a:bodyPr vert="horz" lIns="91440" tIns="45720" rIns="91440" bIns="45720" rtlCol="0" anchor="t">
+            <a:normAutofit/>
+          </a:bodyPr>
+          <a:lstStyle/>
+          <a:p>
+            <a:pPr>
+              <a:buFont typeface="Wingdings"/>
+              <a:buChar char="§"/>
+            </a:pPr>
+            <a:r>
+              <a:rPr lang="ko-KR" altLang="en-US" dirty="0">
+                <a:solidFill>
+                  <a:srgbClr val="40514E"/>
+                </a:solidFill>
+                <a:latin typeface="맑은 고딕" panose="020B0503020000020004" pitchFamily="50" charset="-127"/>
+                <a:cs typeface="lato"/>
+              </a:rPr>
+              <a:t>해당 테스트는 </a:t>
+            </a:r>
+            <a:r>
+              <a:rPr lang="en-US" altLang="ko-KR" dirty="0">
+                <a:solidFill>
+                  <a:srgbClr val="40514E"/>
+                </a:solidFill>
+                <a:latin typeface="맑은 고딕" panose="020B0503020000020004" pitchFamily="50" charset="-127"/>
+                <a:cs typeface="lato"/>
+              </a:rPr>
+              <a:t>SRCNN </a:t>
+            </a:r>
+            <a:r>
+              <a:rPr lang="ko-KR" altLang="en-US" dirty="0">
+                <a:solidFill>
+                  <a:srgbClr val="40514E"/>
+                </a:solidFill>
+                <a:latin typeface="맑은 고딕" panose="020B0503020000020004" pitchFamily="50" charset="-127"/>
+                <a:cs typeface="lato"/>
+              </a:rPr>
+              <a:t>모델을 사용해서 이미지의 </a:t>
+            </a:r>
+            <a:r>
+              <a:rPr lang="en-US" altLang="ko-KR" dirty="0">
+                <a:solidFill>
+                  <a:srgbClr val="40514E"/>
+                </a:solidFill>
+                <a:latin typeface="맑은 고딕" panose="020B0503020000020004" pitchFamily="50" charset="-127"/>
+                <a:cs typeface="lato"/>
+              </a:rPr>
+              <a:t>Gaussian blur</a:t>
+            </a:r>
+            <a:r>
+              <a:rPr lang="ko-KR" altLang="en-US" dirty="0">
+                <a:solidFill>
+                  <a:srgbClr val="40514E"/>
+                </a:solidFill>
+                <a:latin typeface="맑은 고딕" panose="020B0503020000020004" pitchFamily="50" charset="-127"/>
+                <a:cs typeface="lato"/>
+              </a:rPr>
+              <a:t>를 제거하는 것을 겨냥한다</a:t>
+            </a:r>
+            <a:r>
+              <a:rPr lang="en-US" altLang="ko-KR" dirty="0">
+                <a:solidFill>
+                  <a:srgbClr val="40514E"/>
+                </a:solidFill>
+                <a:latin typeface="맑은 고딕" panose="020B0503020000020004" pitchFamily="50" charset="-127"/>
+                <a:cs typeface="lato"/>
+              </a:rPr>
+              <a:t>.</a:t>
+            </a:r>
+          </a:p>
+          <a:p>
+            <a:pPr>
+              <a:buFont typeface="Wingdings"/>
+              <a:buChar char="§"/>
+            </a:pPr>
+            <a:r>
+              <a:rPr lang="ko-KR" altLang="en-US" dirty="0">
+                <a:solidFill>
+                  <a:srgbClr val="40514E"/>
+                </a:solidFill>
+                <a:latin typeface="맑은 고딕" panose="020B0503020000020004" pitchFamily="50" charset="-127"/>
+                <a:cs typeface="lato"/>
+              </a:rPr>
+              <a:t>해당 신경망의 구조는 초해상도 문제를 위해 고안된 최초의 </a:t>
+            </a:r>
+            <a:r>
+              <a:rPr lang="en-US" altLang="ko-KR" dirty="0">
+                <a:solidFill>
+                  <a:srgbClr val="40514E"/>
+                </a:solidFill>
+                <a:latin typeface="맑은 고딕" panose="020B0503020000020004" pitchFamily="50" charset="-127"/>
+                <a:cs typeface="lato"/>
+              </a:rPr>
+              <a:t>Convolutional Neural Network </a:t>
+            </a:r>
+            <a:r>
+              <a:rPr lang="ko-KR" altLang="en-US" dirty="0">
+                <a:solidFill>
+                  <a:srgbClr val="40514E"/>
+                </a:solidFill>
+                <a:latin typeface="맑은 고딕" panose="020B0503020000020004" pitchFamily="50" charset="-127"/>
+                <a:cs typeface="lato"/>
+              </a:rPr>
+              <a:t>의 하나이다</a:t>
+            </a:r>
+            <a:r>
+              <a:rPr lang="en-US" altLang="ko-KR" dirty="0">
+                <a:solidFill>
+                  <a:srgbClr val="40514E"/>
+                </a:solidFill>
+                <a:latin typeface="맑은 고딕" panose="020B0503020000020004" pitchFamily="50" charset="-127"/>
+                <a:cs typeface="lato"/>
+              </a:rPr>
+              <a:t>.</a:t>
+            </a:r>
+          </a:p>
+          <a:p>
+            <a:pPr>
+              <a:buFont typeface="Wingdings"/>
+              <a:buChar char="§"/>
+            </a:pPr>
+            <a:r>
+              <a:rPr lang="ko-KR" altLang="en-US" dirty="0">
+                <a:solidFill>
+                  <a:srgbClr val="40514E"/>
+                </a:solidFill>
+                <a:latin typeface="맑은 고딕" panose="020B0503020000020004" pitchFamily="50" charset="-127"/>
+                <a:cs typeface="lato"/>
+              </a:rPr>
+              <a:t>구조는 매우 얕고</a:t>
+            </a:r>
+            <a:r>
+              <a:rPr lang="en-US" altLang="ko-KR" dirty="0">
+                <a:solidFill>
+                  <a:srgbClr val="40514E"/>
+                </a:solidFill>
+                <a:latin typeface="맑은 고딕" panose="020B0503020000020004" pitchFamily="50" charset="-127"/>
+                <a:cs typeface="lato"/>
+              </a:rPr>
+              <a:t>, </a:t>
+            </a:r>
+            <a:r>
+              <a:rPr lang="ko-KR" altLang="en-US" dirty="0">
+                <a:solidFill>
+                  <a:srgbClr val="40514E"/>
+                </a:solidFill>
+                <a:latin typeface="맑은 고딕" panose="020B0503020000020004" pitchFamily="50" charset="-127"/>
+                <a:cs typeface="lato"/>
+              </a:rPr>
+              <a:t>약 </a:t>
+            </a:r>
+            <a:r>
+              <a:rPr lang="en-US" altLang="ko-KR" dirty="0">
+                <a:solidFill>
+                  <a:srgbClr val="40514E"/>
+                </a:solidFill>
+                <a:latin typeface="맑은 고딕" panose="020B0503020000020004" pitchFamily="50" charset="-127"/>
+                <a:cs typeface="lato"/>
+              </a:rPr>
+              <a:t>64B</a:t>
+            </a:r>
+            <a:r>
+              <a:rPr lang="ko-KR" altLang="en-US" dirty="0">
+                <a:solidFill>
+                  <a:srgbClr val="40514E"/>
+                </a:solidFill>
+                <a:latin typeface="맑은 고딕" panose="020B0503020000020004" pitchFamily="50" charset="-127"/>
+                <a:cs typeface="lato"/>
+              </a:rPr>
+              <a:t>의 연산이 진행된다</a:t>
+            </a:r>
+            <a:r>
+              <a:rPr lang="en-US" altLang="ko-KR" dirty="0">
+                <a:solidFill>
+                  <a:srgbClr val="40514E"/>
+                </a:solidFill>
+                <a:latin typeface="맑은 고딕" panose="020B0503020000020004" pitchFamily="50" charset="-127"/>
+                <a:cs typeface="lato"/>
+              </a:rPr>
+              <a:t>.</a:t>
+            </a:r>
+          </a:p>
+          <a:p>
+            <a:pPr>
+              <a:buFont typeface="Wingdings"/>
+              <a:buChar char="§"/>
+            </a:pPr>
+            <a:r>
+              <a:rPr lang="ko-KR" altLang="en-US" dirty="0">
+                <a:solidFill>
+                  <a:srgbClr val="40514E"/>
+                </a:solidFill>
+                <a:latin typeface="맑은 고딕" panose="020B0503020000020004" pitchFamily="50" charset="-127"/>
+                <a:cs typeface="lato"/>
+              </a:rPr>
+              <a:t>연산 완료된 모델의 크기는 </a:t>
+            </a:r>
+            <a:r>
+              <a:rPr lang="en-US" altLang="ko-KR" dirty="0">
+                <a:solidFill>
+                  <a:srgbClr val="40514E"/>
+                </a:solidFill>
+                <a:latin typeface="맑은 고딕" panose="020B0503020000020004" pitchFamily="50" charset="-127"/>
+                <a:cs typeface="lato"/>
+              </a:rPr>
+              <a:t>278KB</a:t>
+            </a:r>
+            <a:r>
+              <a:rPr lang="ko-KR" altLang="en-US" dirty="0">
+                <a:solidFill>
+                  <a:srgbClr val="40514E"/>
+                </a:solidFill>
+                <a:latin typeface="맑은 고딕" panose="020B0503020000020004" pitchFamily="50" charset="-127"/>
+                <a:cs typeface="lato"/>
+              </a:rPr>
+              <a:t>로 매우 작다</a:t>
+            </a:r>
+            <a:r>
+              <a:rPr lang="en-US" altLang="ko-KR" dirty="0">
+                <a:solidFill>
+                  <a:srgbClr val="40514E"/>
+                </a:solidFill>
+                <a:latin typeface="맑은 고딕" panose="020B0503020000020004" pitchFamily="50" charset="-127"/>
+                <a:cs typeface="lato"/>
+              </a:rPr>
+              <a:t>.</a:t>
+            </a:r>
+          </a:p>
+          <a:p>
+            <a:pPr>
+              <a:buFont typeface="Wingdings"/>
+              <a:buChar char="§"/>
+            </a:pPr>
+            <a:r>
+              <a:rPr lang="en-US" altLang="ko-KR" dirty="0">
+                <a:solidFill>
+                  <a:srgbClr val="FF0000"/>
+                </a:solidFill>
+                <a:latin typeface="맑은 고딕" panose="020B0503020000020004" pitchFamily="50" charset="-127"/>
+                <a:cs typeface="lato"/>
+              </a:rPr>
+              <a:t>SRCNN </a:t>
+            </a:r>
+            <a:r>
+              <a:rPr lang="ko-KR" altLang="en-US" dirty="0">
+                <a:solidFill>
+                  <a:srgbClr val="FF0000"/>
+                </a:solidFill>
+                <a:latin typeface="맑은 고딕" panose="020B0503020000020004" pitchFamily="50" charset="-127"/>
+                <a:cs typeface="lato"/>
+              </a:rPr>
+              <a:t>모델</a:t>
+            </a:r>
+            <a:r>
+              <a:rPr lang="ko-KR" altLang="en-US" dirty="0">
+                <a:solidFill>
+                  <a:srgbClr val="40514E"/>
+                </a:solidFill>
+                <a:latin typeface="맑은 고딕" panose="020B0503020000020004" pitchFamily="50" charset="-127"/>
+                <a:cs typeface="lato"/>
+              </a:rPr>
+              <a:t>은 네 번째 테스트에 배치된다</a:t>
+            </a:r>
+            <a:r>
+              <a:rPr lang="en-US" altLang="ko-KR" dirty="0">
+                <a:solidFill>
+                  <a:srgbClr val="40514E"/>
+                </a:solidFill>
+                <a:latin typeface="맑은 고딕" panose="020B0503020000020004" pitchFamily="50" charset="-127"/>
+                <a:cs typeface="lato"/>
+              </a:rPr>
+              <a:t>.</a:t>
+            </a:r>
+          </a:p>
+        </p:txBody>
+      </p:sp>
+      <p:sp>
+        <p:nvSpPr>
+          <p:cNvPr id="2" name="제목 1">
+            <a:extLst>
+              <a:ext uri="{FF2B5EF4-FFF2-40B4-BE49-F238E27FC236}">
+                <a16:creationId xmlns:a16="http://schemas.microsoft.com/office/drawing/2014/main" id="{03F7A937-0ADC-4867-B171-96098389F72C}"/>
+              </a:ext>
+            </a:extLst>
+          </p:cNvPr>
+          <p:cNvSpPr>
+            <a:spLocks noGrp="1"/>
+          </p:cNvSpPr>
+          <p:nvPr>
+            <p:ph type="title"/>
+          </p:nvPr>
+        </p:nvSpPr>
+        <p:spPr>
+          <a:xfrm>
+            <a:off x="205740" y="130233"/>
+            <a:ext cx="11757660" cy="700498"/>
+          </a:xfrm>
+        </p:spPr>
+        <p:txBody>
+          <a:bodyPr/>
+          <a:lstStyle/>
+          <a:p>
+            <a:r>
+              <a:rPr lang="en-US" altLang="ko-KR" dirty="0">
+                <a:latin typeface="+mn-ea"/>
+                <a:ea typeface="+mn-ea"/>
+                <a:cs typeface="lato"/>
+              </a:rPr>
+              <a:t>Test4: Image Deblurring</a:t>
+            </a:r>
+          </a:p>
+        </p:txBody>
+      </p:sp>
+    </p:spTree>
+    <p:extLst>
+      <p:ext uri="{BB962C8B-B14F-4D97-AF65-F5344CB8AC3E}">
+        <p14:creationId xmlns:p14="http://schemas.microsoft.com/office/powerpoint/2010/main" val="1576852107"/>
       </p:ext>
     </p:extLst>
   </p:cSld>
@@ -6113,14 +14907,17 @@
                 </a:solidFill>
                 <a:cs typeface="lato"/>
               </a:rPr>
-              <a:t>이는 가장 적합한 하드웨어에서 태스크 실행의 스케줄링과 레이어간 통신을 담당</a:t>
-            </a:r>
-            <a:endParaRPr lang="en-US" altLang="ko-KR" dirty="0">
-              <a:solidFill>
-                <a:srgbClr val="3B3B3B"/>
-              </a:solidFill>
-              <a:cs typeface="lato"/>
-            </a:endParaRPr>
+              <a:t>이는 가장 적합한 하드웨어에서 작업 실행의 스케줄링과 레이어간 통신을 담당한다</a:t>
+            </a:r>
+            <a:r>
+              <a:rPr lang="en-US" altLang="ko-KR" dirty="0">
+                <a:solidFill>
+                  <a:srgbClr val="3B3B3B"/>
+                </a:solidFill>
+                <a:cs typeface="lato"/>
+              </a:rPr>
+              <a:t>.</a:t>
+            </a:r>
           </a:p>
         </p:txBody>
       </p:sp>
@@ -7344,7 +16141,7 @@
                 </a:solidFill>
                 <a:cs typeface="lato"/>
               </a:rPr>
-              <a:t>, DSP</a:t>
+              <a:t>, DSP(Digital Signal Processor)</a:t>
             </a:r>
             <a:r>
               <a:rPr lang="ko-KR" altLang="en-US" dirty="0">
@@ -8154,16 +16951,110 @@
         <a:srgbClr val="954F72"/>
       </a:folHlink>
     </a:clrScheme>
-    <a:fontScheme name="사용자 지정 1">
+    <a:fontScheme name="Office">
       <a:majorFont>
-        <a:latin typeface="Lato"/>
-        <a:ea typeface="Lato"/>
+        <a:latin typeface="맑은 고딕" panose="020F0302020204030204"/>
+        <a:ea typeface=""/>
         <a:cs typeface=""/>
+        <a:font script="Jpan" typeface="游ゴシック Light"/>
+        <a:font script="Hang" typeface="맑은 고딕"/>
+        <a:font script="Hans" typeface="等线 Light"/>
+        <a:font script="Hant" typeface="新細明體"/>
+        <a:font script="Arab" typeface="Times New Roman"/>
+        <a:font script="Hebr" typeface="Times New Roman"/>
+        <a:font script="Thai" typeface="Angsana New"/>
+        <a:font script="Ethi" typeface="Nyala"/>
+        <a:font script="Beng" typeface="Vrinda"/>
+        <a:font script="Gujr" typeface="Shruti"/>
+        <a:font script="Khmr" typeface="MoolBoran"/>
+        <a:font script="Knda" typeface="Tunga"/>
+        <a:font script="Guru" typeface="Raavi"/>
+        <a:font script="Cans" typeface="Euphemia"/>
+        <a:font script="Cher" typeface="Plantagenet Cherokee"/>
+        <a:font script="Yiii" typeface="Microsoft Yi Baiti"/>
+        <a:font script="Tibt" typeface="Microsoft Himalaya"/>
+        <a:font script="Thaa" typeface="MV Boli"/>
+        <a:font script="Deva" typeface="Mangal"/>
+        <a:font script="Telu" typeface="Gautami"/>
+        <a:font script="Taml" typeface="Latha"/>
+        <a:font script="Syrc" typeface="Estrangelo Edessa"/>
+        <a:font script="Orya" typeface="Kalinga"/>
+        <a:font script="Mlym" typeface="Kartika"/>
+        <a:font script="Laoo" typeface="DokChampa"/>
+        <a:font script="Sinh" typeface="Iskoola Pota"/>
+        <a:font script="Mong" typeface="Mongolian Baiti"/>
+        <a:font script="Viet" typeface="Times New Roman"/>
+        <a:font script="Uigh" typeface="Microsoft Uighur"/>
+        <a:font script="Geor" typeface="Sylfaen"/>
+        <a:font script="Armn" typeface="Arial"/>
+        <a:font script="Bugi" typeface="Leelawadee UI"/>
+        <a:font script="Bopo" typeface="Microsoft JhengHei"/>
+        <a:font script="Java" typeface="Javanese Text"/>
+        <a:font script="Lisu" typeface="Segoe UI"/>
+        <a:font script="Mymr" typeface="Myanmar Text"/>
+        <a:font script="Nkoo" typeface="Ebrima"/>
+        <a:font script="Olck" typeface="Nirmala UI"/>
+        <a:font script="Osma" typeface="Ebrima"/>
+        <a:font script="Phag" typeface="Phagspa"/>
+        <a:font script="Syrn" typeface="Estrangelo Edessa"/>
+        <a:font script="Syrj" typeface="Estrangelo Edessa"/>
+        <a:font script="Syre" typeface="Estrangelo Edessa"/>
+        <a:font script="Sora" typeface="Nirmala UI"/>
+        <a:font script="Tale" typeface="Microsoft Tai Le"/>
+        <a:font script="Talu" typeface="Microsoft New Tai Lue"/>
+        <a:font script="Tfng" typeface="Ebrima"/>
       </a:majorFont>
       <a:minorFont>
-        <a:latin typeface="lato"/>
-        <a:ea typeface="lato"/>
+        <a:latin typeface="맑은 고딕" panose="020F0502020204030204"/>
+        <a:ea typeface=""/>
         <a:cs typeface=""/>
+        <a:font script="Jpan" typeface="游ゴシック"/>
+        <a:font script="Hang" typeface="맑은 고딕"/>
+        <a:font script="Hans" typeface="等线"/>
+        <a:font script="Hant" typeface="新細明體"/>
+        <a:font script="Arab" typeface="Arial"/>
+        <a:font script="Hebr" typeface="Arial"/>
+        <a:font script="Thai" typeface="Cordia New"/>
+        <a:font script="Ethi" typeface="Nyala"/>
+        <a:font script="Beng" typeface="Vrinda"/>
+        <a:font script="Gujr" typeface="Shruti"/>
+        <a:font script="Khmr" typeface="DaunPenh"/>
+        <a:font script="Knda" typeface="Tunga"/>
+        <a:font script="Guru" typeface="Raavi"/>
+        <a:font script="Cans" typeface="Euphemia"/>
+        <a:font script="Cher" typeface="Plantagenet Cherokee"/>
+        <a:font script="Yiii" typeface="Microsoft Yi Baiti"/>
+        <a:font script="Tibt" typeface="Microsoft Himalaya"/>
+        <a:font script="Thaa" typeface="MV Boli"/>
+        <a:font script="Deva" typeface="Mangal"/>
+        <a:font script="Telu" typeface="Gautami"/>
+        <a:font script="Taml" typeface="Latha"/>
+        <a:font script="Syrc" typeface="Estrangelo Edessa"/>
+        <a:font script="Orya" typeface="Kalinga"/>
+        <a:font script="Mlym" typeface="Kartika"/>
+        <a:font script="Laoo" typeface="DokChampa"/>
+        <a:font script="Sinh" typeface="Iskoola Pota"/>
+        <a:font script="Mong" typeface="Mongolian Baiti"/>
+        <a:font script="Viet" typeface="Arial"/>
+        <a:font script="Uigh" typeface="Microsoft Uighur"/>
+        <a:font script="Geor" typeface="Sylfaen"/>
+        <a:font script="Armn" typeface="Arial"/>
+        <a:font script="Bugi" typeface="Leelawadee UI"/>
+        <a:font script="Bopo" typeface="Microsoft JhengHei"/>
+        <a:font script="Java" typeface="Javanese Text"/>
+        <a:font script="Lisu" typeface="Segoe UI"/>
+        <a:font script="Mymr" typeface="Myanmar Text"/>
+        <a:font script="Nkoo" typeface="Ebrima"/>
+        <a:font script="Olck" typeface="Nirmala UI"/>
+        <a:font script="Osma" typeface="Ebrima"/>
+        <a:font script="Phag" typeface="Phagspa"/>
+        <a:font script="Syrn" typeface="Estrangelo Edessa"/>
+        <a:font script="Syrj" typeface="Estrangelo Edessa"/>
+        <a:font script="Syre" typeface="Estrangelo Edessa"/>
+        <a:font script="Sora" typeface="Nirmala UI"/>
+        <a:font script="Tale" typeface="Microsoft Tai Le"/>
+        <a:font script="Talu" typeface="Microsoft New Tai Lue"/>
+        <a:font script="Tfng" typeface="Ebrima"/>
       </a:minorFont>
     </a:fontScheme>
     <a:fmtScheme name="Office">
